--- a/汇报.pptx
+++ b/汇报.pptx
@@ -5,12 +5,12 @@
     <p:sldMasterId id="2147483648" r:id="rId1"/>
   </p:sldMasterIdLst>
   <p:sldIdLst>
-    <p:sldId id="256" r:id="rId2"/>
-    <p:sldId id="257" r:id="rId3"/>
-    <p:sldId id="258" r:id="rId4"/>
-    <p:sldId id="259" r:id="rId5"/>
-    <p:sldId id="260" r:id="rId6"/>
-    <p:sldId id="261" r:id="rId7"/>
+    <p:sldId id="256" r:id="rId6"/>
+    <p:sldId id="257" r:id="rId7"/>
+    <p:sldId id="258" r:id="rId8"/>
+    <p:sldId id="259" r:id="rId9"/>
+    <p:sldId id="260" r:id="rId10"/>
+    <p:sldId id="261" r:id="rId11"/>
   </p:sldIdLst>
   <p:sldSz cx="12166600" cy="6838950"/>
   <p:notesSz cx="12166600" cy="6838950"/>
@@ -19,27 +19,11 @@
       <a:defRPr kern="0"/>
     </a:defPPr>
   </p:defaultTextStyle>
-  <p:extLst>
-    <p:ext uri="{EFAFB233-063F-42B5-8137-9DF3F51BA10A}">
-      <p15:sldGuideLst xmlns:p15="http://schemas.microsoft.com/office/powerpoint/2012/main">
-        <p15:guide id="1" orient="horz" pos="2880">
-          <p15:clr>
-            <a:srgbClr val="A4A3A4"/>
-          </p15:clr>
-        </p15:guide>
-        <p15:guide id="2" pos="2160">
-          <p15:clr>
-            <a:srgbClr val="A4A3A4"/>
-          </p15:clr>
-        </p15:guide>
-      </p15:sldGuideLst>
-    </p:ext>
-  </p:extLst>
 </p:presentation>
 </file>
 
 <file path=ppt/slideLayouts/slideLayout1.xml><?xml version="1.0" encoding="utf-8"?>
-<p:sldLayout xmlns:a="http://schemas.openxmlformats.org/drawingml/2006/main" xmlns:r="http://schemas.openxmlformats.org/officeDocument/2006/relationships" xmlns:p="http://schemas.openxmlformats.org/presentationml/2006/main" type="obj" preserve="1">
+<p:sldLayout xmlns:a="http://schemas.openxmlformats.org/drawingml/2006/main" xmlns:r="http://schemas.openxmlformats.org/officeDocument/2006/relationships" xmlns:p="http://schemas.openxmlformats.org/presentationml/2006/main" preserve="1" type="obj">
   <p:cSld name="Title Slide">
     <p:spTree>
       <p:nvGrpSpPr>
@@ -89,9 +73,7 @@
               </a:defRPr>
             </a:lvl1pPr>
           </a:lstStyle>
-          <a:p>
-            <a:endParaRPr/>
-          </a:p>
+          <a:p/>
         </p:txBody>
       </p:sp>
       <p:sp>
@@ -128,9 +110,7 @@
               </a:defRPr>
             </a:lvl1pPr>
           </a:lstStyle>
-          <a:p>
-            <a:endParaRPr/>
-          </a:p>
+          <a:p/>
         </p:txBody>
       </p:sp>
       <p:sp>
@@ -140,7 +120,7 @@
             <a:spLocks noGrp="1"/>
           </p:cNvSpPr>
           <p:nvPr>
-            <p:ph type="ftr" sz="quarter" idx="5"/>
+            <p:ph type="ftr" idx="5" sz="quarter"/>
           </p:nvPr>
         </p:nvSpPr>
         <p:spPr/>
@@ -157,9 +137,7 @@
               </a:defRPr>
             </a:lvl1pPr>
           </a:lstStyle>
-          <a:p>
-            <a:endParaRPr/>
-          </a:p>
+          <a:p/>
         </p:txBody>
       </p:sp>
       <p:sp>
@@ -169,7 +147,7 @@
             <a:spLocks noGrp="1"/>
           </p:cNvSpPr>
           <p:nvPr>
-            <p:ph type="dt" sz="half" idx="6"/>
+            <p:ph type="dt" idx="6" sz="half"/>
           </p:nvPr>
         </p:nvSpPr>
         <p:spPr/>
@@ -189,9 +167,7 @@
           <a:p>
             <a:fld id="{1D8BD707-D9CF-40AE-B4C6-C98DA3205C09}" type="datetimeFigureOut">
               <a:rPr lang="en-US"/>
-              <a:t>11/17/2025</a:t>
             </a:fld>
-            <a:endParaRPr lang="en-US"/>
           </a:p>
         </p:txBody>
       </p:sp>
@@ -202,7 +178,7 @@
             <a:spLocks noGrp="1"/>
           </p:cNvSpPr>
           <p:nvPr>
-            <p:ph type="sldNum" sz="quarter" idx="7"/>
+            <p:ph type="sldNum" idx="7" sz="quarter"/>
           </p:nvPr>
         </p:nvSpPr>
         <p:spPr/>
@@ -221,9 +197,8 @@
           </a:lstStyle>
           <a:p>
             <a:fld id="{B6F15528-21DE-4FAA-801E-634DDDAF4B2B}" type="slidenum">
-              <a:t>‹#›</a:t>
+              <a:t>#</a:t>
             </a:fld>
-            <a:endParaRPr/>
           </a:p>
         </p:txBody>
       </p:sp>
@@ -236,7 +211,7 @@
 </file>
 
 <file path=ppt/slideLayouts/slideLayout2.xml><?xml version="1.0" encoding="utf-8"?>
-<p:sldLayout xmlns:a="http://schemas.openxmlformats.org/drawingml/2006/main" xmlns:r="http://schemas.openxmlformats.org/officeDocument/2006/relationships" xmlns:p="http://schemas.openxmlformats.org/presentationml/2006/main" showMasterSp="0" type="obj" preserve="1">
+<p:sldLayout xmlns:a="http://schemas.openxmlformats.org/drawingml/2006/main" xmlns:r="http://schemas.openxmlformats.org/officeDocument/2006/relationships" xmlns:p="http://schemas.openxmlformats.org/presentationml/2006/main" preserve="1" type="obj" showMasterSp="0">
   <p:cSld name="Title and Content">
     <p:bg>
       <p:bgPr>
@@ -305,9 +280,7 @@
         <p:txBody>
           <a:bodyPr wrap="square" lIns="0" tIns="0" rIns="0" bIns="0" rtlCol="0"/>
           <a:lstStyle/>
-          <a:p>
-            <a:endParaRPr/>
-          </a:p>
+          <a:p/>
         </p:txBody>
       </p:sp>
       <p:sp>
@@ -355,9 +328,7 @@
         <p:txBody>
           <a:bodyPr wrap="square" lIns="0" tIns="0" rIns="0" bIns="0" rtlCol="0"/>
           <a:lstStyle/>
-          <a:p>
-            <a:endParaRPr/>
-          </a:p>
+          <a:p/>
         </p:txBody>
       </p:sp>
       <p:sp>
@@ -405,9 +376,7 @@
         <p:txBody>
           <a:bodyPr wrap="square" lIns="0" tIns="0" rIns="0" bIns="0" rtlCol="0"/>
           <a:lstStyle/>
-          <a:p>
-            <a:endParaRPr/>
-          </a:p>
+          <a:p/>
         </p:txBody>
       </p:sp>
       <p:sp>
@@ -455,9 +424,7 @@
         <p:txBody>
           <a:bodyPr wrap="square" lIns="0" tIns="0" rIns="0" bIns="0" rtlCol="0"/>
           <a:lstStyle/>
-          <a:p>
-            <a:endParaRPr/>
-          </a:p>
+          <a:p/>
         </p:txBody>
       </p:sp>
       <p:sp>
@@ -484,9 +451,7 @@
               </a:defRPr>
             </a:lvl1pPr>
           </a:lstStyle>
-          <a:p>
-            <a:endParaRPr/>
-          </a:p>
+          <a:p/>
         </p:txBody>
       </p:sp>
       <p:sp>
@@ -513,9 +478,7 @@
               </a:defRPr>
             </a:lvl1pPr>
           </a:lstStyle>
-          <a:p>
-            <a:endParaRPr/>
-          </a:p>
+          <a:p/>
         </p:txBody>
       </p:sp>
       <p:sp>
@@ -525,7 +488,7 @@
             <a:spLocks noGrp="1"/>
           </p:cNvSpPr>
           <p:nvPr>
-            <p:ph type="ftr" sz="quarter" idx="5"/>
+            <p:ph type="ftr" idx="5" sz="quarter"/>
           </p:nvPr>
         </p:nvSpPr>
         <p:spPr/>
@@ -542,9 +505,7 @@
               </a:defRPr>
             </a:lvl1pPr>
           </a:lstStyle>
-          <a:p>
-            <a:endParaRPr/>
-          </a:p>
+          <a:p/>
         </p:txBody>
       </p:sp>
       <p:sp>
@@ -554,7 +515,7 @@
             <a:spLocks noGrp="1"/>
           </p:cNvSpPr>
           <p:nvPr>
-            <p:ph type="dt" sz="half" idx="6"/>
+            <p:ph type="dt" idx="6" sz="half"/>
           </p:nvPr>
         </p:nvSpPr>
         <p:spPr/>
@@ -574,9 +535,7 @@
           <a:p>
             <a:fld id="{1D8BD707-D9CF-40AE-B4C6-C98DA3205C09}" type="datetimeFigureOut">
               <a:rPr lang="en-US"/>
-              <a:t>11/17/2025</a:t>
             </a:fld>
-            <a:endParaRPr lang="en-US"/>
           </a:p>
         </p:txBody>
       </p:sp>
@@ -587,7 +546,7 @@
             <a:spLocks noGrp="1"/>
           </p:cNvSpPr>
           <p:nvPr>
-            <p:ph type="sldNum" sz="quarter" idx="7"/>
+            <p:ph type="sldNum" idx="7" sz="quarter"/>
           </p:nvPr>
         </p:nvSpPr>
         <p:spPr/>
@@ -606,9 +565,8 @@
           </a:lstStyle>
           <a:p>
             <a:fld id="{B6F15528-21DE-4FAA-801E-634DDDAF4B2B}" type="slidenum">
-              <a:t>‹#›</a:t>
+              <a:t>#</a:t>
             </a:fld>
-            <a:endParaRPr/>
           </a:p>
         </p:txBody>
       </p:sp>
@@ -621,7 +579,7 @@
 </file>
 
 <file path=ppt/slideLayouts/slideLayout3.xml><?xml version="1.0" encoding="utf-8"?>
-<p:sldLayout xmlns:a="http://schemas.openxmlformats.org/drawingml/2006/main" xmlns:r="http://schemas.openxmlformats.org/officeDocument/2006/relationships" xmlns:p="http://schemas.openxmlformats.org/presentationml/2006/main" type="obj" preserve="1">
+<p:sldLayout xmlns:a="http://schemas.openxmlformats.org/drawingml/2006/main" xmlns:r="http://schemas.openxmlformats.org/officeDocument/2006/relationships" xmlns:p="http://schemas.openxmlformats.org/presentationml/2006/main" preserve="1" type="obj">
   <p:cSld name="Two Content">
     <p:spTree>
       <p:nvGrpSpPr>
@@ -661,9 +619,7 @@
               </a:defRPr>
             </a:lvl1pPr>
           </a:lstStyle>
-          <a:p>
-            <a:endParaRPr/>
-          </a:p>
+          <a:p/>
         </p:txBody>
       </p:sp>
       <p:sp>
@@ -673,7 +629,7 @@
             <a:spLocks noGrp="1"/>
           </p:cNvSpPr>
           <p:nvPr>
-            <p:ph sz="half" idx="2"/>
+            <p:ph idx="2" sz="half"/>
           </p:nvPr>
         </p:nvSpPr>
         <p:spPr>
@@ -694,9 +650,7 @@
               <a:defRPr/>
             </a:lvl1pPr>
           </a:lstStyle>
-          <a:p>
-            <a:endParaRPr/>
-          </a:p>
+          <a:p/>
         </p:txBody>
       </p:sp>
       <p:sp>
@@ -706,7 +660,7 @@
             <a:spLocks noGrp="1"/>
           </p:cNvSpPr>
           <p:nvPr>
-            <p:ph sz="half" idx="3"/>
+            <p:ph idx="3" sz="half"/>
           </p:nvPr>
         </p:nvSpPr>
         <p:spPr>
@@ -727,9 +681,7 @@
               <a:defRPr/>
             </a:lvl1pPr>
           </a:lstStyle>
-          <a:p>
-            <a:endParaRPr/>
-          </a:p>
+          <a:p/>
         </p:txBody>
       </p:sp>
       <p:sp>
@@ -739,7 +691,7 @@
             <a:spLocks noGrp="1"/>
           </p:cNvSpPr>
           <p:nvPr>
-            <p:ph type="ftr" sz="quarter" idx="5"/>
+            <p:ph type="ftr" idx="5" sz="quarter"/>
           </p:nvPr>
         </p:nvSpPr>
         <p:spPr/>
@@ -756,9 +708,7 @@
               </a:defRPr>
             </a:lvl1pPr>
           </a:lstStyle>
-          <a:p>
-            <a:endParaRPr/>
-          </a:p>
+          <a:p/>
         </p:txBody>
       </p:sp>
       <p:sp>
@@ -768,7 +718,7 @@
             <a:spLocks noGrp="1"/>
           </p:cNvSpPr>
           <p:nvPr>
-            <p:ph type="dt" sz="half" idx="6"/>
+            <p:ph type="dt" idx="6" sz="half"/>
           </p:nvPr>
         </p:nvSpPr>
         <p:spPr/>
@@ -788,9 +738,7 @@
           <a:p>
             <a:fld id="{1D8BD707-D9CF-40AE-B4C6-C98DA3205C09}" type="datetimeFigureOut">
               <a:rPr lang="en-US"/>
-              <a:t>11/17/2025</a:t>
             </a:fld>
-            <a:endParaRPr lang="en-US"/>
           </a:p>
         </p:txBody>
       </p:sp>
@@ -801,7 +749,7 @@
             <a:spLocks noGrp="1"/>
           </p:cNvSpPr>
           <p:nvPr>
-            <p:ph type="sldNum" sz="quarter" idx="7"/>
+            <p:ph type="sldNum" idx="7" sz="quarter"/>
           </p:nvPr>
         </p:nvSpPr>
         <p:spPr/>
@@ -820,9 +768,8 @@
           </a:lstStyle>
           <a:p>
             <a:fld id="{B6F15528-21DE-4FAA-801E-634DDDAF4B2B}" type="slidenum">
-              <a:t>‹#›</a:t>
+              <a:t>#</a:t>
             </a:fld>
-            <a:endParaRPr/>
           </a:p>
         </p:txBody>
       </p:sp>
@@ -835,7 +782,7 @@
 </file>
 
 <file path=ppt/slideLayouts/slideLayout4.xml><?xml version="1.0" encoding="utf-8"?>
-<p:sldLayout xmlns:a="http://schemas.openxmlformats.org/drawingml/2006/main" xmlns:r="http://schemas.openxmlformats.org/officeDocument/2006/relationships" xmlns:p="http://schemas.openxmlformats.org/presentationml/2006/main" type="obj" preserve="1">
+<p:sldLayout xmlns:a="http://schemas.openxmlformats.org/drawingml/2006/main" xmlns:r="http://schemas.openxmlformats.org/officeDocument/2006/relationships" xmlns:p="http://schemas.openxmlformats.org/presentationml/2006/main" preserve="1" type="obj">
   <p:cSld name="Title Only">
     <p:spTree>
       <p:nvGrpSpPr>
@@ -875,9 +822,7 @@
               </a:defRPr>
             </a:lvl1pPr>
           </a:lstStyle>
-          <a:p>
-            <a:endParaRPr/>
-          </a:p>
+          <a:p/>
         </p:txBody>
       </p:sp>
       <p:sp>
@@ -887,7 +832,7 @@
             <a:spLocks noGrp="1"/>
           </p:cNvSpPr>
           <p:nvPr>
-            <p:ph type="ftr" sz="quarter" idx="5"/>
+            <p:ph type="ftr" idx="5" sz="quarter"/>
           </p:nvPr>
         </p:nvSpPr>
         <p:spPr/>
@@ -904,9 +849,7 @@
               </a:defRPr>
             </a:lvl1pPr>
           </a:lstStyle>
-          <a:p>
-            <a:endParaRPr/>
-          </a:p>
+          <a:p/>
         </p:txBody>
       </p:sp>
       <p:sp>
@@ -916,7 +859,7 @@
             <a:spLocks noGrp="1"/>
           </p:cNvSpPr>
           <p:nvPr>
-            <p:ph type="dt" sz="half" idx="6"/>
+            <p:ph type="dt" idx="6" sz="half"/>
           </p:nvPr>
         </p:nvSpPr>
         <p:spPr/>
@@ -936,9 +879,7 @@
           <a:p>
             <a:fld id="{1D8BD707-D9CF-40AE-B4C6-C98DA3205C09}" type="datetimeFigureOut">
               <a:rPr lang="en-US"/>
-              <a:t>11/17/2025</a:t>
             </a:fld>
-            <a:endParaRPr lang="en-US"/>
           </a:p>
         </p:txBody>
       </p:sp>
@@ -949,7 +890,7 @@
             <a:spLocks noGrp="1"/>
           </p:cNvSpPr>
           <p:nvPr>
-            <p:ph type="sldNum" sz="quarter" idx="7"/>
+            <p:ph type="sldNum" idx="7" sz="quarter"/>
           </p:nvPr>
         </p:nvSpPr>
         <p:spPr/>
@@ -968,9 +909,8 @@
           </a:lstStyle>
           <a:p>
             <a:fld id="{B6F15528-21DE-4FAA-801E-634DDDAF4B2B}" type="slidenum">
-              <a:t>‹#›</a:t>
+              <a:t>#</a:t>
             </a:fld>
-            <a:endParaRPr/>
           </a:p>
         </p:txBody>
       </p:sp>
@@ -983,7 +923,7 @@
 </file>
 
 <file path=ppt/slideLayouts/slideLayout5.xml><?xml version="1.0" encoding="utf-8"?>
-<p:sldLayout xmlns:a="http://schemas.openxmlformats.org/drawingml/2006/main" xmlns:r="http://schemas.openxmlformats.org/officeDocument/2006/relationships" xmlns:p="http://schemas.openxmlformats.org/presentationml/2006/main" type="obj" preserve="1">
+<p:sldLayout xmlns:a="http://schemas.openxmlformats.org/drawingml/2006/main" xmlns:r="http://schemas.openxmlformats.org/officeDocument/2006/relationships" xmlns:p="http://schemas.openxmlformats.org/presentationml/2006/main" preserve="1" type="obj">
   <p:cSld name="Blank">
     <p:spTree>
       <p:nvGrpSpPr>
@@ -1006,7 +946,7 @@
             <a:spLocks noGrp="1"/>
           </p:cNvSpPr>
           <p:nvPr>
-            <p:ph type="ftr" sz="quarter" idx="5"/>
+            <p:ph type="ftr" idx="5" sz="quarter"/>
           </p:nvPr>
         </p:nvSpPr>
         <p:spPr/>
@@ -1023,9 +963,7 @@
               </a:defRPr>
             </a:lvl1pPr>
           </a:lstStyle>
-          <a:p>
-            <a:endParaRPr/>
-          </a:p>
+          <a:p/>
         </p:txBody>
       </p:sp>
       <p:sp>
@@ -1035,7 +973,7 @@
             <a:spLocks noGrp="1"/>
           </p:cNvSpPr>
           <p:nvPr>
-            <p:ph type="dt" sz="half" idx="6"/>
+            <p:ph type="dt" idx="6" sz="half"/>
           </p:nvPr>
         </p:nvSpPr>
         <p:spPr/>
@@ -1055,9 +993,7 @@
           <a:p>
             <a:fld id="{1D8BD707-D9CF-40AE-B4C6-C98DA3205C09}" type="datetimeFigureOut">
               <a:rPr lang="en-US"/>
-              <a:t>11/17/2025</a:t>
             </a:fld>
-            <a:endParaRPr lang="en-US"/>
           </a:p>
         </p:txBody>
       </p:sp>
@@ -1068,7 +1004,7 @@
             <a:spLocks noGrp="1"/>
           </p:cNvSpPr>
           <p:nvPr>
-            <p:ph type="sldNum" sz="quarter" idx="7"/>
+            <p:ph type="sldNum" idx="7" sz="quarter"/>
           </p:nvPr>
         </p:nvSpPr>
         <p:spPr/>
@@ -1087,9 +1023,8 @@
           </a:lstStyle>
           <a:p>
             <a:fld id="{B6F15528-21DE-4FAA-801E-634DDDAF4B2B}" type="slidenum">
-              <a:t>‹#›</a:t>
+              <a:t>#</a:t>
             </a:fld>
-            <a:endParaRPr/>
           </a:p>
         </p:txBody>
       </p:sp>
@@ -1160,9 +1095,7 @@
               </a:defRPr>
             </a:lvl1pPr>
           </a:lstStyle>
-          <a:p>
-            <a:endParaRPr/>
-          </a:p>
+          <a:p/>
         </p:txBody>
       </p:sp>
       <p:sp>
@@ -1199,9 +1132,7 @@
               </a:defRPr>
             </a:lvl1pPr>
           </a:lstStyle>
-          <a:p>
-            <a:endParaRPr/>
-          </a:p>
+          <a:p/>
         </p:txBody>
       </p:sp>
       <p:sp>
@@ -1211,7 +1142,7 @@
             <a:spLocks noGrp="1"/>
           </p:cNvSpPr>
           <p:nvPr>
-            <p:ph type="ftr" sz="quarter" idx="5"/>
+            <p:ph type="ftr" idx="5" sz="quarter"/>
           </p:nvPr>
         </p:nvSpPr>
         <p:spPr>
@@ -1238,9 +1169,7 @@
               </a:defRPr>
             </a:lvl1pPr>
           </a:lstStyle>
-          <a:p>
-            <a:endParaRPr/>
-          </a:p>
+          <a:p/>
         </p:txBody>
       </p:sp>
       <p:sp>
@@ -1250,7 +1179,7 @@
             <a:spLocks noGrp="1"/>
           </p:cNvSpPr>
           <p:nvPr>
-            <p:ph type="dt" sz="half" idx="6"/>
+            <p:ph type="dt" idx="6" sz="half"/>
           </p:nvPr>
         </p:nvSpPr>
         <p:spPr>
@@ -1280,9 +1209,7 @@
           <a:p>
             <a:fld id="{1D8BD707-D9CF-40AE-B4C6-C98DA3205C09}" type="datetimeFigureOut">
               <a:rPr lang="en-US"/>
-              <a:t>11/17/2025</a:t>
             </a:fld>
-            <a:endParaRPr lang="en-US"/>
           </a:p>
         </p:txBody>
       </p:sp>
@@ -1293,7 +1220,7 @@
             <a:spLocks noGrp="1"/>
           </p:cNvSpPr>
           <p:nvPr>
-            <p:ph type="sldNum" sz="quarter" idx="7"/>
+            <p:ph type="sldNum" idx="7" sz="quarter"/>
           </p:nvPr>
         </p:nvSpPr>
         <p:spPr>
@@ -1322,15 +1249,14 @@
           </a:lstStyle>
           <a:p>
             <a:fld id="{B6F15528-21DE-4FAA-801E-634DDDAF4B2B}" type="slidenum">
-              <a:t>‹#›</a:t>
+              <a:t>#</a:t>
             </a:fld>
-            <a:endParaRPr/>
           </a:p>
         </p:txBody>
       </p:sp>
     </p:spTree>
   </p:cSld>
-  <p:clrMap bg1="lt1" tx1="dk1" bg2="lt2" tx2="dk2" accent1="accent1" accent2="accent2" accent3="accent3" accent4="accent4" accent5="accent5" accent6="accent6" hlink="hlink" folHlink="folHlink"/>
+  <p:clrMap folHlink="folHlink" hlink="hlink" accent1="accent1" accent2="accent2" accent3="accent3" accent4="accent4" accent5="accent5" accent6="accent6" tx2="dk2" bg2="lt2" tx1="dk1" bg1="lt1"/>
   <p:sldLayoutIdLst>
     <p:sldLayoutId id="2147483661" r:id="rId1"/>
     <p:sldLayoutId id="2147483662" r:id="rId2"/>
@@ -1510,12 +1436,10 @@
           </p:nvPr>
         </p:nvSpPr>
         <p:spPr>
-          <a:prstGeom prst="rect">
-            <a:avLst/>
-          </a:prstGeom>
+          <a:prstGeom prst="rect"/>
         </p:spPr>
         <p:txBody>
-          <a:bodyPr vert="horz" wrap="square" lIns="0" tIns="12700" rIns="0" bIns="0" rtlCol="0">
+          <a:bodyPr wrap="square" lIns="0" tIns="12700" rIns="0" bIns="0" rtlCol="0" vert="horz">
             <a:spAutoFit/>
           </a:bodyPr>
           <a:lstStyle/>
@@ -1533,14 +1457,14 @@
               <a:t>利用数据库编程进行</a:t>
             </a:r>
             <a:r>
-              <a:rPr b="0" spc="-35" dirty="0">
+              <a:rPr dirty="0" spc="-35" b="0">
                 <a:latin typeface="Segoe UI Semibold"/>
                 <a:cs typeface="Segoe UI Semibold"/>
               </a:rPr>
               <a:t>LDA</a:t>
             </a:r>
             <a:r>
-              <a:rPr spc="-10" dirty="0"/>
+              <a:rPr dirty="0" spc="-10"/>
               <a:t>模拟和检验</a:t>
             </a:r>
           </a:p>
@@ -1548,7 +1472,7 @@
       </p:sp>
       <p:sp>
         <p:nvSpPr>
-          <p:cNvPr id="3" name="object 3"/>
+          <p:cNvPr id="3" name="object 3" descr=""/>
           <p:cNvSpPr txBox="1"/>
           <p:nvPr/>
         </p:nvSpPr>
@@ -1562,12 +1486,12 @@
           </a:prstGeom>
         </p:spPr>
         <p:txBody>
-          <a:bodyPr vert="horz" wrap="square" lIns="0" tIns="12700" rIns="0" bIns="0" rtlCol="0">
+          <a:bodyPr wrap="square" lIns="0" tIns="12700" rIns="0" bIns="0" rtlCol="0" vert="horz">
             <a:spAutoFit/>
           </a:bodyPr>
           <a:lstStyle/>
           <a:p>
-            <a:pPr marR="5080" algn="r">
+            <a:pPr algn="r" marR="5080">
               <a:lnSpc>
                 <a:spcPct val="100000"/>
               </a:lnSpc>
@@ -1576,7 +1500,7 @@
               </a:spcBef>
             </a:pPr>
             <a:r>
-              <a:rPr sz="1800" dirty="0">
+              <a:rPr dirty="0" sz="1800">
                 <a:solidFill>
                   <a:srgbClr val="24292E"/>
                 </a:solidFill>
@@ -1586,7 +1510,7 @@
               <a:t>10230327</a:t>
             </a:r>
             <a:r>
-              <a:rPr sz="1800" spc="-80" dirty="0">
+              <a:rPr dirty="0" sz="1800" spc="-80">
                 <a:solidFill>
                   <a:srgbClr val="24292E"/>
                 </a:solidFill>
@@ -1596,7 +1520,7 @@
               <a:t> </a:t>
             </a:r>
             <a:r>
-              <a:rPr sz="1800" b="1" spc="-20" dirty="0">
+              <a:rPr dirty="0" sz="1800" spc="-20" b="1">
                 <a:solidFill>
                   <a:srgbClr val="24292E"/>
                 </a:solidFill>
@@ -1620,7 +1544,7 @@
               </a:spcBef>
             </a:pPr>
             <a:r>
-              <a:rPr sz="1800" b="1" spc="-5" dirty="0">
+              <a:rPr dirty="0" sz="1800" spc="-5" b="1">
                 <a:solidFill>
                   <a:srgbClr val="24292E"/>
                 </a:solidFill>
@@ -1630,7 +1554,7 @@
               <a:t>一、本项目原理：</a:t>
             </a:r>
             <a:r>
-              <a:rPr sz="1800" spc="-20" dirty="0">
+              <a:rPr dirty="0" sz="1800" spc="-20">
                 <a:solidFill>
                   <a:srgbClr val="24292E"/>
                 </a:solidFill>
@@ -1640,7 +1564,7 @@
               <a:t>LDA</a:t>
             </a:r>
             <a:r>
-              <a:rPr sz="1800" b="1" spc="-15" dirty="0">
+              <a:rPr dirty="0" sz="1800" spc="-15" b="1">
                 <a:solidFill>
                   <a:srgbClr val="24292E"/>
                 </a:solidFill>
@@ -1658,7 +1582,7 @@
       </p:sp>
       <p:sp>
         <p:nvSpPr>
-          <p:cNvPr id="4" name="object 4"/>
+          <p:cNvPr id="4" name="object 4" descr=""/>
           <p:cNvSpPr txBox="1">
             <a:spLocks noGrp="1"/>
           </p:cNvSpPr>
@@ -1667,12 +1591,10 @@
           </p:nvPr>
         </p:nvSpPr>
         <p:spPr>
-          <a:prstGeom prst="rect">
-            <a:avLst/>
-          </a:prstGeom>
+          <a:prstGeom prst="rect"/>
         </p:spPr>
         <p:txBody>
-          <a:bodyPr vert="horz" wrap="square" lIns="0" tIns="12700" rIns="0" bIns="0" rtlCol="0">
+          <a:bodyPr wrap="square" lIns="0" tIns="12700" rIns="0" bIns="0" rtlCol="0" vert="horz">
             <a:spAutoFit/>
           </a:bodyPr>
           <a:lstStyle/>
@@ -1686,14 +1608,14 @@
               </a:spcBef>
             </a:pPr>
             <a:r>
-              <a:rPr spc="-20" dirty="0">
+              <a:rPr dirty="0" spc="-20">
                 <a:latin typeface="Segoe UI"/>
                 <a:cs typeface="Segoe UI"/>
               </a:rPr>
               <a:t>LDA</a:t>
             </a:r>
             <a:r>
-              <a:rPr spc="-5" dirty="0"/>
+              <a:rPr dirty="0" spc="-5"/>
               <a:t>将文档生成过程建模成一个概率图模型，即假设文档是由多个单词混合生成的，其中单词的出现是由潜在主题决定的。具体过程如下：</a:t>
             </a:r>
           </a:p>
@@ -1716,46 +1638,46 @@
               <a:t>假设每篇文档的主题分布服从一个狄利克雷分布</a:t>
             </a:r>
             <a:r>
-              <a:rPr spc="-45" dirty="0"/>
+              <a:rPr dirty="0" spc="-45"/>
               <a:t>（</a:t>
             </a:r>
             <a:r>
-              <a:rPr sz="1450" i="1" spc="-45" dirty="0">
+              <a:rPr dirty="0" sz="1450" spc="-45" i="1">
                 <a:latin typeface="Palatino Linotype"/>
                 <a:cs typeface="Palatino Linotype"/>
               </a:rPr>
               <a:t>θ</a:t>
             </a:r>
             <a:r>
-              <a:rPr sz="1450" i="1" spc="70" dirty="0">
+              <a:rPr dirty="0" sz="1450" spc="70" i="1">
                 <a:latin typeface="Palatino Linotype"/>
                 <a:cs typeface="Palatino Linotype"/>
               </a:rPr>
               <a:t> </a:t>
             </a:r>
             <a:r>
-              <a:rPr sz="1450" spc="80" dirty="0">
+              <a:rPr dirty="0" sz="1450" spc="80">
                 <a:latin typeface="Cambria"/>
                 <a:cs typeface="Cambria"/>
               </a:rPr>
               <a:t>∼ </a:t>
             </a:r>
             <a:r>
-              <a:rPr sz="1450" dirty="0">
+              <a:rPr dirty="0" sz="1450">
                 <a:latin typeface="Cambria"/>
                 <a:cs typeface="Cambria"/>
               </a:rPr>
               <a:t>Dirichlet(</a:t>
             </a:r>
             <a:r>
-              <a:rPr sz="1450" i="1" dirty="0">
+              <a:rPr dirty="0" sz="1450" i="1">
                 <a:latin typeface="Palatino Linotype"/>
                 <a:cs typeface="Palatino Linotype"/>
               </a:rPr>
               <a:t>α</a:t>
             </a:r>
             <a:r>
-              <a:rPr sz="1450" dirty="0">
+              <a:rPr dirty="0" sz="1450">
                 <a:latin typeface="Cambria"/>
                 <a:cs typeface="Cambria"/>
               </a:rPr>
@@ -1773,49 +1695,56 @@
               <a:t>，每个主题的单词分布也服从一个狄利克雷分布（</a:t>
             </a:r>
             <a:r>
-              <a:rPr sz="1450" i="1" dirty="0">
+              <a:rPr dirty="0" sz="1450" i="1">
                 <a:latin typeface="Palatino Linotype"/>
                 <a:cs typeface="Palatino Linotype"/>
               </a:rPr>
               <a:t>ϕ</a:t>
             </a:r>
             <a:r>
-              <a:rPr sz="1450" i="1" spc="35" dirty="0">
+              <a:rPr dirty="0" sz="1450" spc="35" i="1">
                 <a:latin typeface="Palatino Linotype"/>
                 <a:cs typeface="Palatino Linotype"/>
               </a:rPr>
               <a:t> </a:t>
             </a:r>
             <a:r>
-              <a:rPr sz="1450" spc="30" dirty="0">
+              <a:rPr dirty="0" sz="1450" spc="30">
                 <a:latin typeface="Cambria"/>
                 <a:cs typeface="Cambria"/>
               </a:rPr>
-              <a:t>∼ 	</a:t>
-            </a:r>
-            <a:r>
-              <a:rPr sz="1450" spc="-10" dirty="0">
+              <a:t>∼ </a:t>
+            </a:r>
+            <a:r>
+              <a:rPr dirty="0" sz="1450" spc="30">
                 <a:latin typeface="Cambria"/>
                 <a:cs typeface="Cambria"/>
               </a:rPr>
-              <a:t>Dirichlet(</a:t>
-            </a:r>
-            <a:r>
-              <a:rPr sz="1450" i="1" spc="-10" dirty="0">
-                <a:latin typeface="Palatino Linotype"/>
-                <a:cs typeface="Palatino Linotype"/>
-              </a:rPr>
-              <a:t>α</a:t>
-            </a:r>
-            <a:r>
-              <a:rPr sz="1450" spc="-10" dirty="0">
+              <a:t>	</a:t>
+            </a:r>
+            <a:r>
+              <a:rPr dirty="0" sz="1450" spc="-10">
                 <a:latin typeface="Cambria"/>
                 <a:cs typeface="Cambria"/>
               </a:rPr>
+              <a:t>Dirichlet(</a:t>
+            </a:r>
+            <a:r>
+              <a:rPr dirty="0" sz="1450" spc="-10" i="1">
+                <a:latin typeface="Palatino Linotype"/>
+                <a:cs typeface="Palatino Linotype"/>
+              </a:rPr>
+              <a:t>α</a:t>
+            </a:r>
+            <a:r>
+              <a:rPr dirty="0" sz="1450" spc="-10">
+                <a:latin typeface="Cambria"/>
+                <a:cs typeface="Cambria"/>
+              </a:rPr>
               <a:t>)</a:t>
             </a:r>
             <a:r>
-              <a:rPr spc="-10" dirty="0">
+              <a:rPr dirty="0" spc="-10">
                 <a:latin typeface="Segoe UI"/>
                 <a:cs typeface="Segoe UI"/>
               </a:rPr>
@@ -1845,18 +1774,18 @@
               <a:t>对于每篇文档，我们先从主题分布</a:t>
             </a:r>
             <a:r>
-              <a:rPr spc="-65" dirty="0"/>
+              <a:rPr dirty="0" spc="-65"/>
               <a:t>（</a:t>
             </a:r>
             <a:r>
-              <a:rPr sz="1450" i="1" spc="-65" dirty="0">
+              <a:rPr dirty="0" sz="1450" spc="-65" i="1">
                 <a:latin typeface="Palatino Linotype"/>
                 <a:cs typeface="Palatino Linotype"/>
               </a:rPr>
               <a:t>θ</a:t>
             </a:r>
             <a:r>
-              <a:rPr spc="-65" dirty="0"/>
+              <a:rPr dirty="0" spc="-65"/>
               <a:t>）</a:t>
             </a:r>
             <a:r>
@@ -1864,7 +1793,7 @@
               <a:t>中抽取一个主题记作（</a:t>
             </a:r>
             <a:r>
-              <a:rPr sz="1450" i="1" dirty="0">
+              <a:rPr dirty="0" sz="1450" i="1">
                 <a:latin typeface="Palatino Linotype"/>
                 <a:cs typeface="Palatino Linotype"/>
               </a:rPr>
@@ -1875,7 +1804,7 @@
               <a:t>），再从主题（</a:t>
             </a:r>
             <a:r>
-              <a:rPr sz="1450" i="1" dirty="0">
+              <a:rPr dirty="0" sz="1450" i="1">
                 <a:latin typeface="Palatino Linotype"/>
                 <a:cs typeface="Palatino Linotype"/>
               </a:rPr>
@@ -1886,36 +1815,36 @@
               <a:t>）的单词分布</a:t>
             </a:r>
             <a:r>
-              <a:rPr spc="-35" dirty="0"/>
+              <a:rPr dirty="0" spc="-35"/>
               <a:t>（</a:t>
             </a:r>
             <a:r>
-              <a:rPr sz="1450" i="1" spc="-35" dirty="0">
+              <a:rPr dirty="0" sz="1450" spc="-35" i="1">
                 <a:latin typeface="Palatino Linotype"/>
                 <a:cs typeface="Palatino Linotype"/>
               </a:rPr>
               <a:t>ϕ</a:t>
             </a:r>
             <a:r>
-              <a:rPr sz="1500" i="1" spc="-52" baseline="-13888" dirty="0">
+              <a:rPr dirty="0" baseline="-13888" sz="1500" spc="-52" i="1">
                 <a:latin typeface="Palatino Linotype"/>
                 <a:cs typeface="Palatino Linotype"/>
               </a:rPr>
               <a:t>z</a:t>
             </a:r>
             <a:r>
-              <a:rPr sz="1500" i="1" spc="142" baseline="-13888" dirty="0">
+              <a:rPr dirty="0" baseline="-13888" sz="1500" spc="142" i="1">
                 <a:latin typeface="Palatino Linotype"/>
                 <a:cs typeface="Palatino Linotype"/>
               </a:rPr>
               <a:t> </a:t>
             </a:r>
             <a:r>
-              <a:rPr sz="1200" dirty="0"/>
+              <a:rPr dirty="0" sz="1200"/>
               <a:t>）</a:t>
             </a:r>
             <a:r>
-              <a:rPr sz="1200" spc="-10" dirty="0"/>
+              <a:rPr dirty="0" sz="1200" spc="-10"/>
               <a:t>中抽取一个单词。</a:t>
             </a:r>
             <a:endParaRPr sz="1200">
@@ -1942,18 +1871,18 @@
               <a:t>则给定</a:t>
             </a:r>
             <a:r>
-              <a:rPr spc="120" dirty="0"/>
+              <a:rPr dirty="0" spc="120"/>
               <a:t>（</a:t>
             </a:r>
             <a:r>
-              <a:rPr sz="1450" i="1" spc="120" dirty="0">
+              <a:rPr dirty="0" sz="1450" spc="120" i="1">
                 <a:latin typeface="Palatino Linotype"/>
                 <a:cs typeface="Palatino Linotype"/>
               </a:rPr>
               <a:t>K</a:t>
             </a:r>
             <a:r>
-              <a:rPr spc="120" dirty="0"/>
+              <a:rPr dirty="0" spc="120"/>
               <a:t>）</a:t>
             </a:r>
             <a:r>
@@ -1961,7 +1890,7 @@
               <a:t>个主题和文档（</a:t>
             </a:r>
             <a:r>
-              <a:rPr sz="1450" i="1" dirty="0">
+              <a:rPr dirty="0" sz="1450" i="1">
                 <a:latin typeface="Palatino Linotype"/>
                 <a:cs typeface="Palatino Linotype"/>
               </a:rPr>
@@ -1983,22 +1912,22 @@
               <a:t>个词语组成的文本</a:t>
             </a:r>
             <a:r>
-              <a:rPr spc="-30" dirty="0"/>
+              <a:rPr dirty="0" spc="-30"/>
               <a:t>（</a:t>
             </a:r>
             <a:r>
-              <a:rPr sz="1450" i="1" spc="-30" dirty="0">
+              <a:rPr dirty="0" sz="1450" spc="-30" i="1">
                 <a:latin typeface="Palatino Linotype"/>
                 <a:cs typeface="Palatino Linotype"/>
               </a:rPr>
               <a:t>ω</a:t>
             </a:r>
             <a:r>
-              <a:rPr spc="-30" dirty="0"/>
+              <a:rPr dirty="0" spc="-30"/>
               <a:t>）</a:t>
             </a:r>
             <a:r>
-              <a:rPr spc="-10" dirty="0"/>
+              <a:rPr dirty="0" spc="-10"/>
               <a:t>被生成的概率为：</a:t>
             </a:r>
             <a:endParaRPr sz="1450">
@@ -2010,7 +1939,7 @@
       </p:sp>
       <p:sp>
         <p:nvSpPr>
-          <p:cNvPr id="5" name="object 5"/>
+          <p:cNvPr id="5" name="object 5" descr=""/>
           <p:cNvSpPr txBox="1"/>
           <p:nvPr/>
         </p:nvSpPr>
@@ -2024,7 +1953,7 @@
           </a:prstGeom>
         </p:spPr>
         <p:txBody>
-          <a:bodyPr vert="horz" wrap="square" lIns="0" tIns="12700" rIns="0" bIns="0" rtlCol="0">
+          <a:bodyPr wrap="square" lIns="0" tIns="12700" rIns="0" bIns="0" rtlCol="0" vert="horz">
             <a:spAutoFit/>
           </a:bodyPr>
           <a:lstStyle/>
@@ -2038,7 +1967,7 @@
               </a:spcBef>
             </a:pPr>
             <a:r>
-              <a:rPr sz="1200" dirty="0">
+              <a:rPr dirty="0" sz="1200">
                 <a:solidFill>
                   <a:srgbClr val="24292E"/>
                 </a:solidFill>
@@ -2048,7 +1977,7 @@
               <a:t>（边缘似然</a:t>
             </a:r>
             <a:r>
-              <a:rPr sz="1200" spc="-50" dirty="0">
+              <a:rPr dirty="0" sz="1200" spc="-50">
                 <a:solidFill>
                   <a:srgbClr val="24292E"/>
                 </a:solidFill>
@@ -2066,7 +1995,7 @@
       </p:sp>
       <p:sp>
         <p:nvSpPr>
-          <p:cNvPr id="6" name="object 6"/>
+          <p:cNvPr id="6" name="object 6" descr=""/>
           <p:cNvSpPr txBox="1"/>
           <p:nvPr/>
         </p:nvSpPr>
@@ -2080,7 +2009,7 @@
           </a:prstGeom>
         </p:spPr>
         <p:txBody>
-          <a:bodyPr vert="horz" wrap="square" lIns="0" tIns="12700" rIns="0" bIns="0" rtlCol="0">
+          <a:bodyPr wrap="square" lIns="0" tIns="12700" rIns="0" bIns="0" rtlCol="0" vert="horz">
             <a:spAutoFit/>
           </a:bodyPr>
           <a:lstStyle/>
@@ -2094,7 +2023,7 @@
               </a:spcBef>
             </a:pPr>
             <a:r>
-              <a:rPr sz="1800" b="1" dirty="0">
+              <a:rPr dirty="0" sz="1800" b="1">
                 <a:solidFill>
                   <a:srgbClr val="24292E"/>
                 </a:solidFill>
@@ -2104,7 +2033,7 @@
               <a:t>二、</a:t>
             </a:r>
             <a:r>
-              <a:rPr sz="1800" dirty="0">
+              <a:rPr dirty="0" sz="1800">
                 <a:solidFill>
                   <a:srgbClr val="24292E"/>
                 </a:solidFill>
@@ -2114,7 +2043,7 @@
               <a:t>Dirichlet</a:t>
             </a:r>
             <a:r>
-              <a:rPr sz="1800" spc="-50" dirty="0">
+              <a:rPr dirty="0" sz="1800" spc="-50">
                 <a:solidFill>
                   <a:srgbClr val="24292E"/>
                 </a:solidFill>
@@ -2124,7 +2053,7 @@
               <a:t> </a:t>
             </a:r>
             <a:r>
-              <a:rPr sz="1800" spc="-10" dirty="0">
+              <a:rPr dirty="0" sz="1800" spc="-10">
                 <a:solidFill>
                   <a:srgbClr val="24292E"/>
                 </a:solidFill>
@@ -2134,7 +2063,7 @@
               <a:t>Distribution</a:t>
             </a:r>
             <a:r>
-              <a:rPr sz="1800" b="1" spc="-25" dirty="0">
+              <a:rPr dirty="0" sz="1800" spc="-25" b="1">
                 <a:solidFill>
                   <a:srgbClr val="24292E"/>
                 </a:solidFill>
@@ -2158,7 +2087,7 @@
               </a:spcBef>
             </a:pPr>
             <a:r>
-              <a:rPr sz="1500" b="1" spc="-15" dirty="0">
+              <a:rPr dirty="0" sz="1500" spc="-15" b="1">
                 <a:solidFill>
                   <a:srgbClr val="24292E"/>
                 </a:solidFill>
@@ -2176,7 +2105,7 @@
       </p:sp>
       <p:sp>
         <p:nvSpPr>
-          <p:cNvPr id="7" name="object 7"/>
+          <p:cNvPr id="7" name="object 7" descr=""/>
           <p:cNvSpPr txBox="1"/>
           <p:nvPr/>
         </p:nvSpPr>
@@ -2190,7 +2119,7 @@
           </a:prstGeom>
         </p:spPr>
         <p:txBody>
-          <a:bodyPr vert="horz" wrap="square" lIns="0" tIns="12700" rIns="0" bIns="0" rtlCol="0">
+          <a:bodyPr wrap="square" lIns="0" tIns="12700" rIns="0" bIns="0" rtlCol="0" vert="horz">
             <a:spAutoFit/>
           </a:bodyPr>
           <a:lstStyle/>
@@ -2204,7 +2133,7 @@
               </a:spcBef>
             </a:pPr>
             <a:r>
-              <a:rPr sz="1450" i="1" dirty="0">
+              <a:rPr dirty="0" sz="1450" i="1">
                 <a:solidFill>
                   <a:srgbClr val="24292E"/>
                 </a:solidFill>
@@ -2214,7 +2143,7 @@
               <a:t>P</a:t>
             </a:r>
             <a:r>
-              <a:rPr sz="1450" i="1" spc="-150" dirty="0">
+              <a:rPr dirty="0" sz="1450" spc="-150" i="1">
                 <a:solidFill>
                   <a:srgbClr val="24292E"/>
                 </a:solidFill>
@@ -2224,7 +2153,7 @@
               <a:t> </a:t>
             </a:r>
             <a:r>
-              <a:rPr sz="1450" dirty="0">
+              <a:rPr dirty="0" sz="1450">
                 <a:solidFill>
                   <a:srgbClr val="24292E"/>
                 </a:solidFill>
@@ -2234,7 +2163,7 @@
               <a:t>(</a:t>
             </a:r>
             <a:r>
-              <a:rPr sz="1450" i="1" dirty="0">
+              <a:rPr dirty="0" sz="1450" i="1">
                 <a:solidFill>
                   <a:srgbClr val="24292E"/>
                 </a:solidFill>
@@ -2244,7 +2173,7 @@
               <a:t>w</a:t>
             </a:r>
             <a:r>
-              <a:rPr sz="1450" dirty="0">
+              <a:rPr dirty="0" sz="1450">
                 <a:solidFill>
                   <a:srgbClr val="24292E"/>
                 </a:solidFill>
@@ -2254,7 +2183,7 @@
               <a:t>)</a:t>
             </a:r>
             <a:r>
-              <a:rPr sz="1450" spc="114" dirty="0">
+              <a:rPr dirty="0" sz="1450" spc="114">
                 <a:solidFill>
                   <a:srgbClr val="24292E"/>
                 </a:solidFill>
@@ -2264,7 +2193,7 @@
               <a:t> </a:t>
             </a:r>
             <a:r>
-              <a:rPr sz="1450" spc="325" dirty="0">
+              <a:rPr dirty="0" sz="1450" spc="325">
                 <a:solidFill>
                   <a:srgbClr val="24292E"/>
                 </a:solidFill>
@@ -2274,7 +2203,7 @@
               <a:t>=</a:t>
             </a:r>
             <a:r>
-              <a:rPr sz="1450" spc="125" dirty="0">
+              <a:rPr dirty="0" sz="1450" spc="125">
                 <a:solidFill>
                   <a:srgbClr val="24292E"/>
                 </a:solidFill>
@@ -2284,7 +2213,7 @@
               <a:t> </a:t>
             </a:r>
             <a:r>
-              <a:rPr sz="1450" spc="125" dirty="0">
+              <a:rPr dirty="0" sz="1450" spc="125">
                 <a:solidFill>
                   <a:srgbClr val="24292E"/>
                 </a:solidFill>
@@ -2302,7 +2231,7 @@
       </p:sp>
       <p:sp>
         <p:nvSpPr>
-          <p:cNvPr id="8" name="object 8"/>
+          <p:cNvPr id="8" name="object 8" descr=""/>
           <p:cNvSpPr txBox="1"/>
           <p:nvPr/>
         </p:nvSpPr>
@@ -2316,7 +2245,7 @@
           </a:prstGeom>
         </p:spPr>
         <p:txBody>
-          <a:bodyPr vert="horz" wrap="square" lIns="0" tIns="14604" rIns="0" bIns="0" rtlCol="0">
+          <a:bodyPr wrap="square" lIns="0" tIns="14604" rIns="0" bIns="0" rtlCol="0" vert="horz">
             <a:spAutoFit/>
           </a:bodyPr>
           <a:lstStyle/>
@@ -2333,7 +2262,7 @@
               </a:tabLst>
             </a:pPr>
             <a:r>
-              <a:rPr sz="1000" i="1" spc="50" dirty="0">
+              <a:rPr dirty="0" sz="1000" spc="50" i="1">
                 <a:solidFill>
                   <a:srgbClr val="24292E"/>
                 </a:solidFill>
@@ -2343,7 +2272,7 @@
               <a:t>n</a:t>
             </a:r>
             <a:r>
-              <a:rPr sz="1000" spc="50" dirty="0">
+              <a:rPr dirty="0" sz="1000" spc="50">
                 <a:solidFill>
                   <a:srgbClr val="24292E"/>
                 </a:solidFill>
@@ -2353,7 +2282,7 @@
               <a:t>=1</a:t>
             </a:r>
             <a:r>
-              <a:rPr sz="1000" dirty="0">
+              <a:rPr dirty="0" sz="1000">
                 <a:solidFill>
                   <a:srgbClr val="24292E"/>
                 </a:solidFill>
@@ -2363,7 +2292,7 @@
               <a:t>	</a:t>
             </a:r>
             <a:r>
-              <a:rPr sz="1000" i="1" spc="55" dirty="0">
+              <a:rPr dirty="0" sz="1000" spc="55" i="1">
                 <a:solidFill>
                   <a:srgbClr val="24292E"/>
                 </a:solidFill>
@@ -2373,7 +2302,7 @@
               <a:t>z</a:t>
             </a:r>
             <a:r>
-              <a:rPr sz="1000" spc="55" dirty="0">
+              <a:rPr dirty="0" sz="1000" spc="55">
                 <a:solidFill>
                   <a:srgbClr val="24292E"/>
                 </a:solidFill>
@@ -2391,7 +2320,7 @@
       </p:sp>
       <p:sp>
         <p:nvSpPr>
-          <p:cNvPr id="9" name="object 9"/>
+          <p:cNvPr id="9" name="object 9" descr=""/>
           <p:cNvSpPr txBox="1"/>
           <p:nvPr/>
         </p:nvSpPr>
@@ -2405,7 +2334,7 @@
           </a:prstGeom>
         </p:spPr>
         <p:txBody>
-          <a:bodyPr vert="horz" wrap="square" lIns="0" tIns="14604" rIns="0" bIns="0" rtlCol="0">
+          <a:bodyPr wrap="square" lIns="0" tIns="14604" rIns="0" bIns="0" rtlCol="0" vert="horz">
             <a:spAutoFit/>
           </a:bodyPr>
           <a:lstStyle/>
@@ -2422,7 +2351,7 @@
               </a:tabLst>
             </a:pPr>
             <a:r>
-              <a:rPr sz="1000" i="1" spc="-50" dirty="0">
+              <a:rPr dirty="0" sz="1000" spc="-50" i="1">
                 <a:solidFill>
                   <a:srgbClr val="24292E"/>
                 </a:solidFill>
@@ -2432,7 +2361,7 @@
               <a:t>N</a:t>
             </a:r>
             <a:r>
-              <a:rPr sz="1000" i="1" dirty="0">
+              <a:rPr dirty="0" sz="1000" i="1">
                 <a:solidFill>
                   <a:srgbClr val="24292E"/>
                 </a:solidFill>
@@ -2442,7 +2371,7 @@
               <a:t>	</a:t>
             </a:r>
             <a:r>
-              <a:rPr sz="1000" i="1" spc="145" dirty="0">
+              <a:rPr dirty="0" sz="1000" spc="145" i="1">
                 <a:solidFill>
                   <a:srgbClr val="24292E"/>
                 </a:solidFill>
@@ -2460,7 +2389,7 @@
       </p:sp>
       <p:sp>
         <p:nvSpPr>
-          <p:cNvPr id="10" name="object 10"/>
+          <p:cNvPr id="10" name="object 10" descr=""/>
           <p:cNvSpPr txBox="1"/>
           <p:nvPr/>
         </p:nvSpPr>
@@ -2474,7 +2403,7 @@
           </a:prstGeom>
         </p:spPr>
         <p:txBody>
-          <a:bodyPr vert="horz" wrap="square" lIns="0" tIns="12700" rIns="0" bIns="0" rtlCol="0">
+          <a:bodyPr wrap="square" lIns="0" tIns="12700" rIns="0" bIns="0" rtlCol="0" vert="horz">
             <a:spAutoFit/>
           </a:bodyPr>
           <a:lstStyle/>
@@ -2491,7 +2420,7 @@
               </a:tabLst>
             </a:pPr>
             <a:r>
-              <a:rPr sz="1450" spc="434" dirty="0">
+              <a:rPr dirty="0" sz="1450" spc="434">
                 <a:solidFill>
                   <a:srgbClr val="24292E"/>
                 </a:solidFill>
@@ -2501,7 +2430,7 @@
               <a:t>∑</a:t>
             </a:r>
             <a:r>
-              <a:rPr sz="1450" dirty="0">
+              <a:rPr dirty="0" sz="1450">
                 <a:solidFill>
                   <a:srgbClr val="24292E"/>
                 </a:solidFill>
@@ -2511,7 +2440,7 @@
               <a:t>	</a:t>
             </a:r>
             <a:r>
-              <a:rPr sz="1450" i="1" dirty="0">
+              <a:rPr dirty="0" sz="1450" i="1">
                 <a:solidFill>
                   <a:srgbClr val="24292E"/>
                 </a:solidFill>
@@ -2521,7 +2450,7 @@
               <a:t>P</a:t>
             </a:r>
             <a:r>
-              <a:rPr sz="1450" i="1" spc="-155" dirty="0">
+              <a:rPr dirty="0" sz="1450" spc="-155" i="1">
                 <a:solidFill>
                   <a:srgbClr val="24292E"/>
                 </a:solidFill>
@@ -2531,7 +2460,7 @@
               <a:t> </a:t>
             </a:r>
             <a:r>
-              <a:rPr sz="1450" dirty="0">
+              <a:rPr dirty="0" sz="1450">
                 <a:solidFill>
                   <a:srgbClr val="24292E"/>
                 </a:solidFill>
@@ -2541,7 +2470,7 @@
               <a:t>(</a:t>
             </a:r>
             <a:r>
-              <a:rPr sz="1450" i="1" dirty="0">
+              <a:rPr dirty="0" sz="1450" i="1">
                 <a:solidFill>
                   <a:srgbClr val="24292E"/>
                 </a:solidFill>
@@ -2551,7 +2480,7 @@
               <a:t>w</a:t>
             </a:r>
             <a:r>
-              <a:rPr sz="1500" i="1" baseline="-13888" dirty="0">
+              <a:rPr dirty="0" baseline="-13888" sz="1500" i="1">
                 <a:solidFill>
                   <a:srgbClr val="24292E"/>
                 </a:solidFill>
@@ -2561,7 +2490,7 @@
               <a:t>n</a:t>
             </a:r>
             <a:r>
-              <a:rPr sz="1500" i="1" spc="427" baseline="-13888" dirty="0">
+              <a:rPr dirty="0" baseline="-13888" sz="1500" spc="427" i="1">
                 <a:solidFill>
                   <a:srgbClr val="24292E"/>
                 </a:solidFill>
@@ -2571,7 +2500,7 @@
               <a:t> </a:t>
             </a:r>
             <a:r>
-              <a:rPr sz="1450" dirty="0">
+              <a:rPr dirty="0" sz="1450">
                 <a:solidFill>
                   <a:srgbClr val="24292E"/>
                 </a:solidFill>
@@ -2581,7 +2510,7 @@
               <a:t>∣</a:t>
             </a:r>
             <a:r>
-              <a:rPr sz="1450" spc="120" dirty="0">
+              <a:rPr dirty="0" sz="1450" spc="120">
                 <a:solidFill>
                   <a:srgbClr val="24292E"/>
                 </a:solidFill>
@@ -2591,7 +2520,7 @@
               <a:t> </a:t>
             </a:r>
             <a:r>
-              <a:rPr sz="1450" i="1" spc="50" dirty="0">
+              <a:rPr dirty="0" sz="1450" spc="50" i="1">
                 <a:solidFill>
                   <a:srgbClr val="24292E"/>
                 </a:solidFill>
@@ -2601,7 +2530,7 @@
               <a:t>z</a:t>
             </a:r>
             <a:r>
-              <a:rPr sz="1450" spc="50" dirty="0">
+              <a:rPr dirty="0" sz="1450" spc="50">
                 <a:solidFill>
                   <a:srgbClr val="24292E"/>
                 </a:solidFill>
@@ -2611,7 +2540,7 @@
               <a:t>;</a:t>
             </a:r>
             <a:r>
-              <a:rPr sz="1450" spc="-65" dirty="0">
+              <a:rPr dirty="0" sz="1450" spc="-65">
                 <a:solidFill>
                   <a:srgbClr val="24292E"/>
                 </a:solidFill>
@@ -2621,7 +2550,7 @@
               <a:t> </a:t>
             </a:r>
             <a:r>
-              <a:rPr sz="1450" i="1" spc="-30" dirty="0">
+              <a:rPr dirty="0" sz="1450" spc="-30" i="1">
                 <a:solidFill>
                   <a:srgbClr val="24292E"/>
                 </a:solidFill>
@@ -2631,7 +2560,7 @@
               <a:t>ϕ</a:t>
             </a:r>
             <a:r>
-              <a:rPr sz="1450" spc="-30" dirty="0">
+              <a:rPr dirty="0" sz="1450" spc="-30">
                 <a:solidFill>
                   <a:srgbClr val="24292E"/>
                 </a:solidFill>
@@ -2641,7 +2570,7 @@
               <a:t>)</a:t>
             </a:r>
             <a:r>
-              <a:rPr sz="1450" i="1" spc="-30" dirty="0">
+              <a:rPr dirty="0" sz="1450" spc="-30" i="1">
                 <a:solidFill>
                   <a:srgbClr val="24292E"/>
                 </a:solidFill>
@@ -2651,7 +2580,7 @@
               <a:t>P</a:t>
             </a:r>
             <a:r>
-              <a:rPr sz="1450" i="1" spc="-155" dirty="0">
+              <a:rPr dirty="0" sz="1450" spc="-155" i="1">
                 <a:solidFill>
                   <a:srgbClr val="24292E"/>
                 </a:solidFill>
@@ -2661,7 +2590,7 @@
               <a:t> </a:t>
             </a:r>
             <a:r>
-              <a:rPr sz="1450" dirty="0">
+              <a:rPr dirty="0" sz="1450">
                 <a:solidFill>
                   <a:srgbClr val="24292E"/>
                 </a:solidFill>
@@ -2671,7 +2600,7 @@
               <a:t>(</a:t>
             </a:r>
             <a:r>
-              <a:rPr sz="1450" i="1" dirty="0">
+              <a:rPr dirty="0" sz="1450" i="1">
                 <a:solidFill>
                   <a:srgbClr val="24292E"/>
                 </a:solidFill>
@@ -2681,7 +2610,7 @@
               <a:t>z</a:t>
             </a:r>
             <a:r>
-              <a:rPr sz="1450" i="1" spc="130" dirty="0">
+              <a:rPr dirty="0" sz="1450" spc="130" i="1">
                 <a:solidFill>
                   <a:srgbClr val="24292E"/>
                 </a:solidFill>
@@ -2691,7 +2620,7 @@
               <a:t> </a:t>
             </a:r>
             <a:r>
-              <a:rPr sz="1450" dirty="0">
+              <a:rPr dirty="0" sz="1450">
                 <a:solidFill>
                   <a:srgbClr val="24292E"/>
                 </a:solidFill>
@@ -2701,7 +2630,7 @@
               <a:t>∣</a:t>
             </a:r>
             <a:r>
-              <a:rPr sz="1450" spc="120" dirty="0">
+              <a:rPr dirty="0" sz="1450" spc="120">
                 <a:solidFill>
                   <a:srgbClr val="24292E"/>
                 </a:solidFill>
@@ -2711,7 +2640,7 @@
               <a:t> </a:t>
             </a:r>
             <a:r>
-              <a:rPr sz="1450" i="1" dirty="0">
+              <a:rPr dirty="0" sz="1450" i="1">
                 <a:solidFill>
                   <a:srgbClr val="24292E"/>
                 </a:solidFill>
@@ -2721,7 +2650,7 @@
               <a:t>d</a:t>
             </a:r>
             <a:r>
-              <a:rPr sz="1450" dirty="0">
+              <a:rPr dirty="0" sz="1450">
                 <a:solidFill>
                   <a:srgbClr val="24292E"/>
                 </a:solidFill>
@@ -2731,7 +2660,7 @@
               <a:t>;</a:t>
             </a:r>
             <a:r>
-              <a:rPr sz="1450" spc="-65" dirty="0">
+              <a:rPr dirty="0" sz="1450" spc="-65">
                 <a:solidFill>
                   <a:srgbClr val="24292E"/>
                 </a:solidFill>
@@ -2741,7 +2670,7 @@
               <a:t> </a:t>
             </a:r>
             <a:r>
-              <a:rPr sz="1450" i="1" spc="-25" dirty="0">
+              <a:rPr dirty="0" sz="1450" spc="-25" i="1">
                 <a:solidFill>
                   <a:srgbClr val="24292E"/>
                 </a:solidFill>
@@ -2751,7 +2680,7 @@
               <a:t>θ</a:t>
             </a:r>
             <a:r>
-              <a:rPr sz="1450" spc="-25" dirty="0">
+              <a:rPr dirty="0" sz="1450" spc="-25">
                 <a:solidFill>
                   <a:srgbClr val="24292E"/>
                 </a:solidFill>
@@ -2794,7 +2723,7 @@
       </p:grpSpPr>
       <p:sp>
         <p:nvSpPr>
-          <p:cNvPr id="2" name="object 2"/>
+          <p:cNvPr id="2" name="object 2" descr=""/>
           <p:cNvSpPr/>
           <p:nvPr/>
         </p:nvSpPr>
@@ -2837,14 +2766,12 @@
         <p:txBody>
           <a:bodyPr wrap="square" lIns="0" tIns="0" rIns="0" bIns="0" rtlCol="0"/>
           <a:lstStyle/>
-          <a:p>
-            <a:endParaRPr/>
-          </a:p>
+          <a:p/>
         </p:txBody>
       </p:sp>
       <p:sp>
         <p:nvSpPr>
-          <p:cNvPr id="3" name="object 3"/>
+          <p:cNvPr id="3" name="object 3" descr=""/>
           <p:cNvSpPr txBox="1"/>
           <p:nvPr/>
         </p:nvSpPr>
@@ -2858,7 +2785,7 @@
           </a:prstGeom>
         </p:spPr>
         <p:txBody>
-          <a:bodyPr vert="horz" wrap="square" lIns="0" tIns="12700" rIns="0" bIns="0" rtlCol="0">
+          <a:bodyPr wrap="square" lIns="0" tIns="12700" rIns="0" bIns="0" rtlCol="0" vert="horz">
             <a:spAutoFit/>
           </a:bodyPr>
           <a:lstStyle/>
@@ -2872,7 +2799,7 @@
               </a:spcBef>
             </a:pPr>
             <a:r>
-              <a:rPr sz="1200" spc="-10" dirty="0">
+              <a:rPr dirty="0" sz="1200" spc="-10">
                 <a:solidFill>
                   <a:srgbClr val="24292E"/>
                 </a:solidFill>
@@ -2882,7 +2809,7 @@
               <a:t>狄利克雷分布 </a:t>
             </a:r>
             <a:r>
-              <a:rPr sz="1450" spc="50" dirty="0">
+              <a:rPr dirty="0" sz="1450" spc="50">
                 <a:solidFill>
                   <a:srgbClr val="24292E"/>
                 </a:solidFill>
@@ -2892,7 +2819,7 @@
               <a:t>Dir(</a:t>
             </a:r>
             <a:r>
-              <a:rPr sz="1450" b="1" i="1" spc="50" dirty="0">
+              <a:rPr dirty="0" sz="1450" spc="50" b="1" i="1">
                 <a:solidFill>
                   <a:srgbClr val="24292E"/>
                 </a:solidFill>
@@ -2902,7 +2829,7 @@
               <a:t>α</a:t>
             </a:r>
             <a:r>
-              <a:rPr sz="1450" spc="25" dirty="0">
+              <a:rPr dirty="0" sz="1450" spc="25">
                 <a:solidFill>
                   <a:srgbClr val="24292E"/>
                 </a:solidFill>
@@ -2912,7 +2839,7 @@
               <a:t>) </a:t>
             </a:r>
             <a:r>
-              <a:rPr sz="1200" spc="-10" dirty="0">
+              <a:rPr dirty="0" sz="1200" spc="-10">
                 <a:solidFill>
                   <a:srgbClr val="24292E"/>
                 </a:solidFill>
@@ -2922,7 +2849,7 @@
               <a:t>是定义在 </a:t>
             </a:r>
             <a:r>
-              <a:rPr sz="1450" i="1" spc="265" dirty="0">
+              <a:rPr dirty="0" sz="1450" spc="265" i="1">
                 <a:solidFill>
                   <a:srgbClr val="24292E"/>
                 </a:solidFill>
@@ -2932,7 +2859,7 @@
               <a:t>K</a:t>
             </a:r>
             <a:r>
-              <a:rPr sz="1450" i="1" spc="50" dirty="0">
+              <a:rPr dirty="0" sz="1450" spc="50" i="1">
                 <a:solidFill>
                   <a:srgbClr val="24292E"/>
                 </a:solidFill>
@@ -2942,7 +2869,7 @@
               <a:t> </a:t>
             </a:r>
             <a:r>
-              <a:rPr sz="1450" spc="160" dirty="0">
+              <a:rPr dirty="0" sz="1450" spc="160">
                 <a:solidFill>
                   <a:srgbClr val="24292E"/>
                 </a:solidFill>
@@ -2952,7 +2879,7 @@
               <a:t>− </a:t>
             </a:r>
             <a:r>
-              <a:rPr sz="1450" dirty="0">
+              <a:rPr dirty="0" sz="1450">
                 <a:solidFill>
                   <a:srgbClr val="24292E"/>
                 </a:solidFill>
@@ -2962,7 +2889,7 @@
               <a:t>1 </a:t>
             </a:r>
             <a:r>
-              <a:rPr sz="1200" dirty="0">
+              <a:rPr dirty="0" sz="1200">
                 <a:solidFill>
                   <a:srgbClr val="24292E"/>
                 </a:solidFill>
@@ -2972,7 +2899,7 @@
               <a:t>维辛形（</a:t>
             </a:r>
             <a:r>
-              <a:rPr sz="1200" dirty="0">
+              <a:rPr dirty="0" sz="1200">
                 <a:solidFill>
                   <a:srgbClr val="24292E"/>
                 </a:solidFill>
@@ -2982,7 +2909,7 @@
               <a:t>simplex</a:t>
             </a:r>
             <a:r>
-              <a:rPr sz="1200" dirty="0">
+              <a:rPr dirty="0" sz="1200">
                 <a:solidFill>
                   <a:srgbClr val="24292E"/>
                 </a:solidFill>
@@ -2992,7 +2919,7 @@
               <a:t>）</a:t>
             </a:r>
             <a:r>
-              <a:rPr sz="1200" spc="-5" dirty="0">
+              <a:rPr dirty="0" sz="1200" spc="-5">
                 <a:solidFill>
                   <a:srgbClr val="24292E"/>
                 </a:solidFill>
@@ -3002,7 +2929,7 @@
               <a:t>上的连续概率分布，是 </a:t>
             </a:r>
             <a:r>
-              <a:rPr sz="1200" dirty="0">
+              <a:rPr dirty="0" sz="1200">
                 <a:solidFill>
                   <a:srgbClr val="24292E"/>
                 </a:solidFill>
@@ -3012,7 +2939,7 @@
               <a:t>**Beta</a:t>
             </a:r>
             <a:r>
-              <a:rPr sz="1200" spc="-10" dirty="0">
+              <a:rPr dirty="0" sz="1200" spc="-10">
                 <a:solidFill>
                   <a:srgbClr val="24292E"/>
                 </a:solidFill>
@@ -3022,7 +2949,7 @@
               <a:t> </a:t>
             </a:r>
             <a:r>
-              <a:rPr sz="1200" dirty="0">
+              <a:rPr dirty="0" sz="1200">
                 <a:solidFill>
                   <a:srgbClr val="24292E"/>
                 </a:solidFill>
@@ -3032,7 +2959,7 @@
               <a:t>分布在多元</a:t>
             </a:r>
             <a:r>
-              <a:rPr sz="1200" spc="130" dirty="0">
+              <a:rPr dirty="0" sz="1200" spc="130">
                 <a:solidFill>
                   <a:srgbClr val="24292E"/>
                 </a:solidFill>
@@ -3042,7 +2969,7 @@
               <a:t>（</a:t>
             </a:r>
             <a:r>
-              <a:rPr sz="1450" i="1" spc="130" dirty="0">
+              <a:rPr dirty="0" sz="1450" spc="130" i="1">
                 <a:solidFill>
                   <a:srgbClr val="24292E"/>
                 </a:solidFill>
@@ -3052,7 +2979,7 @@
               <a:t>K</a:t>
             </a:r>
             <a:r>
-              <a:rPr sz="1450" i="1" spc="55" dirty="0">
+              <a:rPr dirty="0" sz="1450" spc="55" i="1">
                 <a:solidFill>
                   <a:srgbClr val="24292E"/>
                 </a:solidFill>
@@ -3062,7 +2989,7 @@
               <a:t> </a:t>
             </a:r>
             <a:r>
-              <a:rPr sz="1200" dirty="0">
+              <a:rPr dirty="0" sz="1200">
                 <a:solidFill>
                   <a:srgbClr val="24292E"/>
                 </a:solidFill>
@@ -3072,7 +2999,7 @@
               <a:t>元）</a:t>
             </a:r>
             <a:r>
-              <a:rPr sz="1200" spc="-10" dirty="0">
+              <a:rPr dirty="0" sz="1200" spc="-10">
                 <a:solidFill>
                   <a:srgbClr val="24292E"/>
                 </a:solidFill>
@@ -3096,7 +3023,7 @@
               </a:spcBef>
             </a:pPr>
             <a:r>
-              <a:rPr sz="1200" spc="-5" dirty="0">
+              <a:rPr dirty="0" sz="1200" spc="-5">
                 <a:solidFill>
                   <a:srgbClr val="24292E"/>
                 </a:solidFill>
@@ -3106,7 +3033,7 @@
               <a:t>假设随机向量 </a:t>
             </a:r>
             <a:r>
-              <a:rPr sz="1450" b="1" i="1" dirty="0">
+              <a:rPr dirty="0" sz="1450" b="1" i="1">
                 <a:solidFill>
                   <a:srgbClr val="24292E"/>
                 </a:solidFill>
@@ -3116,7 +3043,7 @@
               <a:t>θ</a:t>
             </a:r>
             <a:r>
-              <a:rPr sz="1450" b="1" i="1" spc="75" dirty="0">
+              <a:rPr dirty="0" sz="1450" spc="75" b="1" i="1">
                 <a:solidFill>
                   <a:srgbClr val="24292E"/>
                 </a:solidFill>
@@ -3126,7 +3053,7 @@
               <a:t> </a:t>
             </a:r>
             <a:r>
-              <a:rPr sz="1450" spc="110" dirty="0">
+              <a:rPr dirty="0" sz="1450" spc="110">
                 <a:solidFill>
                   <a:srgbClr val="24292E"/>
                 </a:solidFill>
@@ -3136,7 +3063,7 @@
               <a:t>= (</a:t>
             </a:r>
             <a:r>
-              <a:rPr sz="1450" i="1" spc="-95" dirty="0">
+              <a:rPr dirty="0" sz="1450" spc="-95" i="1">
                 <a:solidFill>
                   <a:srgbClr val="24292E"/>
                 </a:solidFill>
@@ -3146,7 +3073,7 @@
               <a:t>θ</a:t>
             </a:r>
             <a:r>
-              <a:rPr sz="1500" spc="-142" baseline="-13888" dirty="0">
+              <a:rPr dirty="0" baseline="-13888" sz="1500" spc="-142">
                 <a:solidFill>
                   <a:srgbClr val="24292E"/>
                 </a:solidFill>
@@ -3156,7 +3083,7 @@
               <a:t>1</a:t>
             </a:r>
             <a:r>
-              <a:rPr sz="1500" spc="-120" baseline="-13888" dirty="0">
+              <a:rPr dirty="0" baseline="-13888" sz="1500" spc="-120">
                 <a:solidFill>
                   <a:srgbClr val="24292E"/>
                 </a:solidFill>
@@ -3166,7 +3093,7 @@
               <a:t> </a:t>
             </a:r>
             <a:r>
-              <a:rPr sz="1450" spc="15" dirty="0">
+              <a:rPr dirty="0" sz="1450" spc="15">
                 <a:solidFill>
                   <a:srgbClr val="24292E"/>
                 </a:solidFill>
@@ -3176,7 +3103,7 @@
               <a:t>, </a:t>
             </a:r>
             <a:r>
-              <a:rPr sz="1450" i="1" spc="-140" dirty="0">
+              <a:rPr dirty="0" sz="1450" spc="-140" i="1">
                 <a:solidFill>
                   <a:srgbClr val="24292E"/>
                 </a:solidFill>
@@ -3186,7 +3113,7 @@
               <a:t>θ</a:t>
             </a:r>
             <a:r>
-              <a:rPr sz="1500" spc="-209" baseline="-13888" dirty="0">
+              <a:rPr dirty="0" baseline="-13888" sz="1500" spc="-209">
                 <a:solidFill>
                   <a:srgbClr val="24292E"/>
                 </a:solidFill>
@@ -3196,7 +3123,7 @@
               <a:t>2</a:t>
             </a:r>
             <a:r>
-              <a:rPr sz="1500" spc="-120" baseline="-13888" dirty="0">
+              <a:rPr dirty="0" baseline="-13888" sz="1500" spc="-120">
                 <a:solidFill>
                   <a:srgbClr val="24292E"/>
                 </a:solidFill>
@@ -3206,7 +3133,7 @@
               <a:t> </a:t>
             </a:r>
             <a:r>
-              <a:rPr sz="1450" spc="95" dirty="0">
+              <a:rPr dirty="0" sz="1450" spc="95">
                 <a:solidFill>
                   <a:srgbClr val="24292E"/>
                 </a:solidFill>
@@ -3216,7 +3143,7 @@
               <a:t>, … , </a:t>
             </a:r>
             <a:r>
-              <a:rPr sz="1450" i="1" spc="-10" dirty="0">
+              <a:rPr dirty="0" sz="1450" spc="-10" i="1">
                 <a:solidFill>
                   <a:srgbClr val="24292E"/>
                 </a:solidFill>
@@ -3226,7 +3153,7 @@
               <a:t>θ</a:t>
             </a:r>
             <a:r>
-              <a:rPr sz="1500" i="1" spc="-15" baseline="-13888" dirty="0">
+              <a:rPr dirty="0" baseline="-13888" sz="1500" spc="-15" i="1">
                 <a:solidFill>
                   <a:srgbClr val="24292E"/>
                 </a:solidFill>
@@ -3236,7 +3163,7 @@
               <a:t>K</a:t>
             </a:r>
             <a:r>
-              <a:rPr sz="1500" i="1" spc="-135" baseline="-13888" dirty="0">
+              <a:rPr dirty="0" baseline="-13888" sz="1500" spc="-135" i="1">
                 <a:solidFill>
                   <a:srgbClr val="24292E"/>
                 </a:solidFill>
@@ -3246,7 +3173,7 @@
               <a:t> </a:t>
             </a:r>
             <a:r>
-              <a:rPr sz="1450" spc="20" dirty="0">
+              <a:rPr dirty="0" sz="1450" spc="20">
                 <a:solidFill>
                   <a:srgbClr val="24292E"/>
                 </a:solidFill>
@@ -3256,7 +3183,7 @@
               <a:t>) </a:t>
             </a:r>
             <a:r>
-              <a:rPr sz="1200" spc="-5" dirty="0">
+              <a:rPr dirty="0" sz="1200" spc="-5">
                 <a:solidFill>
                   <a:srgbClr val="24292E"/>
                 </a:solidFill>
@@ -3266,7 +3193,7 @@
               <a:t>服从 </a:t>
             </a:r>
             <a:r>
-              <a:rPr sz="1450" dirty="0">
+              <a:rPr dirty="0" sz="1450">
                 <a:solidFill>
                   <a:srgbClr val="24292E"/>
                 </a:solidFill>
@@ -3276,7 +3203,7 @@
               <a:t>Dirichlet(</a:t>
             </a:r>
             <a:r>
-              <a:rPr sz="1450" b="1" i="1" dirty="0">
+              <a:rPr dirty="0" sz="1450" b="1" i="1">
                 <a:solidFill>
                   <a:srgbClr val="24292E"/>
                 </a:solidFill>
@@ -3286,7 +3213,7 @@
               <a:t>α</a:t>
             </a:r>
             <a:r>
-              <a:rPr sz="1450" dirty="0">
+              <a:rPr dirty="0" sz="1450">
                 <a:solidFill>
                   <a:srgbClr val="24292E"/>
                 </a:solidFill>
@@ -3296,7 +3223,7 @@
               <a:t>)</a:t>
             </a:r>
             <a:r>
-              <a:rPr sz="1200" spc="-5" dirty="0">
+              <a:rPr dirty="0" sz="1200" spc="-5">
                 <a:solidFill>
                   <a:srgbClr val="24292E"/>
                 </a:solidFill>
@@ -3306,7 +3233,7 @@
               <a:t>，其中 </a:t>
             </a:r>
             <a:r>
-              <a:rPr sz="1450" b="1" i="1" spc="195" dirty="0">
+              <a:rPr dirty="0" sz="1450" spc="195" b="1" i="1">
                 <a:solidFill>
                   <a:srgbClr val="24292E"/>
                 </a:solidFill>
@@ -3316,7 +3243,7 @@
               <a:t>α</a:t>
             </a:r>
             <a:r>
-              <a:rPr sz="1450" b="1" i="1" spc="20" dirty="0">
+              <a:rPr dirty="0" sz="1450" spc="20" b="1" i="1">
                 <a:solidFill>
                   <a:srgbClr val="24292E"/>
                 </a:solidFill>
@@ -3326,7 +3253,7 @@
               <a:t> </a:t>
             </a:r>
             <a:r>
-              <a:rPr sz="1450" spc="145" dirty="0">
+              <a:rPr dirty="0" sz="1450" spc="145">
                 <a:solidFill>
                   <a:srgbClr val="24292E"/>
                 </a:solidFill>
@@ -3336,7 +3263,7 @@
               <a:t>= (</a:t>
             </a:r>
             <a:r>
-              <a:rPr sz="1450" i="1" dirty="0">
+              <a:rPr dirty="0" sz="1450" i="1">
                 <a:solidFill>
                   <a:srgbClr val="24292E"/>
                 </a:solidFill>
@@ -3346,7 +3273,7 @@
               <a:t>α</a:t>
             </a:r>
             <a:r>
-              <a:rPr sz="1500" baseline="-13888" dirty="0">
+              <a:rPr dirty="0" baseline="-13888" sz="1500">
                 <a:solidFill>
                   <a:srgbClr val="24292E"/>
                 </a:solidFill>
@@ -3356,7 +3283,7 @@
               <a:t>1</a:t>
             </a:r>
             <a:r>
-              <a:rPr sz="1500" spc="-179" baseline="-13888" dirty="0">
+              <a:rPr dirty="0" baseline="-13888" sz="1500" spc="-179">
                 <a:solidFill>
                   <a:srgbClr val="24292E"/>
                 </a:solidFill>
@@ -3366,7 +3293,7 @@
               <a:t> </a:t>
             </a:r>
             <a:r>
-              <a:rPr sz="1450" spc="15" dirty="0">
+              <a:rPr dirty="0" sz="1450" spc="15">
                 <a:solidFill>
                   <a:srgbClr val="24292E"/>
                 </a:solidFill>
@@ -3376,7 +3303,7 @@
               <a:t>, </a:t>
             </a:r>
             <a:r>
-              <a:rPr sz="1450" i="1" dirty="0">
+              <a:rPr dirty="0" sz="1450" i="1">
                 <a:solidFill>
                   <a:srgbClr val="24292E"/>
                 </a:solidFill>
@@ -3386,7 +3313,7 @@
               <a:t>α</a:t>
             </a:r>
             <a:r>
-              <a:rPr sz="1500" baseline="-13888" dirty="0">
+              <a:rPr dirty="0" baseline="-13888" sz="1500">
                 <a:solidFill>
                   <a:srgbClr val="24292E"/>
                 </a:solidFill>
@@ -3396,7 +3323,7 @@
               <a:t>2</a:t>
             </a:r>
             <a:r>
-              <a:rPr sz="1500" spc="-172" baseline="-13888" dirty="0">
+              <a:rPr dirty="0" baseline="-13888" sz="1500" spc="-172">
                 <a:solidFill>
                   <a:srgbClr val="24292E"/>
                 </a:solidFill>
@@ -3406,7 +3333,7 @@
               <a:t> </a:t>
             </a:r>
             <a:r>
-              <a:rPr sz="1450" spc="95" dirty="0">
+              <a:rPr dirty="0" sz="1450" spc="95">
                 <a:solidFill>
                   <a:srgbClr val="24292E"/>
                 </a:solidFill>
@@ -3416,7 +3343,7 @@
               <a:t>, … , </a:t>
             </a:r>
             <a:r>
-              <a:rPr sz="1450" i="1" spc="125" dirty="0">
+              <a:rPr dirty="0" sz="1450" spc="125" i="1">
                 <a:solidFill>
                   <a:srgbClr val="24292E"/>
                 </a:solidFill>
@@ -3426,7 +3353,7 @@
               <a:t>α</a:t>
             </a:r>
             <a:r>
-              <a:rPr sz="1500" i="1" spc="187" baseline="-13888" dirty="0">
+              <a:rPr dirty="0" baseline="-13888" sz="1500" spc="187" i="1">
                 <a:solidFill>
                   <a:srgbClr val="24292E"/>
                 </a:solidFill>
@@ -3436,7 +3363,7 @@
               <a:t>K</a:t>
             </a:r>
             <a:r>
-              <a:rPr sz="1500" i="1" spc="-67" baseline="-13888" dirty="0">
+              <a:rPr dirty="0" baseline="-13888" sz="1500" spc="-67" i="1">
                 <a:solidFill>
                   <a:srgbClr val="24292E"/>
                 </a:solidFill>
@@ -3446,7 +3373,7 @@
               <a:t> </a:t>
             </a:r>
             <a:r>
-              <a:rPr sz="1450" spc="20" dirty="0">
+              <a:rPr dirty="0" sz="1450" spc="20">
                 <a:solidFill>
                   <a:srgbClr val="24292E"/>
                 </a:solidFill>
@@ -3456,7 +3383,7 @@
               <a:t>) </a:t>
             </a:r>
             <a:r>
-              <a:rPr sz="1200" spc="-5" dirty="0">
+              <a:rPr dirty="0" sz="1200" spc="-5">
                 <a:solidFill>
                   <a:srgbClr val="24292E"/>
                 </a:solidFill>
@@ -3466,7 +3393,7 @@
               <a:t>是超参数，且 </a:t>
             </a:r>
             <a:r>
-              <a:rPr sz="1450" i="1" spc="65" dirty="0">
+              <a:rPr dirty="0" sz="1450" spc="65" i="1">
                 <a:solidFill>
                   <a:srgbClr val="24292E"/>
                 </a:solidFill>
@@ -3476,7 +3403,7 @@
               <a:t>α</a:t>
             </a:r>
             <a:r>
-              <a:rPr sz="1500" i="1" spc="97" baseline="-13888" dirty="0">
+              <a:rPr dirty="0" baseline="-13888" sz="1500" spc="97" i="1">
                 <a:solidFill>
                   <a:srgbClr val="24292E"/>
                 </a:solidFill>
@@ -3486,7 +3413,7 @@
               <a:t>k</a:t>
             </a:r>
             <a:r>
-              <a:rPr sz="1500" i="1" spc="509" baseline="-13888" dirty="0">
+              <a:rPr dirty="0" baseline="-13888" sz="1500" spc="509" i="1">
                 <a:solidFill>
                   <a:srgbClr val="24292E"/>
                 </a:solidFill>
@@ -3496,7 +3423,7 @@
               <a:t> </a:t>
             </a:r>
             <a:r>
-              <a:rPr sz="1450" spc="215" dirty="0">
+              <a:rPr dirty="0" sz="1450" spc="215">
                 <a:solidFill>
                   <a:srgbClr val="24292E"/>
                 </a:solidFill>
@@ -3506,7 +3433,7 @@
               <a:t>&gt; </a:t>
             </a:r>
             <a:r>
-              <a:rPr sz="1450" spc="-80" dirty="0">
+              <a:rPr dirty="0" sz="1450" spc="-80">
                 <a:solidFill>
                   <a:srgbClr val="24292E"/>
                 </a:solidFill>
@@ -3516,7 +3443,7 @@
               <a:t>0</a:t>
             </a:r>
             <a:r>
-              <a:rPr sz="1200" spc="-50" dirty="0">
+              <a:rPr dirty="0" sz="1200" spc="-50">
                 <a:solidFill>
                   <a:srgbClr val="24292E"/>
                 </a:solidFill>
@@ -3534,7 +3461,7 @@
       </p:sp>
       <p:sp>
         <p:nvSpPr>
-          <p:cNvPr id="4" name="object 4"/>
+          <p:cNvPr id="4" name="object 4" descr=""/>
           <p:cNvSpPr txBox="1"/>
           <p:nvPr/>
         </p:nvSpPr>
@@ -3548,7 +3475,7 @@
           </a:prstGeom>
         </p:spPr>
         <p:txBody>
-          <a:bodyPr vert="horz" wrap="square" lIns="0" tIns="12700" rIns="0" bIns="0" rtlCol="0">
+          <a:bodyPr wrap="square" lIns="0" tIns="12700" rIns="0" bIns="0" rtlCol="0" vert="horz">
             <a:spAutoFit/>
           </a:bodyPr>
           <a:lstStyle/>
@@ -3562,7 +3489,7 @@
               </a:spcBef>
             </a:pPr>
             <a:r>
-              <a:rPr sz="1200" spc="-10" dirty="0">
+              <a:rPr dirty="0" sz="1200" spc="-10">
                 <a:solidFill>
                   <a:srgbClr val="24292E"/>
                 </a:solidFill>
@@ -3572,7 +3499,7 @@
               <a:t>其概率密度函数 </a:t>
             </a:r>
             <a:r>
-              <a:rPr sz="1200" dirty="0">
+              <a:rPr dirty="0" sz="1200">
                 <a:solidFill>
                   <a:srgbClr val="24292E"/>
                 </a:solidFill>
@@ -3582,7 +3509,7 @@
               <a:t>(PDF)</a:t>
             </a:r>
             <a:r>
-              <a:rPr sz="1200" spc="-15" dirty="0">
+              <a:rPr dirty="0" sz="1200" spc="-15">
                 <a:solidFill>
                   <a:srgbClr val="24292E"/>
                 </a:solidFill>
@@ -3592,7 +3519,7 @@
               <a:t> </a:t>
             </a:r>
             <a:r>
-              <a:rPr sz="1200" spc="-25" dirty="0">
+              <a:rPr dirty="0" sz="1200" spc="-25">
                 <a:solidFill>
                   <a:srgbClr val="24292E"/>
                 </a:solidFill>
@@ -3610,7 +3537,7 @@
       </p:sp>
       <p:sp>
         <p:nvSpPr>
-          <p:cNvPr id="5" name="object 5"/>
+          <p:cNvPr id="5" name="object 5" descr=""/>
           <p:cNvSpPr txBox="1"/>
           <p:nvPr/>
         </p:nvSpPr>
@@ -3624,7 +3551,7 @@
           </a:prstGeom>
         </p:spPr>
         <p:txBody>
-          <a:bodyPr vert="horz" wrap="square" lIns="0" tIns="12700" rIns="0" bIns="0" rtlCol="0">
+          <a:bodyPr wrap="square" lIns="0" tIns="12700" rIns="0" bIns="0" rtlCol="0" vert="horz">
             <a:spAutoFit/>
           </a:bodyPr>
           <a:lstStyle/>
@@ -3638,7 +3565,7 @@
               </a:spcBef>
             </a:pPr>
             <a:r>
-              <a:rPr sz="1200" b="1" spc="-10" dirty="0">
+              <a:rPr dirty="0" sz="1200" spc="-10" b="1">
                 <a:solidFill>
                   <a:srgbClr val="24292E"/>
                 </a:solidFill>
@@ -3648,7 +3575,7 @@
               <a:t>其中 </a:t>
             </a:r>
             <a:r>
-              <a:rPr sz="1450" i="1" spc="120" dirty="0">
+              <a:rPr dirty="0" sz="1450" spc="120" i="1">
                 <a:solidFill>
                   <a:srgbClr val="24292E"/>
                 </a:solidFill>
@@ -3658,7 +3585,7 @@
               <a:t>B</a:t>
             </a:r>
             <a:r>
-              <a:rPr sz="1450" spc="120" dirty="0">
+              <a:rPr dirty="0" sz="1450" spc="120">
                 <a:solidFill>
                   <a:srgbClr val="24292E"/>
                 </a:solidFill>
@@ -3668,7 +3595,7 @@
               <a:t>(</a:t>
             </a:r>
             <a:r>
-              <a:rPr sz="1450" b="1" i="1" spc="120" dirty="0">
+              <a:rPr dirty="0" sz="1450" spc="120" b="1" i="1">
                 <a:solidFill>
                   <a:srgbClr val="24292E"/>
                 </a:solidFill>
@@ -3678,7 +3605,7 @@
               <a:t>α</a:t>
             </a:r>
             <a:r>
-              <a:rPr sz="1450" spc="65" dirty="0">
+              <a:rPr dirty="0" sz="1450" spc="65">
                 <a:solidFill>
                   <a:srgbClr val="24292E"/>
                 </a:solidFill>
@@ -3688,7 +3615,7 @@
               <a:t>) </a:t>
             </a:r>
             <a:r>
-              <a:rPr sz="1200" b="1" spc="-10" dirty="0">
+              <a:rPr dirty="0" sz="1200" spc="-10" b="1">
                 <a:solidFill>
                   <a:srgbClr val="24292E"/>
                 </a:solidFill>
@@ -3698,7 +3625,7 @@
               <a:t>是多元 </a:t>
             </a:r>
             <a:r>
-              <a:rPr sz="1200" dirty="0">
+              <a:rPr dirty="0" sz="1200">
                 <a:solidFill>
                   <a:srgbClr val="24292E"/>
                 </a:solidFill>
@@ -3708,7 +3635,7 @@
               <a:t>Beta </a:t>
             </a:r>
             <a:r>
-              <a:rPr sz="1200" b="1" dirty="0">
+              <a:rPr dirty="0" sz="1200" b="1">
                 <a:solidFill>
                   <a:srgbClr val="24292E"/>
                 </a:solidFill>
@@ -3718,7 +3645,7 @@
               <a:t>函数（归一化常数</a:t>
             </a:r>
             <a:r>
-              <a:rPr sz="1200" b="1" spc="80" dirty="0">
+              <a:rPr dirty="0" sz="1200" spc="80" b="1">
                 <a:solidFill>
                   <a:srgbClr val="24292E"/>
                 </a:solidFill>
@@ -3728,7 +3655,7 @@
               <a:t>）：</a:t>
             </a:r>
             <a:r>
-              <a:rPr sz="1450" i="1" spc="80" dirty="0">
+              <a:rPr dirty="0" sz="1450" spc="80" i="1">
                 <a:solidFill>
                   <a:srgbClr val="24292E"/>
                 </a:solidFill>
@@ -3738,7 +3665,7 @@
               <a:t>B</a:t>
             </a:r>
             <a:r>
-              <a:rPr sz="1450" spc="80" dirty="0">
+              <a:rPr dirty="0" sz="1450" spc="80">
                 <a:solidFill>
                   <a:srgbClr val="24292E"/>
                 </a:solidFill>
@@ -3748,7 +3675,7 @@
               <a:t>(</a:t>
             </a:r>
             <a:r>
-              <a:rPr sz="1450" b="1" i="1" spc="80" dirty="0">
+              <a:rPr dirty="0" sz="1450" spc="80" b="1" i="1">
                 <a:solidFill>
                   <a:srgbClr val="24292E"/>
                 </a:solidFill>
@@ -3758,7 +3685,7 @@
               <a:t>α</a:t>
             </a:r>
             <a:r>
-              <a:rPr sz="1450" spc="145" dirty="0">
+              <a:rPr dirty="0" sz="1450" spc="145">
                 <a:solidFill>
                   <a:srgbClr val="24292E"/>
                 </a:solidFill>
@@ -3776,7 +3703,7 @@
       </p:sp>
       <p:sp>
         <p:nvSpPr>
-          <p:cNvPr id="6" name="object 6"/>
+          <p:cNvPr id="6" name="object 6" descr=""/>
           <p:cNvSpPr txBox="1"/>
           <p:nvPr/>
         </p:nvSpPr>
@@ -3790,7 +3717,7 @@
           </a:prstGeom>
         </p:spPr>
         <p:txBody>
-          <a:bodyPr vert="horz" wrap="square" lIns="0" tIns="12700" rIns="0" bIns="0" rtlCol="0">
+          <a:bodyPr wrap="square" lIns="0" tIns="12700" rIns="0" bIns="0" rtlCol="0" vert="horz">
             <a:spAutoFit/>
           </a:bodyPr>
           <a:lstStyle/>
@@ -3804,7 +3731,7 @@
               </a:spcBef>
             </a:pPr>
             <a:r>
-              <a:rPr sz="1500" b="1" spc="-5" dirty="0">
+              <a:rPr dirty="0" sz="1500" spc="-5" b="1">
                 <a:solidFill>
                   <a:srgbClr val="24292E"/>
                 </a:solidFill>
@@ -3834,7 +3761,7 @@
               </a:tabLst>
             </a:pPr>
             <a:r>
-              <a:rPr sz="1200" b="1" dirty="0">
+              <a:rPr dirty="0" sz="1200" b="1">
                 <a:solidFill>
                   <a:srgbClr val="24292E"/>
                 </a:solidFill>
@@ -3844,7 +3771,7 @@
               <a:t>它是多项式分布的</a:t>
             </a:r>
             <a:r>
-              <a:rPr sz="1200" dirty="0">
+              <a:rPr dirty="0" sz="1200">
                 <a:solidFill>
                   <a:srgbClr val="24292E"/>
                 </a:solidFill>
@@ -3854,7 +3781,7 @@
               <a:t>“</a:t>
             </a:r>
             <a:r>
-              <a:rPr sz="1200" b="1" dirty="0">
+              <a:rPr dirty="0" sz="1200" b="1">
                 <a:solidFill>
                   <a:srgbClr val="24292E"/>
                 </a:solidFill>
@@ -3864,7 +3791,7 @@
               <a:t>共轭先验</a:t>
             </a:r>
             <a:r>
-              <a:rPr sz="1200" spc="-20" dirty="0">
+              <a:rPr dirty="0" sz="1200" spc="-20">
                 <a:solidFill>
                   <a:srgbClr val="24292E"/>
                 </a:solidFill>
@@ -3874,7 +3801,7 @@
               <a:t>” </a:t>
             </a:r>
             <a:r>
-              <a:rPr sz="1200" dirty="0">
+              <a:rPr dirty="0" sz="1200">
                 <a:solidFill>
                   <a:srgbClr val="24292E"/>
                 </a:solidFill>
@@ -3884,7 +3811,7 @@
               <a:t>(Conjugate</a:t>
             </a:r>
             <a:r>
-              <a:rPr sz="1200" spc="-30" dirty="0">
+              <a:rPr dirty="0" sz="1200" spc="-30">
                 <a:solidFill>
                   <a:srgbClr val="24292E"/>
                 </a:solidFill>
@@ -3894,7 +3821,7 @@
               <a:t> </a:t>
             </a:r>
             <a:r>
-              <a:rPr sz="1200" spc="-10" dirty="0">
+              <a:rPr dirty="0" sz="1200" spc="-10">
                 <a:solidFill>
                   <a:srgbClr val="24292E"/>
                 </a:solidFill>
@@ -3918,7 +3845,7 @@
               </a:spcBef>
             </a:pPr>
             <a:r>
-              <a:rPr sz="1200" dirty="0">
+              <a:rPr dirty="0" sz="1200">
                 <a:solidFill>
                   <a:srgbClr val="24292E"/>
                 </a:solidFill>
@@ -3928,7 +3855,7 @@
               <a:t>当我们使用狄利克雷分布作为多项式分布的先验时，后验分布仍保持狄利克雷分布的形式。后验分布与先验分布的形式相同，使得我们在</a:t>
             </a:r>
             <a:r>
-              <a:rPr sz="1200" b="1" spc="-50" dirty="0">
+              <a:rPr dirty="0" sz="1200" spc="-50" b="1">
                 <a:solidFill>
                   <a:srgbClr val="24292E"/>
                 </a:solidFill>
@@ -3938,7 +3865,7 @@
               <a:t>推</a:t>
             </a:r>
             <a:r>
-              <a:rPr sz="1200" b="1" dirty="0">
+              <a:rPr dirty="0" sz="1200" b="1">
                 <a:solidFill>
                   <a:srgbClr val="24292E"/>
                 </a:solidFill>
@@ -3948,7 +3875,7 @@
               <a:t>断</a:t>
             </a:r>
             <a:r>
-              <a:rPr sz="1200" dirty="0">
+              <a:rPr dirty="0" sz="1200">
                 <a:solidFill>
                   <a:srgbClr val="24292E"/>
                 </a:solidFill>
@@ -3958,7 +3885,7 @@
               <a:t>过程中可以进行代数运算，而不是进行复杂的积分运算（</a:t>
             </a:r>
             <a:r>
-              <a:rPr sz="1200" spc="-5" dirty="0">
+              <a:rPr dirty="0" sz="1200" spc="-5">
                 <a:solidFill>
                   <a:srgbClr val="24292E"/>
                 </a:solidFill>
@@ -3968,7 +3895,7 @@
               <a:t>尤其是在使用 </a:t>
             </a:r>
             <a:r>
-              <a:rPr sz="1200" dirty="0">
+              <a:rPr dirty="0" sz="1200">
                 <a:solidFill>
                   <a:srgbClr val="24292E"/>
                 </a:solidFill>
@@ -3978,7 +3905,7 @@
               <a:t>MCMC </a:t>
             </a:r>
             <a:r>
-              <a:rPr sz="1200" dirty="0">
+              <a:rPr dirty="0" sz="1200">
                 <a:solidFill>
                   <a:srgbClr val="24292E"/>
                 </a:solidFill>
@@ -3988,7 +3915,7 @@
               <a:t>或吉布斯采样时），</a:t>
             </a:r>
             <a:r>
-              <a:rPr sz="1200" spc="-5" dirty="0">
+              <a:rPr dirty="0" sz="1200" spc="-5">
                 <a:solidFill>
                   <a:srgbClr val="24292E"/>
                 </a:solidFill>
@@ -4018,7 +3945,7 @@
               </a:tabLst>
             </a:pPr>
             <a:r>
-              <a:rPr sz="1200" b="1" spc="-10" dirty="0">
+              <a:rPr dirty="0" sz="1200" spc="-10" b="1">
                 <a:solidFill>
                   <a:srgbClr val="24292E"/>
                 </a:solidFill>
@@ -4042,7 +3969,7 @@
               </a:spcBef>
             </a:pPr>
             <a:r>
-              <a:rPr sz="1200" dirty="0">
+              <a:rPr dirty="0" sz="1200">
                 <a:solidFill>
                   <a:srgbClr val="24292E"/>
                 </a:solidFill>
@@ -4052,7 +3979,7 @@
               <a:t>狄利克雷分布完美地定义在满足</a:t>
             </a:r>
             <a:r>
-              <a:rPr sz="1200" b="1" spc="-15" dirty="0">
+              <a:rPr dirty="0" sz="1200" spc="-15" b="1">
                 <a:solidFill>
                   <a:srgbClr val="24292E"/>
                 </a:solidFill>
@@ -4062,7 +3989,7 @@
               <a:t>和为 </a:t>
             </a:r>
             <a:r>
-              <a:rPr sz="1200" spc="-10" dirty="0">
+              <a:rPr dirty="0" sz="1200" spc="-10">
                 <a:solidFill>
                   <a:srgbClr val="24292E"/>
                 </a:solidFill>
@@ -4072,7 +3999,7 @@
               <a:t>1</a:t>
             </a:r>
             <a:r>
-              <a:rPr sz="1200" dirty="0">
+              <a:rPr dirty="0" sz="1200">
                 <a:solidFill>
                   <a:srgbClr val="24292E"/>
                 </a:solidFill>
@@ -4082,7 +4009,7 @@
               <a:t>的向量空间上。</a:t>
             </a:r>
             <a:r>
-              <a:rPr sz="1200" dirty="0">
+              <a:rPr dirty="0" sz="1200">
                 <a:solidFill>
                   <a:srgbClr val="24292E"/>
                 </a:solidFill>
@@ -4092,7 +4019,7 @@
               <a:t>LDA</a:t>
             </a:r>
             <a:r>
-              <a:rPr sz="1200" spc="-5" dirty="0">
+              <a:rPr dirty="0" sz="1200" spc="-5">
                 <a:solidFill>
                   <a:srgbClr val="24292E"/>
                 </a:solidFill>
@@ -4102,7 +4029,7 @@
               <a:t> </a:t>
             </a:r>
             <a:r>
-              <a:rPr sz="1200" spc="-5" dirty="0">
+              <a:rPr dirty="0" sz="1200" spc="-5">
                 <a:solidFill>
                   <a:srgbClr val="24292E"/>
                 </a:solidFill>
@@ -4112,7 +4039,7 @@
               <a:t>的两个核心参数 </a:t>
             </a:r>
             <a:r>
-              <a:rPr sz="1450" b="1" i="1" dirty="0">
+              <a:rPr dirty="0" sz="1450" b="1" i="1">
                 <a:solidFill>
                   <a:srgbClr val="24292E"/>
                 </a:solidFill>
@@ -4122,7 +4049,7 @@
               <a:t>θ</a:t>
             </a:r>
             <a:r>
-              <a:rPr sz="1450" b="1" i="1" spc="-35" dirty="0">
+              <a:rPr dirty="0" sz="1450" spc="-35" b="1" i="1">
                 <a:solidFill>
                   <a:srgbClr val="24292E"/>
                 </a:solidFill>
@@ -4132,7 +4059,7 @@
               <a:t> </a:t>
             </a:r>
             <a:r>
-              <a:rPr sz="1200" spc="-15" dirty="0">
+              <a:rPr dirty="0" sz="1200" spc="-15">
                 <a:solidFill>
                   <a:srgbClr val="24292E"/>
                 </a:solidFill>
@@ -4142,7 +4069,7 @@
               <a:t>和 </a:t>
             </a:r>
             <a:r>
-              <a:rPr sz="1450" b="1" i="1" spc="-75" dirty="0">
+              <a:rPr dirty="0" sz="1450" spc="-75" b="1" i="1">
                 <a:solidFill>
                   <a:srgbClr val="24292E"/>
                 </a:solidFill>
@@ -4152,7 +4079,7 @@
               <a:t>ϕ </a:t>
             </a:r>
             <a:r>
-              <a:rPr sz="1200" dirty="0">
+              <a:rPr dirty="0" sz="1200">
                 <a:solidFill>
                   <a:srgbClr val="24292E"/>
                 </a:solidFill>
@@ -4162,7 +4089,7 @@
               <a:t>本质上都是概率向量（</a:t>
             </a:r>
             <a:r>
-              <a:rPr sz="1200" spc="-5" dirty="0">
+              <a:rPr dirty="0" sz="1200" spc="-5">
                 <a:solidFill>
                   <a:srgbClr val="24292E"/>
                 </a:solidFill>
@@ -4172,7 +4099,7 @@
               <a:t>即所有元素和为 </a:t>
             </a:r>
             <a:r>
-              <a:rPr sz="1200" spc="-25" dirty="0">
+              <a:rPr dirty="0" sz="1200" spc="-25">
                 <a:solidFill>
                   <a:srgbClr val="24292E"/>
                 </a:solidFill>
@@ -4182,7 +4109,7 @@
               <a:t>1</a:t>
             </a:r>
             <a:r>
-              <a:rPr sz="1200" spc="-25" dirty="0">
+              <a:rPr dirty="0" sz="1200" spc="-25">
                 <a:solidFill>
                   <a:srgbClr val="24292E"/>
                 </a:solidFill>
@@ -4200,7 +4127,7 @@
       </p:sp>
       <p:sp>
         <p:nvSpPr>
-          <p:cNvPr id="7" name="object 7"/>
+          <p:cNvPr id="7" name="object 7" descr=""/>
           <p:cNvSpPr/>
           <p:nvPr/>
         </p:nvSpPr>
@@ -4258,14 +4185,12 @@
         <p:txBody>
           <a:bodyPr wrap="square" lIns="0" tIns="0" rIns="0" bIns="0" rtlCol="0"/>
           <a:lstStyle/>
-          <a:p>
-            <a:endParaRPr/>
-          </a:p>
+          <a:p/>
         </p:txBody>
       </p:sp>
       <p:sp>
         <p:nvSpPr>
-          <p:cNvPr id="8" name="object 8"/>
+          <p:cNvPr id="8" name="object 8" descr=""/>
           <p:cNvSpPr txBox="1"/>
           <p:nvPr/>
         </p:nvSpPr>
@@ -4279,7 +4204,7 @@
           </a:prstGeom>
         </p:spPr>
         <p:txBody>
-          <a:bodyPr vert="horz" wrap="square" lIns="0" tIns="12700" rIns="0" bIns="0" rtlCol="0">
+          <a:bodyPr wrap="square" lIns="0" tIns="12700" rIns="0" bIns="0" rtlCol="0" vert="horz">
             <a:spAutoFit/>
           </a:bodyPr>
           <a:lstStyle/>
@@ -4293,7 +4218,7 @@
               </a:spcBef>
             </a:pPr>
             <a:r>
-              <a:rPr sz="1200" b="1" spc="-5" dirty="0">
+              <a:rPr dirty="0" sz="1200" spc="-5" b="1">
                 <a:solidFill>
                   <a:srgbClr val="24292E"/>
                 </a:solidFill>
@@ -4303,7 +4228,7 @@
               <a:t>文档主题比例 </a:t>
             </a:r>
             <a:r>
-              <a:rPr sz="1450" b="1" i="1" dirty="0">
+              <a:rPr dirty="0" sz="1450" b="1" i="1">
                 <a:solidFill>
                   <a:srgbClr val="24292E"/>
                 </a:solidFill>
@@ -4313,7 +4238,7 @@
               <a:t>θ</a:t>
             </a:r>
             <a:r>
-              <a:rPr sz="1200" dirty="0">
+              <a:rPr dirty="0" sz="1200">
                 <a:solidFill>
                   <a:srgbClr val="24292E"/>
                 </a:solidFill>
@@ -4323,7 +4248,7 @@
               <a:t>: </a:t>
             </a:r>
             <a:r>
-              <a:rPr sz="1200" spc="-5" dirty="0">
+              <a:rPr dirty="0" sz="1200" spc="-5">
                 <a:solidFill>
                   <a:srgbClr val="24292E"/>
                 </a:solidFill>
@@ -4333,7 +4258,7 @@
               <a:t>一篇文档必须 </a:t>
             </a:r>
             <a:r>
-              <a:rPr sz="1200" dirty="0">
+              <a:rPr dirty="0" sz="1200">
                 <a:solidFill>
                   <a:srgbClr val="24292E"/>
                 </a:solidFill>
@@ -4343,7 +4268,7 @@
               <a:t>100%</a:t>
             </a:r>
             <a:r>
-              <a:rPr sz="1200" spc="5" dirty="0">
+              <a:rPr dirty="0" sz="1200" spc="5">
                 <a:solidFill>
                   <a:srgbClr val="24292E"/>
                 </a:solidFill>
@@ -4353,7 +4278,7 @@
               <a:t> </a:t>
             </a:r>
             <a:r>
-              <a:rPr sz="1200" spc="-5" dirty="0">
+              <a:rPr dirty="0" sz="1200" spc="-5">
                 <a:solidFill>
                   <a:srgbClr val="24292E"/>
                 </a:solidFill>
@@ -4363,7 +4288,7 @@
               <a:t>由所有主题构成。</a:t>
             </a:r>
             <a:r>
-              <a:rPr sz="1450" spc="434" dirty="0">
+              <a:rPr dirty="0" sz="1450" spc="434">
                 <a:solidFill>
                   <a:srgbClr val="24292E"/>
                 </a:solidFill>
@@ -4381,7 +4306,7 @@
       </p:sp>
       <p:sp>
         <p:nvSpPr>
-          <p:cNvPr id="9" name="object 9"/>
+          <p:cNvPr id="9" name="object 9" descr=""/>
           <p:cNvSpPr/>
           <p:nvPr/>
         </p:nvSpPr>
@@ -4439,14 +4364,12 @@
         <p:txBody>
           <a:bodyPr wrap="square" lIns="0" tIns="0" rIns="0" bIns="0" rtlCol="0"/>
           <a:lstStyle/>
-          <a:p>
-            <a:endParaRPr/>
-          </a:p>
+          <a:p/>
         </p:txBody>
       </p:sp>
       <p:sp>
         <p:nvSpPr>
-          <p:cNvPr id="10" name="object 10"/>
+          <p:cNvPr id="10" name="object 10" descr=""/>
           <p:cNvSpPr txBox="1"/>
           <p:nvPr/>
         </p:nvSpPr>
@@ -4460,7 +4383,7 @@
           </a:prstGeom>
         </p:spPr>
         <p:txBody>
-          <a:bodyPr vert="horz" wrap="square" lIns="0" tIns="12700" rIns="0" bIns="0" rtlCol="0">
+          <a:bodyPr wrap="square" lIns="0" tIns="12700" rIns="0" bIns="0" rtlCol="0" vert="horz">
             <a:spAutoFit/>
           </a:bodyPr>
           <a:lstStyle/>
@@ -4474,7 +4397,7 @@
               </a:spcBef>
             </a:pPr>
             <a:r>
-              <a:rPr sz="1800" b="1" spc="-5" dirty="0">
+              <a:rPr dirty="0" sz="1800" spc="-5" b="1">
                 <a:solidFill>
                   <a:srgbClr val="24292E"/>
                 </a:solidFill>
@@ -4492,7 +4415,7 @@
       </p:sp>
       <p:sp>
         <p:nvSpPr>
-          <p:cNvPr id="11" name="object 11"/>
+          <p:cNvPr id="11" name="object 11" descr=""/>
           <p:cNvSpPr txBox="1"/>
           <p:nvPr/>
         </p:nvSpPr>
@@ -4506,7 +4429,7 @@
           </a:prstGeom>
         </p:spPr>
         <p:txBody>
-          <a:bodyPr vert="horz" wrap="square" lIns="0" tIns="12700" rIns="0" bIns="0" rtlCol="0">
+          <a:bodyPr wrap="square" lIns="0" tIns="12700" rIns="0" bIns="0" rtlCol="0" vert="horz">
             <a:spAutoFit/>
           </a:bodyPr>
           <a:lstStyle/>
@@ -4520,7 +4443,7 @@
               </a:spcBef>
             </a:pPr>
             <a:r>
-              <a:rPr sz="1450" i="1" spc="305" dirty="0">
+              <a:rPr dirty="0" sz="1450" spc="305" i="1">
                 <a:solidFill>
                   <a:srgbClr val="24292E"/>
                 </a:solidFill>
@@ -4530,7 +4453,7 @@
               <a:t>f</a:t>
             </a:r>
             <a:r>
-              <a:rPr sz="1450" i="1" spc="-210" dirty="0">
+              <a:rPr dirty="0" sz="1450" spc="-210" i="1">
                 <a:solidFill>
                   <a:srgbClr val="24292E"/>
                 </a:solidFill>
@@ -4540,7 +4463,7 @@
               <a:t> </a:t>
             </a:r>
             <a:r>
-              <a:rPr sz="1450" dirty="0">
+              <a:rPr dirty="0" sz="1450">
                 <a:solidFill>
                   <a:srgbClr val="24292E"/>
                 </a:solidFill>
@@ -4550,7 +4473,7 @@
               <a:t>(</a:t>
             </a:r>
             <a:r>
-              <a:rPr sz="1450" b="1" i="1" dirty="0">
+              <a:rPr dirty="0" sz="1450" b="1" i="1">
                 <a:solidFill>
                   <a:srgbClr val="24292E"/>
                 </a:solidFill>
@@ -4560,7 +4483,7 @@
               <a:t>θ</a:t>
             </a:r>
             <a:r>
-              <a:rPr sz="1450" b="1" i="1" spc="40" dirty="0">
+              <a:rPr dirty="0" sz="1450" spc="40" b="1" i="1">
                 <a:solidFill>
                   <a:srgbClr val="24292E"/>
                 </a:solidFill>
@@ -4570,7 +4493,7 @@
               <a:t> </a:t>
             </a:r>
             <a:r>
-              <a:rPr sz="1450" dirty="0">
+              <a:rPr dirty="0" sz="1450">
                 <a:solidFill>
                   <a:srgbClr val="24292E"/>
                 </a:solidFill>
@@ -4580,7 +4503,7 @@
               <a:t>∣</a:t>
             </a:r>
             <a:r>
-              <a:rPr sz="1450" spc="85" dirty="0">
+              <a:rPr dirty="0" sz="1450" spc="85">
                 <a:solidFill>
                   <a:srgbClr val="24292E"/>
                 </a:solidFill>
@@ -4590,7 +4513,7 @@
               <a:t> </a:t>
             </a:r>
             <a:r>
-              <a:rPr sz="1450" b="1" i="1" spc="100" dirty="0">
+              <a:rPr dirty="0" sz="1450" spc="100" b="1" i="1">
                 <a:solidFill>
                   <a:srgbClr val="24292E"/>
                 </a:solidFill>
@@ -4600,7 +4523,7 @@
               <a:t>α</a:t>
             </a:r>
             <a:r>
-              <a:rPr sz="1450" spc="100" dirty="0">
+              <a:rPr dirty="0" sz="1450" spc="100">
                 <a:solidFill>
                   <a:srgbClr val="24292E"/>
                 </a:solidFill>
@@ -4610,7 +4533,7 @@
               <a:t>)</a:t>
             </a:r>
             <a:r>
-              <a:rPr sz="1450" spc="80" dirty="0">
+              <a:rPr dirty="0" sz="1450" spc="80">
                 <a:solidFill>
                   <a:srgbClr val="24292E"/>
                 </a:solidFill>
@@ -4620,7 +4543,7 @@
               <a:t> </a:t>
             </a:r>
             <a:r>
-              <a:rPr sz="1450" spc="275" dirty="0">
+              <a:rPr dirty="0" sz="1450" spc="275">
                 <a:solidFill>
                   <a:srgbClr val="24292E"/>
                 </a:solidFill>
@@ -4638,7 +4561,7 @@
       </p:sp>
       <p:sp>
         <p:nvSpPr>
-          <p:cNvPr id="12" name="object 12"/>
+          <p:cNvPr id="12" name="object 12" descr=""/>
           <p:cNvSpPr txBox="1"/>
           <p:nvPr/>
         </p:nvSpPr>
@@ -4652,7 +4575,7 @@
           </a:prstGeom>
         </p:spPr>
         <p:txBody>
-          <a:bodyPr vert="horz" wrap="square" lIns="0" tIns="14604" rIns="0" bIns="0" rtlCol="0">
+          <a:bodyPr wrap="square" lIns="0" tIns="14604" rIns="0" bIns="0" rtlCol="0" vert="horz">
             <a:spAutoFit/>
           </a:bodyPr>
           <a:lstStyle/>
@@ -4666,7 +4589,7 @@
               </a:spcBef>
             </a:pPr>
             <a:r>
-              <a:rPr sz="1000" u="sng" spc="229" dirty="0">
+              <a:rPr dirty="0" u="sng" sz="1000" spc="229">
                 <a:solidFill>
                   <a:srgbClr val="24292E"/>
                 </a:solidFill>
@@ -4681,7 +4604,7 @@
               <a:t>  </a:t>
             </a:r>
             <a:r>
-              <a:rPr sz="1000" u="sng" spc="-60" dirty="0">
+              <a:rPr dirty="0" u="sng" sz="1000" spc="-60">
                 <a:solidFill>
                   <a:srgbClr val="24292E"/>
                 </a:solidFill>
@@ -4696,7 +4619,7 @@
               <a:t>1</a:t>
             </a:r>
             <a:r>
-              <a:rPr sz="1000" u="sng" spc="500" dirty="0">
+              <a:rPr dirty="0" u="sng" sz="1000" spc="500">
                 <a:solidFill>
                   <a:srgbClr val="24292E"/>
                 </a:solidFill>
@@ -4726,7 +4649,7 @@
               </a:tabLst>
             </a:pPr>
             <a:r>
-              <a:rPr sz="1000" i="1" spc="65" dirty="0">
+              <a:rPr dirty="0" sz="1000" spc="65" i="1">
                 <a:solidFill>
                   <a:srgbClr val="24292E"/>
                 </a:solidFill>
@@ -4736,7 +4659,7 @@
               <a:t>B</a:t>
             </a:r>
             <a:r>
-              <a:rPr sz="1000" spc="65" dirty="0">
+              <a:rPr dirty="0" sz="1000" spc="65">
                 <a:solidFill>
                   <a:srgbClr val="24292E"/>
                 </a:solidFill>
@@ -4746,7 +4669,7 @@
               <a:t>(</a:t>
             </a:r>
             <a:r>
-              <a:rPr sz="1000" b="1" i="1" spc="65" dirty="0">
+              <a:rPr dirty="0" sz="1000" spc="65" b="1" i="1">
                 <a:solidFill>
                   <a:srgbClr val="24292E"/>
                 </a:solidFill>
@@ -4756,7 +4679,7 @@
               <a:t>α</a:t>
             </a:r>
             <a:r>
-              <a:rPr sz="1000" spc="65" dirty="0">
+              <a:rPr dirty="0" sz="1000" spc="65">
                 <a:solidFill>
                   <a:srgbClr val="24292E"/>
                 </a:solidFill>
@@ -4766,7 +4689,7 @@
               <a:t>)</a:t>
             </a:r>
             <a:r>
-              <a:rPr sz="1000" dirty="0">
+              <a:rPr dirty="0" sz="1000">
                 <a:solidFill>
                   <a:srgbClr val="24292E"/>
                 </a:solidFill>
@@ -4776,7 +4699,7 @@
               <a:t>	</a:t>
             </a:r>
             <a:r>
-              <a:rPr sz="1500" i="1" spc="104" baseline="5555" dirty="0">
+              <a:rPr dirty="0" baseline="5555" sz="1500" spc="104" i="1">
                 <a:solidFill>
                   <a:srgbClr val="24292E"/>
                 </a:solidFill>
@@ -4786,7 +4709,7 @@
               <a:t>k</a:t>
             </a:r>
             <a:r>
-              <a:rPr sz="1500" spc="104" baseline="5555" dirty="0">
+              <a:rPr dirty="0" baseline="5555" sz="1500" spc="104">
                 <a:solidFill>
                   <a:srgbClr val="24292E"/>
                 </a:solidFill>
@@ -4796,7 +4719,7 @@
               <a:t>=1</a:t>
             </a:r>
             <a:r>
-              <a:rPr sz="1500" baseline="5555" dirty="0">
+              <a:rPr dirty="0" baseline="5555" sz="1500">
                 <a:solidFill>
                   <a:srgbClr val="24292E"/>
                 </a:solidFill>
@@ -4806,7 +4729,7 @@
               <a:t>	</a:t>
             </a:r>
             <a:r>
-              <a:rPr sz="1500" i="1" spc="37" baseline="5555" dirty="0">
+              <a:rPr dirty="0" baseline="5555" sz="1500" spc="37" i="1">
                 <a:solidFill>
                   <a:srgbClr val="24292E"/>
                 </a:solidFill>
@@ -4815,7 +4738,7 @@
               </a:rPr>
               <a:t>k</a:t>
             </a:r>
-            <a:endParaRPr sz="1500" baseline="5555">
+            <a:endParaRPr baseline="5555" sz="1500">
               <a:latin typeface="Palatino Linotype"/>
               <a:cs typeface="Palatino Linotype"/>
             </a:endParaRPr>
@@ -4824,7 +4747,7 @@
       </p:sp>
       <p:sp>
         <p:nvSpPr>
-          <p:cNvPr id="13" name="object 13"/>
+          <p:cNvPr id="13" name="object 13" descr=""/>
           <p:cNvSpPr txBox="1"/>
           <p:nvPr/>
         </p:nvSpPr>
@@ -4838,7 +4761,7 @@
           </a:prstGeom>
         </p:spPr>
         <p:txBody>
-          <a:bodyPr vert="horz" wrap="square" lIns="0" tIns="15875" rIns="0" bIns="0" rtlCol="0">
+          <a:bodyPr wrap="square" lIns="0" tIns="15875" rIns="0" bIns="0" rtlCol="0" vert="horz">
             <a:spAutoFit/>
           </a:bodyPr>
           <a:lstStyle/>
@@ -4852,7 +4775,7 @@
               </a:spcBef>
             </a:pPr>
             <a:r>
-              <a:rPr sz="700" i="1" spc="15" dirty="0">
+              <a:rPr dirty="0" sz="700" spc="15" i="1">
                 <a:solidFill>
                   <a:srgbClr val="24292E"/>
                 </a:solidFill>
@@ -4870,7 +4793,7 @@
       </p:sp>
       <p:sp>
         <p:nvSpPr>
-          <p:cNvPr id="14" name="object 14"/>
+          <p:cNvPr id="14" name="object 14" descr=""/>
           <p:cNvSpPr txBox="1"/>
           <p:nvPr/>
         </p:nvSpPr>
@@ -4884,7 +4807,7 @@
           </a:prstGeom>
         </p:spPr>
         <p:txBody>
-          <a:bodyPr vert="horz" wrap="square" lIns="0" tIns="14604" rIns="0" bIns="0" rtlCol="0">
+          <a:bodyPr wrap="square" lIns="0" tIns="14604" rIns="0" bIns="0" rtlCol="0" vert="horz">
             <a:spAutoFit/>
           </a:bodyPr>
           <a:lstStyle/>
@@ -4898,7 +4821,7 @@
               </a:spcBef>
             </a:pPr>
             <a:r>
-              <a:rPr sz="1000" i="1" spc="25" dirty="0">
+              <a:rPr dirty="0" sz="1000" spc="25" i="1">
                 <a:solidFill>
                   <a:srgbClr val="24292E"/>
                 </a:solidFill>
@@ -4916,7 +4839,7 @@
       </p:sp>
       <p:sp>
         <p:nvSpPr>
-          <p:cNvPr id="15" name="object 15"/>
+          <p:cNvPr id="15" name="object 15" descr=""/>
           <p:cNvSpPr txBox="1"/>
           <p:nvPr/>
         </p:nvSpPr>
@@ -4930,7 +4853,7 @@
           </a:prstGeom>
         </p:spPr>
         <p:txBody>
-          <a:bodyPr vert="horz" wrap="square" lIns="0" tIns="14604" rIns="0" bIns="0" rtlCol="0">
+          <a:bodyPr wrap="square" lIns="0" tIns="14604" rIns="0" bIns="0" rtlCol="0" vert="horz">
             <a:spAutoFit/>
           </a:bodyPr>
           <a:lstStyle/>
@@ -4944,7 +4867,7 @@
               </a:spcBef>
             </a:pPr>
             <a:r>
-              <a:rPr sz="1000" i="1" spc="70" dirty="0">
+              <a:rPr dirty="0" sz="1000" spc="70" i="1">
                 <a:solidFill>
                   <a:srgbClr val="24292E"/>
                 </a:solidFill>
@@ -4954,7 +4877,7 @@
               <a:t>k</a:t>
             </a:r>
             <a:r>
-              <a:rPr sz="1000" spc="70" dirty="0">
+              <a:rPr dirty="0" sz="1000" spc="70">
                 <a:solidFill>
                   <a:srgbClr val="24292E"/>
                 </a:solidFill>
@@ -4972,7 +4895,7 @@
       </p:sp>
       <p:sp>
         <p:nvSpPr>
-          <p:cNvPr id="16" name="object 16"/>
+          <p:cNvPr id="16" name="object 16" descr=""/>
           <p:cNvSpPr txBox="1"/>
           <p:nvPr/>
         </p:nvSpPr>
@@ -4986,7 +4909,7 @@
           </a:prstGeom>
         </p:spPr>
         <p:txBody>
-          <a:bodyPr vert="horz" wrap="square" lIns="0" tIns="14604" rIns="0" bIns="0" rtlCol="0">
+          <a:bodyPr wrap="square" lIns="0" tIns="14604" rIns="0" bIns="0" rtlCol="0" vert="horz">
             <a:spAutoFit/>
           </a:bodyPr>
           <a:lstStyle/>
@@ -5004,7 +4927,7 @@
               </a:tabLst>
             </a:pPr>
             <a:r>
-              <a:rPr sz="1500" i="1" spc="217" baseline="5555" dirty="0">
+              <a:rPr dirty="0" baseline="5555" sz="1500" spc="217" i="1">
                 <a:solidFill>
                   <a:srgbClr val="24292E"/>
                 </a:solidFill>
@@ -5014,7 +4937,7 @@
               <a:t>K</a:t>
             </a:r>
             <a:r>
-              <a:rPr sz="1500" i="1" baseline="5555" dirty="0">
+              <a:rPr dirty="0" baseline="5555" sz="1500" i="1">
                 <a:solidFill>
                   <a:srgbClr val="24292E"/>
                 </a:solidFill>
@@ -5024,7 +4947,7 @@
               <a:t>	</a:t>
             </a:r>
             <a:r>
-              <a:rPr sz="1000" i="1" dirty="0">
+              <a:rPr dirty="0" sz="1000" i="1">
                 <a:solidFill>
                   <a:srgbClr val="24292E"/>
                 </a:solidFill>
@@ -5034,7 +4957,7 @@
               <a:t>α</a:t>
             </a:r>
             <a:r>
-              <a:rPr sz="1000" i="1" spc="320" dirty="0">
+              <a:rPr dirty="0" sz="1000" spc="320" i="1">
                 <a:solidFill>
                   <a:srgbClr val="24292E"/>
                 </a:solidFill>
@@ -5044,7 +4967,7 @@
               <a:t> </a:t>
             </a:r>
             <a:r>
-              <a:rPr sz="1000" spc="65" dirty="0">
+              <a:rPr dirty="0" sz="1000" spc="65">
                 <a:solidFill>
                   <a:srgbClr val="24292E"/>
                 </a:solidFill>
@@ -5054,7 +4977,7 @@
               <a:t>−1</a:t>
             </a:r>
             <a:r>
-              <a:rPr sz="1000" dirty="0">
+              <a:rPr dirty="0" sz="1000">
                 <a:solidFill>
                   <a:srgbClr val="24292E"/>
                 </a:solidFill>
@@ -5064,7 +4987,7 @@
               <a:t>	</a:t>
             </a:r>
             <a:r>
-              <a:rPr sz="1500" i="1" spc="217" baseline="5555" dirty="0">
+              <a:rPr dirty="0" baseline="5555" sz="1500" spc="217" i="1">
                 <a:solidFill>
                   <a:srgbClr val="24292E"/>
                 </a:solidFill>
@@ -5073,7 +4996,7 @@
               </a:rPr>
               <a:t>K</a:t>
             </a:r>
-            <a:endParaRPr sz="1500" baseline="5555">
+            <a:endParaRPr baseline="5555" sz="1500">
               <a:latin typeface="Palatino Linotype"/>
               <a:cs typeface="Palatino Linotype"/>
             </a:endParaRPr>
@@ -5082,7 +5005,7 @@
       </p:sp>
       <p:sp>
         <p:nvSpPr>
-          <p:cNvPr id="17" name="object 17"/>
+          <p:cNvPr id="17" name="object 17" descr=""/>
           <p:cNvSpPr txBox="1"/>
           <p:nvPr/>
         </p:nvSpPr>
@@ -5096,7 +5019,7 @@
           </a:prstGeom>
         </p:spPr>
         <p:txBody>
-          <a:bodyPr vert="horz" wrap="square" lIns="0" tIns="12700" rIns="0" bIns="0" rtlCol="0">
+          <a:bodyPr wrap="square" lIns="0" tIns="12700" rIns="0" bIns="0" rtlCol="0" vert="horz">
             <a:spAutoFit/>
           </a:bodyPr>
           <a:lstStyle/>
@@ -5116,7 +5039,7 @@
               </a:tabLst>
             </a:pPr>
             <a:r>
-              <a:rPr sz="1450" spc="125" dirty="0">
+              <a:rPr dirty="0" sz="1450" spc="125">
                 <a:solidFill>
                   <a:srgbClr val="24292E"/>
                 </a:solidFill>
@@ -5126,7 +5049,7 @@
               <a:t>∏</a:t>
             </a:r>
             <a:r>
-              <a:rPr sz="1450" dirty="0">
+              <a:rPr dirty="0" sz="1450">
                 <a:solidFill>
                   <a:srgbClr val="24292E"/>
                 </a:solidFill>
@@ -5136,7 +5059,7 @@
               <a:t>	</a:t>
             </a:r>
             <a:r>
-              <a:rPr sz="1450" i="1" spc="-50" dirty="0">
+              <a:rPr dirty="0" sz="1450" spc="-50" i="1">
                 <a:solidFill>
                   <a:srgbClr val="24292E"/>
                 </a:solidFill>
@@ -5146,7 +5069,7 @@
               <a:t>θ</a:t>
             </a:r>
             <a:r>
-              <a:rPr sz="1450" i="1" dirty="0">
+              <a:rPr dirty="0" sz="1450" i="1">
                 <a:solidFill>
                   <a:srgbClr val="24292E"/>
                 </a:solidFill>
@@ -5156,7 +5079,7 @@
               <a:t>	</a:t>
             </a:r>
             <a:r>
-              <a:rPr sz="1200" dirty="0">
+              <a:rPr dirty="0" sz="1200">
                 <a:solidFill>
                   <a:srgbClr val="24292E"/>
                 </a:solidFill>
@@ -5166,7 +5089,7 @@
               <a:t>约束条件</a:t>
             </a:r>
             <a:r>
-              <a:rPr sz="1200" dirty="0">
+              <a:rPr dirty="0" sz="1200">
                 <a:solidFill>
                   <a:srgbClr val="24292E"/>
                 </a:solidFill>
@@ -5176,7 +5099,7 @@
               <a:t>:</a:t>
             </a:r>
             <a:r>
-              <a:rPr sz="1200" spc="-10" dirty="0">
+              <a:rPr dirty="0" sz="1200" spc="-10">
                 <a:solidFill>
                   <a:srgbClr val="24292E"/>
                 </a:solidFill>
@@ -5186,7 +5109,7 @@
               <a:t> </a:t>
             </a:r>
             <a:r>
-              <a:rPr sz="1450" i="1" spc="-50" dirty="0">
+              <a:rPr dirty="0" sz="1450" spc="-50" i="1">
                 <a:solidFill>
                   <a:srgbClr val="24292E"/>
                 </a:solidFill>
@@ -5196,7 +5119,7 @@
               <a:t>θ</a:t>
             </a:r>
             <a:r>
-              <a:rPr sz="1450" i="1" dirty="0">
+              <a:rPr dirty="0" sz="1450" i="1">
                 <a:solidFill>
                   <a:srgbClr val="24292E"/>
                 </a:solidFill>
@@ -5206,7 +5129,7 @@
               <a:t>	</a:t>
             </a:r>
             <a:r>
-              <a:rPr sz="1450" spc="60" dirty="0">
+              <a:rPr dirty="0" sz="1450" spc="60">
                 <a:solidFill>
                   <a:srgbClr val="24292E"/>
                 </a:solidFill>
@@ -5216,7 +5139,7 @@
               <a:t>∈</a:t>
             </a:r>
             <a:r>
-              <a:rPr sz="1450" spc="100" dirty="0">
+              <a:rPr dirty="0" sz="1450" spc="100">
                 <a:solidFill>
                   <a:srgbClr val="24292E"/>
                 </a:solidFill>
@@ -5226,7 +5149,7 @@
               <a:t> </a:t>
             </a:r>
             <a:r>
-              <a:rPr sz="1450" spc="-40" dirty="0">
+              <a:rPr dirty="0" sz="1450" spc="-40">
                 <a:solidFill>
                   <a:srgbClr val="24292E"/>
                 </a:solidFill>
@@ -5236,7 +5159,7 @@
               <a:t>[0,</a:t>
             </a:r>
             <a:r>
-              <a:rPr sz="1450" spc="-70" dirty="0">
+              <a:rPr dirty="0" sz="1450" spc="-70">
                 <a:solidFill>
                   <a:srgbClr val="24292E"/>
                 </a:solidFill>
@@ -5246,7 +5169,7 @@
               <a:t> </a:t>
             </a:r>
             <a:r>
-              <a:rPr sz="1450" spc="-105" dirty="0">
+              <a:rPr dirty="0" sz="1450" spc="-105">
                 <a:solidFill>
                   <a:srgbClr val="24292E"/>
                 </a:solidFill>
@@ -5256,7 +5179,7 @@
               <a:t>1]</a:t>
             </a:r>
             <a:r>
-              <a:rPr sz="1450" spc="25" dirty="0">
+              <a:rPr dirty="0" sz="1450" spc="25">
                 <a:solidFill>
                   <a:srgbClr val="24292E"/>
                 </a:solidFill>
@@ -5266,7 +5189,7 @@
               <a:t> </a:t>
             </a:r>
             <a:r>
-              <a:rPr sz="1200" spc="-10" dirty="0">
+              <a:rPr dirty="0" sz="1200" spc="-10">
                 <a:solidFill>
                   <a:srgbClr val="24292E"/>
                 </a:solidFill>
@@ -5276,7 +5199,7 @@
               <a:t>、</a:t>
             </a:r>
             <a:r>
-              <a:rPr sz="1450" spc="434" dirty="0">
+              <a:rPr dirty="0" sz="1450" spc="434">
                 <a:solidFill>
                   <a:srgbClr val="24292E"/>
                 </a:solidFill>
@@ -5286,7 +5209,7 @@
               <a:t>∑</a:t>
             </a:r>
             <a:r>
-              <a:rPr sz="1450" dirty="0">
+              <a:rPr dirty="0" sz="1450">
                 <a:solidFill>
                   <a:srgbClr val="24292E"/>
                 </a:solidFill>
@@ -5296,7 +5219,7 @@
               <a:t>	</a:t>
             </a:r>
             <a:r>
-              <a:rPr sz="1450" i="1" dirty="0">
+              <a:rPr dirty="0" sz="1450" i="1">
                 <a:solidFill>
                   <a:srgbClr val="24292E"/>
                 </a:solidFill>
@@ -5306,7 +5229,7 @@
               <a:t>θ</a:t>
             </a:r>
             <a:r>
-              <a:rPr sz="1500" i="1" baseline="-8333" dirty="0">
+              <a:rPr dirty="0" baseline="-8333" sz="1500" i="1">
                 <a:solidFill>
                   <a:srgbClr val="24292E"/>
                 </a:solidFill>
@@ -5316,7 +5239,7 @@
               <a:t>k</a:t>
             </a:r>
             <a:r>
-              <a:rPr sz="1500" i="1" spc="270" baseline="-8333" dirty="0">
+              <a:rPr dirty="0" baseline="-8333" sz="1500" spc="270" i="1">
                 <a:solidFill>
                   <a:srgbClr val="24292E"/>
                 </a:solidFill>
@@ -5326,7 +5249,7 @@
               <a:t> </a:t>
             </a:r>
             <a:r>
-              <a:rPr sz="1450" spc="325" dirty="0">
+              <a:rPr dirty="0" sz="1450" spc="325">
                 <a:solidFill>
                   <a:srgbClr val="24292E"/>
                 </a:solidFill>
@@ -5336,7 +5259,7 @@
               <a:t>=</a:t>
             </a:r>
             <a:r>
-              <a:rPr sz="1450" spc="25" dirty="0">
+              <a:rPr dirty="0" sz="1450" spc="25">
                 <a:solidFill>
                   <a:srgbClr val="24292E"/>
                 </a:solidFill>
@@ -5346,7 +5269,7 @@
               <a:t> </a:t>
             </a:r>
             <a:r>
-              <a:rPr sz="1450" spc="-50" dirty="0">
+              <a:rPr dirty="0" sz="1450" spc="-50">
                 <a:solidFill>
                   <a:srgbClr val="24292E"/>
                 </a:solidFill>
@@ -5364,7 +5287,7 @@
       </p:sp>
       <p:sp>
         <p:nvSpPr>
-          <p:cNvPr id="18" name="object 18"/>
+          <p:cNvPr id="18" name="object 18" descr=""/>
           <p:cNvSpPr txBox="1"/>
           <p:nvPr/>
         </p:nvSpPr>
@@ -5378,7 +5301,7 @@
           </a:prstGeom>
         </p:spPr>
         <p:txBody>
-          <a:bodyPr vert="horz" wrap="square" lIns="0" tIns="12700" rIns="0" bIns="0" rtlCol="0">
+          <a:bodyPr wrap="square" lIns="0" tIns="12700" rIns="0" bIns="0" rtlCol="0" vert="horz">
             <a:spAutoFit/>
           </a:bodyPr>
           <a:lstStyle/>
@@ -5392,7 +5315,7 @@
               </a:spcBef>
             </a:pPr>
             <a:r>
-              <a:rPr sz="1450" spc="-50" dirty="0">
+              <a:rPr dirty="0" sz="1450" spc="-50">
                 <a:solidFill>
                   <a:srgbClr val="24292E"/>
                 </a:solidFill>
@@ -5410,7 +5333,7 @@
       </p:sp>
       <p:sp>
         <p:nvSpPr>
-          <p:cNvPr id="19" name="object 19"/>
+          <p:cNvPr id="19" name="object 19" descr=""/>
           <p:cNvSpPr txBox="1"/>
           <p:nvPr/>
         </p:nvSpPr>
@@ -5424,7 +5347,7 @@
           </a:prstGeom>
         </p:spPr>
         <p:txBody>
-          <a:bodyPr vert="horz" wrap="square" lIns="0" tIns="14604" rIns="0" bIns="0" rtlCol="0">
+          <a:bodyPr wrap="square" lIns="0" tIns="14604" rIns="0" bIns="0" rtlCol="0" vert="horz">
             <a:spAutoFit/>
           </a:bodyPr>
           <a:lstStyle/>
@@ -5438,7 +5361,7 @@
               </a:spcBef>
             </a:pPr>
             <a:r>
-              <a:rPr sz="1000" spc="95" dirty="0">
+              <a:rPr dirty="0" sz="1000" spc="95">
                 <a:solidFill>
                   <a:srgbClr val="24292E"/>
                 </a:solidFill>
@@ -5448,7 +5371,7 @@
               <a:t>Γ</a:t>
             </a:r>
             <a:r>
-              <a:rPr sz="1000" spc="350" dirty="0">
+              <a:rPr dirty="0" sz="1000" spc="350">
                 <a:solidFill>
                   <a:srgbClr val="24292E"/>
                 </a:solidFill>
@@ -5458,7 +5381,7 @@
               <a:t> </a:t>
             </a:r>
             <a:r>
-              <a:rPr sz="1000" spc="305" dirty="0">
+              <a:rPr dirty="0" sz="1000" spc="305">
                 <a:solidFill>
                   <a:srgbClr val="24292E"/>
                 </a:solidFill>
@@ -5476,7 +5399,7 @@
       </p:sp>
       <p:sp>
         <p:nvSpPr>
-          <p:cNvPr id="20" name="object 20"/>
+          <p:cNvPr id="20" name="object 20" descr=""/>
           <p:cNvSpPr txBox="1"/>
           <p:nvPr/>
         </p:nvSpPr>
@@ -5490,7 +5413,7 @@
           </a:prstGeom>
         </p:spPr>
         <p:txBody>
-          <a:bodyPr vert="horz" wrap="square" lIns="0" tIns="15875" rIns="0" bIns="0" rtlCol="0">
+          <a:bodyPr wrap="square" lIns="0" tIns="15875" rIns="0" bIns="0" rtlCol="0" vert="horz">
             <a:spAutoFit/>
           </a:bodyPr>
           <a:lstStyle/>
@@ -5504,7 +5427,7 @@
               </a:spcBef>
             </a:pPr>
             <a:r>
-              <a:rPr sz="700" i="1" spc="50" dirty="0">
+              <a:rPr dirty="0" sz="700" spc="50" i="1">
                 <a:solidFill>
                   <a:srgbClr val="24292E"/>
                 </a:solidFill>
@@ -5514,7 +5437,7 @@
               <a:t>k</a:t>
             </a:r>
             <a:r>
-              <a:rPr sz="700" spc="50" dirty="0">
+              <a:rPr dirty="0" sz="700" spc="50">
                 <a:solidFill>
                   <a:srgbClr val="24292E"/>
                 </a:solidFill>
@@ -5532,7 +5455,7 @@
       </p:sp>
       <p:sp>
         <p:nvSpPr>
-          <p:cNvPr id="21" name="object 21"/>
+          <p:cNvPr id="21" name="object 21" descr=""/>
           <p:cNvSpPr txBox="1"/>
           <p:nvPr/>
         </p:nvSpPr>
@@ -5546,7 +5469,7 @@
           </a:prstGeom>
         </p:spPr>
         <p:txBody>
-          <a:bodyPr vert="horz" wrap="square" lIns="0" tIns="15875" rIns="0" bIns="0" rtlCol="0">
+          <a:bodyPr wrap="square" lIns="0" tIns="15875" rIns="0" bIns="0" rtlCol="0" vert="horz">
             <a:spAutoFit/>
           </a:bodyPr>
           <a:lstStyle/>
@@ -5560,7 +5483,7 @@
               </a:spcBef>
             </a:pPr>
             <a:r>
-              <a:rPr sz="700" i="1" spc="100" dirty="0">
+              <a:rPr dirty="0" sz="700" spc="100" i="1">
                 <a:solidFill>
                   <a:srgbClr val="24292E"/>
                 </a:solidFill>
@@ -5578,7 +5501,7 @@
       </p:sp>
       <p:sp>
         <p:nvSpPr>
-          <p:cNvPr id="22" name="object 22"/>
+          <p:cNvPr id="22" name="object 22" descr=""/>
           <p:cNvSpPr txBox="1"/>
           <p:nvPr/>
         </p:nvSpPr>
@@ -5592,7 +5515,7 @@
           </a:prstGeom>
         </p:spPr>
         <p:txBody>
-          <a:bodyPr vert="horz" wrap="square" lIns="0" tIns="12700" rIns="0" bIns="0" rtlCol="0">
+          <a:bodyPr wrap="square" lIns="0" tIns="12700" rIns="0" bIns="0" rtlCol="0" vert="horz">
             <a:spAutoFit/>
           </a:bodyPr>
           <a:lstStyle/>
@@ -5606,7 +5529,7 @@
               </a:spcBef>
             </a:pPr>
             <a:r>
-              <a:rPr sz="1500" i="1" spc="82" baseline="5555" dirty="0">
+              <a:rPr dirty="0" baseline="5555" sz="1500" spc="82" i="1">
                 <a:solidFill>
                   <a:srgbClr val="24292E"/>
                 </a:solidFill>
@@ -5616,7 +5539,7 @@
               <a:t>α</a:t>
             </a:r>
             <a:r>
-              <a:rPr sz="700" i="1" spc="55" dirty="0">
+              <a:rPr dirty="0" sz="700" spc="55" i="1">
                 <a:solidFill>
                   <a:srgbClr val="24292E"/>
                 </a:solidFill>
@@ -5626,7 +5549,7 @@
               <a:t>k</a:t>
             </a:r>
             <a:r>
-              <a:rPr sz="700" i="1" spc="-25" dirty="0">
+              <a:rPr dirty="0" sz="700" spc="-25" i="1">
                 <a:solidFill>
                   <a:srgbClr val="24292E"/>
                 </a:solidFill>
@@ -5636,7 +5559,7 @@
               <a:t> </a:t>
             </a:r>
             <a:r>
-              <a:rPr sz="1450" spc="-50" dirty="0">
+              <a:rPr dirty="0" sz="1450" spc="-50">
                 <a:solidFill>
                   <a:srgbClr val="24292E"/>
                 </a:solidFill>
@@ -5654,7 +5577,7 @@
       </p:sp>
       <p:sp>
         <p:nvSpPr>
-          <p:cNvPr id="23" name="object 23"/>
+          <p:cNvPr id="23" name="object 23" descr=""/>
           <p:cNvSpPr/>
           <p:nvPr/>
         </p:nvSpPr>
@@ -5697,14 +5620,12 @@
         <p:txBody>
           <a:bodyPr wrap="square" lIns="0" tIns="0" rIns="0" bIns="0" rtlCol="0"/>
           <a:lstStyle/>
-          <a:p>
-            <a:endParaRPr/>
-          </a:p>
+          <a:p/>
         </p:txBody>
       </p:sp>
       <p:sp>
         <p:nvSpPr>
-          <p:cNvPr id="24" name="object 24"/>
+          <p:cNvPr id="24" name="object 24" descr=""/>
           <p:cNvSpPr txBox="1"/>
           <p:nvPr/>
         </p:nvSpPr>
@@ -5718,7 +5639,7 @@
           </a:prstGeom>
         </p:spPr>
         <p:txBody>
-          <a:bodyPr vert="horz" wrap="square" lIns="0" tIns="15875" rIns="0" bIns="0" rtlCol="0">
+          <a:bodyPr wrap="square" lIns="0" tIns="15875" rIns="0" bIns="0" rtlCol="0" vert="horz">
             <a:spAutoFit/>
           </a:bodyPr>
           <a:lstStyle/>
@@ -5732,7 +5653,7 @@
               </a:spcBef>
             </a:pPr>
             <a:r>
-              <a:rPr sz="700" i="1" spc="50" dirty="0">
+              <a:rPr dirty="0" sz="700" spc="50" i="1">
                 <a:solidFill>
                   <a:srgbClr val="24292E"/>
                 </a:solidFill>
@@ -5742,7 +5663,7 @@
               <a:t>k</a:t>
             </a:r>
             <a:r>
-              <a:rPr sz="700" spc="50" dirty="0">
+              <a:rPr dirty="0" sz="700" spc="50">
                 <a:solidFill>
                   <a:srgbClr val="24292E"/>
                 </a:solidFill>
@@ -5760,7 +5681,7 @@
       </p:sp>
       <p:sp>
         <p:nvSpPr>
-          <p:cNvPr id="25" name="object 25"/>
+          <p:cNvPr id="25" name="object 25" descr=""/>
           <p:cNvSpPr txBox="1"/>
           <p:nvPr/>
         </p:nvSpPr>
@@ -5774,7 +5695,7 @@
           </a:prstGeom>
         </p:spPr>
         <p:txBody>
-          <a:bodyPr vert="horz" wrap="square" lIns="0" tIns="14604" rIns="0" bIns="0" rtlCol="0">
+          <a:bodyPr wrap="square" lIns="0" tIns="14604" rIns="0" bIns="0" rtlCol="0" vert="horz">
             <a:spAutoFit/>
           </a:bodyPr>
           <a:lstStyle/>
@@ -5788,7 +5709,7 @@
               </a:spcBef>
             </a:pPr>
             <a:r>
-              <a:rPr sz="1500" spc="165" baseline="-25000" dirty="0">
+              <a:rPr dirty="0" baseline="-25000" sz="1500" spc="165">
                 <a:solidFill>
                   <a:srgbClr val="24292E"/>
                 </a:solidFill>
@@ -5798,7 +5719,7 @@
               <a:t>∏</a:t>
             </a:r>
             <a:r>
-              <a:rPr sz="700" i="1" spc="110" dirty="0">
+              <a:rPr dirty="0" sz="700" spc="110" i="1">
                 <a:solidFill>
                   <a:srgbClr val="24292E"/>
                 </a:solidFill>
@@ -5816,7 +5737,7 @@
       </p:sp>
       <p:sp>
         <p:nvSpPr>
-          <p:cNvPr id="26" name="object 26"/>
+          <p:cNvPr id="26" name="object 26" descr=""/>
           <p:cNvSpPr txBox="1"/>
           <p:nvPr/>
         </p:nvSpPr>
@@ -5830,7 +5751,7 @@
           </a:prstGeom>
         </p:spPr>
         <p:txBody>
-          <a:bodyPr vert="horz" wrap="square" lIns="0" tIns="14604" rIns="0" bIns="0" rtlCol="0">
+          <a:bodyPr wrap="square" lIns="0" tIns="14604" rIns="0" bIns="0" rtlCol="0" vert="horz">
             <a:spAutoFit/>
           </a:bodyPr>
           <a:lstStyle/>
@@ -5844,7 +5765,7 @@
               </a:spcBef>
             </a:pPr>
             <a:r>
-              <a:rPr sz="1000" spc="50" dirty="0">
+              <a:rPr dirty="0" sz="1000" spc="50">
                 <a:solidFill>
                   <a:srgbClr val="24292E"/>
                 </a:solidFill>
@@ -5854,7 +5775,7 @@
               <a:t>Γ(</a:t>
             </a:r>
             <a:r>
-              <a:rPr sz="1000" i="1" spc="50" dirty="0">
+              <a:rPr dirty="0" sz="1000" spc="50" i="1">
                 <a:solidFill>
                   <a:srgbClr val="24292E"/>
                 </a:solidFill>
@@ -5864,7 +5785,7 @@
               <a:t>α</a:t>
             </a:r>
             <a:r>
-              <a:rPr sz="1050" i="1" spc="75" baseline="-11904" dirty="0">
+              <a:rPr dirty="0" baseline="-11904" sz="1050" spc="75" i="1">
                 <a:solidFill>
                   <a:srgbClr val="24292E"/>
                 </a:solidFill>
@@ -5874,7 +5795,7 @@
               <a:t>k</a:t>
             </a:r>
             <a:r>
-              <a:rPr sz="1050" i="1" spc="-22" baseline="-11904" dirty="0">
+              <a:rPr dirty="0" baseline="-11904" sz="1050" spc="-22" i="1">
                 <a:solidFill>
                   <a:srgbClr val="24292E"/>
                 </a:solidFill>
@@ -5884,7 +5805,7 @@
               <a:t> </a:t>
             </a:r>
             <a:r>
-              <a:rPr sz="1000" spc="-50" dirty="0">
+              <a:rPr dirty="0" sz="1000" spc="-50">
                 <a:solidFill>
                   <a:srgbClr val="24292E"/>
                 </a:solidFill>
@@ -5902,7 +5823,7 @@
       </p:sp>
       <p:sp>
         <p:nvSpPr>
-          <p:cNvPr id="27" name="object 27"/>
+          <p:cNvPr id="27" name="object 27" descr=""/>
           <p:cNvSpPr txBox="1"/>
           <p:nvPr/>
         </p:nvSpPr>
@@ -5916,7 +5837,7 @@
           </a:prstGeom>
         </p:spPr>
         <p:txBody>
-          <a:bodyPr vert="horz" wrap="square" lIns="0" tIns="14604" rIns="0" bIns="0" rtlCol="0">
+          <a:bodyPr wrap="square" lIns="0" tIns="14604" rIns="0" bIns="0" rtlCol="0" vert="horz">
             <a:spAutoFit/>
           </a:bodyPr>
           <a:lstStyle/>
@@ -5930,7 +5851,7 @@
               </a:spcBef>
             </a:pPr>
             <a:r>
-              <a:rPr sz="1000" i="1" spc="70" dirty="0">
+              <a:rPr dirty="0" sz="1000" spc="70" i="1">
                 <a:solidFill>
                   <a:srgbClr val="24292E"/>
                 </a:solidFill>
@@ -5940,7 +5861,7 @@
               <a:t>k</a:t>
             </a:r>
             <a:r>
-              <a:rPr sz="1000" spc="70" dirty="0">
+              <a:rPr dirty="0" sz="1000" spc="70">
                 <a:solidFill>
                   <a:srgbClr val="24292E"/>
                 </a:solidFill>
@@ -5958,7 +5879,7 @@
       </p:sp>
       <p:sp>
         <p:nvSpPr>
-          <p:cNvPr id="28" name="object 28"/>
+          <p:cNvPr id="28" name="object 28" descr=""/>
           <p:cNvSpPr txBox="1"/>
           <p:nvPr/>
         </p:nvSpPr>
@@ -5972,7 +5893,7 @@
           </a:prstGeom>
         </p:spPr>
         <p:txBody>
-          <a:bodyPr vert="horz" wrap="square" lIns="0" tIns="14604" rIns="0" bIns="0" rtlCol="0">
+          <a:bodyPr wrap="square" lIns="0" tIns="14604" rIns="0" bIns="0" rtlCol="0" vert="horz">
             <a:spAutoFit/>
           </a:bodyPr>
           <a:lstStyle/>
@@ -5986,7 +5907,7 @@
               </a:spcBef>
             </a:pPr>
             <a:r>
-              <a:rPr sz="1000" i="1" spc="145" dirty="0">
+              <a:rPr dirty="0" sz="1000" spc="145" i="1">
                 <a:solidFill>
                   <a:srgbClr val="24292E"/>
                 </a:solidFill>
@@ -6004,7 +5925,7 @@
       </p:sp>
       <p:sp>
         <p:nvSpPr>
-          <p:cNvPr id="29" name="object 29"/>
+          <p:cNvPr id="29" name="object 29" descr=""/>
           <p:cNvSpPr txBox="1"/>
           <p:nvPr/>
         </p:nvSpPr>
@@ -6018,7 +5939,7 @@
           </a:prstGeom>
         </p:spPr>
         <p:txBody>
-          <a:bodyPr vert="horz" wrap="square" lIns="0" tIns="12700" rIns="0" bIns="0" rtlCol="0">
+          <a:bodyPr wrap="square" lIns="0" tIns="12700" rIns="0" bIns="0" rtlCol="0" vert="horz">
             <a:spAutoFit/>
           </a:bodyPr>
           <a:lstStyle/>
@@ -6032,7 +5953,7 @@
               </a:spcBef>
             </a:pPr>
             <a:r>
-              <a:rPr sz="1200" b="1" spc="-10" dirty="0">
+              <a:rPr dirty="0" sz="1200" spc="-10" b="1">
                 <a:solidFill>
                   <a:srgbClr val="24292E"/>
                 </a:solidFill>
@@ -6042,7 +5963,7 @@
               <a:t>主题词语比例 </a:t>
             </a:r>
             <a:r>
-              <a:rPr sz="1450" b="1" i="1" dirty="0">
+              <a:rPr dirty="0" sz="1450" b="1" i="1">
                 <a:solidFill>
                   <a:srgbClr val="24292E"/>
                 </a:solidFill>
@@ -6052,7 +5973,7 @@
               <a:t>ϕ</a:t>
             </a:r>
             <a:r>
-              <a:rPr sz="1200" spc="-15" dirty="0">
+              <a:rPr dirty="0" sz="1200" spc="-15">
                 <a:solidFill>
                   <a:srgbClr val="24292E"/>
                 </a:solidFill>
@@ -6062,7 +5983,7 @@
               <a:t>: </a:t>
             </a:r>
             <a:r>
-              <a:rPr sz="1200" spc="-10" dirty="0">
+              <a:rPr dirty="0" sz="1200" spc="-10">
                 <a:solidFill>
                   <a:srgbClr val="24292E"/>
                 </a:solidFill>
@@ -6072,7 +5993,7 @@
               <a:t>一个主题必须 </a:t>
             </a:r>
             <a:r>
-              <a:rPr sz="1200" dirty="0">
+              <a:rPr dirty="0" sz="1200">
                 <a:solidFill>
                   <a:srgbClr val="24292E"/>
                 </a:solidFill>
@@ -6082,7 +6003,7 @@
               <a:t>100%</a:t>
             </a:r>
             <a:r>
-              <a:rPr sz="1200" spc="-25" dirty="0">
+              <a:rPr dirty="0" sz="1200" spc="-25">
                 <a:solidFill>
                   <a:srgbClr val="24292E"/>
                 </a:solidFill>
@@ -6092,7 +6013,7 @@
               <a:t> </a:t>
             </a:r>
             <a:r>
-              <a:rPr sz="1200" spc="-5" dirty="0">
+              <a:rPr dirty="0" sz="1200" spc="-5">
                 <a:solidFill>
                   <a:srgbClr val="24292E"/>
                 </a:solidFill>
@@ -6102,7 +6023,7 @@
               <a:t>由所有词汇构成。</a:t>
             </a:r>
             <a:r>
-              <a:rPr sz="1450" spc="434" dirty="0">
+              <a:rPr dirty="0" sz="1450" spc="434">
                 <a:solidFill>
                   <a:srgbClr val="24292E"/>
                 </a:solidFill>
@@ -6120,7 +6041,7 @@
       </p:sp>
       <p:sp>
         <p:nvSpPr>
-          <p:cNvPr id="30" name="object 30"/>
+          <p:cNvPr id="30" name="object 30" descr=""/>
           <p:cNvSpPr txBox="1"/>
           <p:nvPr/>
         </p:nvSpPr>
@@ -6134,7 +6055,7 @@
           </a:prstGeom>
         </p:spPr>
         <p:txBody>
-          <a:bodyPr vert="horz" wrap="square" lIns="0" tIns="14604" rIns="0" bIns="0" rtlCol="0">
+          <a:bodyPr wrap="square" lIns="0" tIns="14604" rIns="0" bIns="0" rtlCol="0" vert="horz">
             <a:spAutoFit/>
           </a:bodyPr>
           <a:lstStyle/>
@@ -6148,7 +6069,7 @@
               </a:spcBef>
             </a:pPr>
             <a:r>
-              <a:rPr sz="1000" i="1" spc="45" dirty="0">
+              <a:rPr dirty="0" sz="1000" spc="45" i="1">
                 <a:solidFill>
                   <a:srgbClr val="24292E"/>
                 </a:solidFill>
@@ -6158,7 +6079,7 @@
               <a:t>v</a:t>
             </a:r>
             <a:r>
-              <a:rPr sz="1000" spc="45" dirty="0">
+              <a:rPr dirty="0" sz="1000" spc="45">
                 <a:solidFill>
                   <a:srgbClr val="24292E"/>
                 </a:solidFill>
@@ -6176,7 +6097,7 @@
       </p:sp>
       <p:sp>
         <p:nvSpPr>
-          <p:cNvPr id="31" name="object 31"/>
+          <p:cNvPr id="31" name="object 31" descr=""/>
           <p:cNvSpPr txBox="1"/>
           <p:nvPr/>
         </p:nvSpPr>
@@ -6190,7 +6111,7 @@
           </a:prstGeom>
         </p:spPr>
         <p:txBody>
-          <a:bodyPr vert="horz" wrap="square" lIns="0" tIns="14604" rIns="0" bIns="0" rtlCol="0">
+          <a:bodyPr wrap="square" lIns="0" tIns="14604" rIns="0" bIns="0" rtlCol="0" vert="horz">
             <a:spAutoFit/>
           </a:bodyPr>
           <a:lstStyle/>
@@ -6204,7 +6125,7 @@
               </a:spcBef>
             </a:pPr>
             <a:r>
-              <a:rPr sz="1000" i="1" spc="-50" dirty="0">
+              <a:rPr dirty="0" sz="1000" spc="-50" i="1">
                 <a:solidFill>
                   <a:srgbClr val="24292E"/>
                 </a:solidFill>
@@ -6222,7 +6143,7 @@
       </p:sp>
       <p:sp>
         <p:nvSpPr>
-          <p:cNvPr id="32" name="object 32"/>
+          <p:cNvPr id="32" name="object 32" descr=""/>
           <p:cNvSpPr txBox="1"/>
           <p:nvPr/>
         </p:nvSpPr>
@@ -6236,7 +6157,7 @@
           </a:prstGeom>
         </p:spPr>
         <p:txBody>
-          <a:bodyPr vert="horz" wrap="square" lIns="0" tIns="12700" rIns="0" bIns="0" rtlCol="0">
+          <a:bodyPr wrap="square" lIns="0" tIns="12700" rIns="0" bIns="0" rtlCol="0" vert="horz">
             <a:spAutoFit/>
           </a:bodyPr>
           <a:lstStyle/>
@@ -6250,7 +6171,7 @@
               </a:spcBef>
             </a:pPr>
             <a:r>
-              <a:rPr sz="1450" i="1" dirty="0">
+              <a:rPr dirty="0" sz="1450" i="1">
                 <a:solidFill>
                   <a:srgbClr val="24292E"/>
                 </a:solidFill>
@@ -6260,7 +6181,7 @@
               <a:t>θ</a:t>
             </a:r>
             <a:r>
-              <a:rPr sz="1500" i="1" baseline="-13888" dirty="0">
+              <a:rPr dirty="0" baseline="-13888" sz="1500" i="1">
                 <a:solidFill>
                   <a:srgbClr val="24292E"/>
                 </a:solidFill>
@@ -6270,7 +6191,7 @@
               <a:t>k</a:t>
             </a:r>
             <a:r>
-              <a:rPr sz="1500" i="1" spc="270" baseline="-13888" dirty="0">
+              <a:rPr dirty="0" baseline="-13888" sz="1500" spc="270" i="1">
                 <a:solidFill>
                   <a:srgbClr val="24292E"/>
                 </a:solidFill>
@@ -6280,7 +6201,7 @@
               <a:t> </a:t>
             </a:r>
             <a:r>
-              <a:rPr sz="1450" spc="175" dirty="0">
+              <a:rPr dirty="0" sz="1450" spc="175">
                 <a:solidFill>
                   <a:srgbClr val="24292E"/>
                 </a:solidFill>
@@ -6290,7 +6211,7 @@
               <a:t>= </a:t>
             </a:r>
             <a:r>
-              <a:rPr sz="1450" spc="-80" dirty="0">
+              <a:rPr dirty="0" sz="1450" spc="-80">
                 <a:solidFill>
                   <a:srgbClr val="24292E"/>
                 </a:solidFill>
@@ -6300,7 +6221,7 @@
               <a:t>1</a:t>
             </a:r>
             <a:r>
-              <a:rPr sz="1200" spc="-50" dirty="0">
+              <a:rPr dirty="0" sz="1200" spc="-50">
                 <a:solidFill>
                   <a:srgbClr val="24292E"/>
                 </a:solidFill>
@@ -6324,7 +6245,7 @@
               </a:spcBef>
             </a:pPr>
             <a:r>
-              <a:rPr sz="1450" i="1" dirty="0">
+              <a:rPr dirty="0" sz="1450" i="1">
                 <a:solidFill>
                   <a:srgbClr val="24292E"/>
                 </a:solidFill>
@@ -6334,7 +6255,7 @@
               <a:t>ϕ</a:t>
             </a:r>
             <a:r>
-              <a:rPr sz="1500" i="1" baseline="-8333" dirty="0">
+              <a:rPr dirty="0" baseline="-8333" sz="1500" i="1">
                 <a:solidFill>
                   <a:srgbClr val="24292E"/>
                 </a:solidFill>
@@ -6344,7 +6265,7 @@
               <a:t>v</a:t>
             </a:r>
             <a:r>
-              <a:rPr sz="1500" i="1" spc="397" baseline="-8333" dirty="0">
+              <a:rPr dirty="0" baseline="-8333" sz="1500" spc="397" i="1">
                 <a:solidFill>
                   <a:srgbClr val="24292E"/>
                 </a:solidFill>
@@ -6354,7 +6275,7 @@
               <a:t> </a:t>
             </a:r>
             <a:r>
-              <a:rPr sz="1450" spc="180" dirty="0">
+              <a:rPr dirty="0" sz="1450" spc="180">
                 <a:solidFill>
                   <a:srgbClr val="24292E"/>
                 </a:solidFill>
@@ -6364,7 +6285,7 @@
               <a:t>= </a:t>
             </a:r>
             <a:r>
-              <a:rPr sz="1450" spc="-80" dirty="0">
+              <a:rPr dirty="0" sz="1450" spc="-80">
                 <a:solidFill>
                   <a:srgbClr val="24292E"/>
                 </a:solidFill>
@@ -6374,7 +6295,7 @@
               <a:t>1</a:t>
             </a:r>
             <a:r>
-              <a:rPr sz="1200" spc="-50" dirty="0">
+              <a:rPr dirty="0" sz="1200" spc="-50">
                 <a:solidFill>
                   <a:srgbClr val="24292E"/>
                 </a:solidFill>
@@ -6417,7 +6338,7 @@
       </p:grpSpPr>
       <p:sp>
         <p:nvSpPr>
-          <p:cNvPr id="2" name="object 2"/>
+          <p:cNvPr id="2" name="object 2" descr=""/>
           <p:cNvSpPr/>
           <p:nvPr/>
         </p:nvSpPr>
@@ -6460,14 +6381,12 @@
         <p:txBody>
           <a:bodyPr wrap="square" lIns="0" tIns="0" rIns="0" bIns="0" rtlCol="0"/>
           <a:lstStyle/>
-          <a:p>
-            <a:endParaRPr/>
-          </a:p>
+          <a:p/>
         </p:txBody>
       </p:sp>
       <p:sp>
         <p:nvSpPr>
-          <p:cNvPr id="3" name="object 3"/>
+          <p:cNvPr id="3" name="object 3" descr=""/>
           <p:cNvSpPr txBox="1"/>
           <p:nvPr/>
         </p:nvSpPr>
@@ -6481,12 +6400,12 @@
           </a:prstGeom>
         </p:spPr>
         <p:txBody>
-          <a:bodyPr vert="horz" wrap="square" lIns="0" tIns="12700" rIns="0" bIns="0" rtlCol="0">
+          <a:bodyPr wrap="square" lIns="0" tIns="12700" rIns="0" bIns="0" rtlCol="0" vert="horz">
             <a:spAutoFit/>
           </a:bodyPr>
           <a:lstStyle/>
           <a:p>
-            <a:pPr marL="88900" marR="77470" algn="just">
+            <a:pPr algn="just" marL="88900" marR="77470">
               <a:lnSpc>
                 <a:spcPct val="125000"/>
               </a:lnSpc>
@@ -6495,7 +6414,7 @@
               </a:spcBef>
             </a:pPr>
             <a:r>
-              <a:rPr sz="1200" dirty="0">
+              <a:rPr dirty="0" sz="1200">
                 <a:solidFill>
                   <a:srgbClr val="24292E"/>
                 </a:solidFill>
@@ -6505,7 +6424,7 @@
               <a:t>实际上，使用</a:t>
             </a:r>
             <a:r>
-              <a:rPr sz="1200" spc="-20" dirty="0">
+              <a:rPr dirty="0" sz="1200" spc="-20">
                 <a:solidFill>
                   <a:srgbClr val="24292E"/>
                 </a:solidFill>
@@ -6515,7 +6434,7 @@
               <a:t>LDA</a:t>
             </a:r>
             <a:r>
-              <a:rPr sz="1200" dirty="0">
+              <a:rPr dirty="0" sz="1200">
                 <a:solidFill>
                   <a:srgbClr val="24292E"/>
                 </a:solidFill>
@@ -6525,7 +6444,7 @@
               <a:t>等主题模型分析文本时，模型推断出的结果（文档主题比例）</a:t>
             </a:r>
             <a:r>
-              <a:rPr sz="1200" spc="-5" dirty="0">
+              <a:rPr dirty="0" sz="1200" spc="-5">
                 <a:solidFill>
                   <a:srgbClr val="24292E"/>
                 </a:solidFill>
@@ -6535,7 +6454,7 @@
               <a:t>只是模型对真相的猜测，猜测准确度未知。我采用统计模拟</a:t>
             </a:r>
             <a:r>
-              <a:rPr sz="1200" dirty="0">
+              <a:rPr dirty="0" sz="1200">
                 <a:solidFill>
                   <a:srgbClr val="24292E"/>
                 </a:solidFill>
@@ -6545,7 +6464,7 @@
               <a:t>的方式对模型的性能进行科学量化，检验</a:t>
             </a:r>
             <a:r>
-              <a:rPr sz="1200" spc="-20" dirty="0">
+              <a:rPr dirty="0" sz="1200" spc="-20">
                 <a:solidFill>
                   <a:srgbClr val="24292E"/>
                 </a:solidFill>
@@ -6555,7 +6474,7 @@
               <a:t>LDA</a:t>
             </a:r>
             <a:r>
-              <a:rPr sz="1200" dirty="0">
+              <a:rPr dirty="0" sz="1200">
                 <a:solidFill>
                   <a:srgbClr val="24292E"/>
                 </a:solidFill>
@@ -6565,7 +6484,7 @@
               <a:t>模型推断的准确度如何，从而为</a:t>
             </a:r>
             <a:r>
-              <a:rPr sz="1200" spc="-20" dirty="0">
+              <a:rPr dirty="0" sz="1200" spc="-20">
                 <a:solidFill>
                   <a:srgbClr val="24292E"/>
                 </a:solidFill>
@@ -6575,7 +6494,7 @@
               <a:t>LDA</a:t>
             </a:r>
             <a:r>
-              <a:rPr sz="1200" spc="-5" dirty="0">
+              <a:rPr dirty="0" sz="1200" spc="-5">
                 <a:solidFill>
                   <a:srgbClr val="24292E"/>
                 </a:solidFill>
@@ -6585,7 +6504,7 @@
               <a:t>在推荐系统、文本挖掘等领域的可靠使用提供坚实的统计</a:t>
             </a:r>
             <a:r>
-              <a:rPr sz="1200" spc="-15" dirty="0">
+              <a:rPr dirty="0" sz="1200" spc="-15">
                 <a:solidFill>
                   <a:srgbClr val="24292E"/>
                 </a:solidFill>
@@ -6609,7 +6528,7 @@
               </a:spcBef>
             </a:pPr>
             <a:r>
-              <a:rPr sz="1200" spc="-10" dirty="0">
+              <a:rPr dirty="0" sz="1200" spc="-10">
                 <a:solidFill>
                   <a:srgbClr val="24292E"/>
                 </a:solidFill>
@@ -6638,7 +6557,7 @@
               </a:tabLst>
             </a:pPr>
             <a:r>
-              <a:rPr sz="1200" dirty="0">
+              <a:rPr dirty="0" sz="1200">
                 <a:solidFill>
                   <a:srgbClr val="24292E"/>
                 </a:solidFill>
@@ -6648,7 +6567,7 @@
               <a:t>生成</a:t>
             </a:r>
             <a:r>
-              <a:rPr sz="1450" i="1" dirty="0">
+              <a:rPr dirty="0" sz="1450" i="1">
                 <a:solidFill>
                   <a:srgbClr val="24292E"/>
                 </a:solidFill>
@@ -6658,7 +6577,7 @@
               <a:t>N</a:t>
             </a:r>
             <a:r>
-              <a:rPr sz="1450" i="1" spc="220" dirty="0">
+              <a:rPr dirty="0" sz="1450" spc="220" i="1">
                 <a:solidFill>
                   <a:srgbClr val="24292E"/>
                 </a:solidFill>
@@ -6668,7 +6587,7 @@
               <a:t> </a:t>
             </a:r>
             <a:r>
-              <a:rPr sz="1450" spc="210" dirty="0">
+              <a:rPr dirty="0" sz="1450" spc="210">
                 <a:solidFill>
                   <a:srgbClr val="24292E"/>
                 </a:solidFill>
@@ -6678,7 +6597,7 @@
               <a:t>= </a:t>
             </a:r>
             <a:r>
-              <a:rPr sz="1450" spc="-80" dirty="0">
+              <a:rPr dirty="0" sz="1450" spc="-80">
                 <a:solidFill>
                   <a:srgbClr val="24292E"/>
                 </a:solidFill>
@@ -6688,7 +6607,7 @@
               <a:t>3000</a:t>
             </a:r>
             <a:r>
-              <a:rPr sz="1200" dirty="0">
+              <a:rPr dirty="0" sz="1200">
                 <a:solidFill>
                   <a:srgbClr val="24292E"/>
                 </a:solidFill>
@@ -6698,7 +6617,7 @@
               <a:t>篇文档。每一篇文档都附带一个</a:t>
             </a:r>
             <a:r>
-              <a:rPr sz="1200" b="1" dirty="0">
+              <a:rPr dirty="0" sz="1200" b="1">
                 <a:solidFill>
                   <a:srgbClr val="24292E"/>
                 </a:solidFill>
@@ -6708,7 +6627,7 @@
               <a:t>已知的</a:t>
             </a:r>
             <a:r>
-              <a:rPr sz="1200" dirty="0">
+              <a:rPr dirty="0" sz="1200">
                 <a:solidFill>
                   <a:srgbClr val="24292E"/>
                 </a:solidFill>
@@ -6718,7 +6637,7 @@
               <a:t>、</a:t>
             </a:r>
             <a:r>
-              <a:rPr sz="1200" b="1" dirty="0">
+              <a:rPr dirty="0" sz="1200" b="1">
                 <a:solidFill>
                   <a:srgbClr val="24292E"/>
                 </a:solidFill>
@@ -6728,7 +6647,7 @@
               <a:t>真实的</a:t>
             </a:r>
             <a:r>
-              <a:rPr sz="1200" spc="-5" dirty="0">
+              <a:rPr dirty="0" sz="1200" spc="-5">
                 <a:solidFill>
                   <a:srgbClr val="24292E"/>
                 </a:solidFill>
@@ -6738,7 +6657,7 @@
               <a:t>主题比例向量 </a:t>
             </a:r>
             <a:r>
-              <a:rPr sz="1200" spc="45" dirty="0">
+              <a:rPr dirty="0" sz="1200" spc="45">
                 <a:solidFill>
                   <a:srgbClr val="24292E"/>
                 </a:solidFill>
@@ -6748,7 +6667,7 @@
               <a:t>(</a:t>
             </a:r>
             <a:r>
-              <a:rPr sz="1450" b="1" i="1" spc="45" dirty="0">
+              <a:rPr dirty="0" sz="1450" spc="45" b="1" i="1">
                 <a:solidFill>
                   <a:srgbClr val="24292E"/>
                 </a:solidFill>
@@ -6758,7 +6677,7 @@
               <a:t>θ</a:t>
             </a:r>
             <a:r>
-              <a:rPr sz="1500" b="1" i="1" spc="67" baseline="-13888" dirty="0">
+              <a:rPr dirty="0" baseline="-13888" sz="1500" spc="67" b="1" i="1">
                 <a:solidFill>
                   <a:srgbClr val="24292E"/>
                 </a:solidFill>
@@ -6768,7 +6687,7 @@
               <a:t>true</a:t>
             </a:r>
             <a:r>
-              <a:rPr sz="1200" spc="45" dirty="0">
+              <a:rPr dirty="0" sz="1200" spc="45">
                 <a:solidFill>
                   <a:srgbClr val="24292E"/>
                 </a:solidFill>
@@ -6778,7 +6697,7 @@
               <a:t>)</a:t>
             </a:r>
             <a:r>
-              <a:rPr sz="1200" spc="-5" dirty="0">
+              <a:rPr dirty="0" sz="1200" spc="-5">
                 <a:solidFill>
                   <a:srgbClr val="24292E"/>
                 </a:solidFill>
@@ -6807,7 +6726,7 @@
               </a:tabLst>
             </a:pPr>
             <a:r>
-              <a:rPr sz="1200" dirty="0">
+              <a:rPr dirty="0" sz="1200">
                 <a:solidFill>
                   <a:srgbClr val="24292E"/>
                 </a:solidFill>
@@ -6817,7 +6736,7 @@
               <a:t>以这</a:t>
             </a:r>
             <a:r>
-              <a:rPr sz="1200" spc="-10" dirty="0">
+              <a:rPr dirty="0" sz="1200" spc="-10">
                 <a:solidFill>
                   <a:srgbClr val="24292E"/>
                 </a:solidFill>
@@ -6827,7 +6746,7 @@
               <a:t>3000</a:t>
             </a:r>
             <a:r>
-              <a:rPr sz="1200" dirty="0">
+              <a:rPr dirty="0" sz="1200">
                 <a:solidFill>
                   <a:srgbClr val="24292E"/>
                 </a:solidFill>
@@ -6837,7 +6756,7 @@
               <a:t>篇文档作为输入数据，利用</a:t>
             </a:r>
             <a:r>
-              <a:rPr sz="1200" dirty="0">
+              <a:rPr dirty="0" sz="1200">
                 <a:solidFill>
                   <a:srgbClr val="24292E"/>
                 </a:solidFill>
@@ -6847,7 +6766,7 @@
               <a:t>Python</a:t>
             </a:r>
             <a:r>
-              <a:rPr sz="1200" dirty="0">
+              <a:rPr dirty="0" sz="1200">
                 <a:solidFill>
                   <a:srgbClr val="24292E"/>
                 </a:solidFill>
@@ -6857,7 +6776,7 @@
               <a:t>训练</a:t>
             </a:r>
             <a:r>
-              <a:rPr sz="1200" spc="-20" dirty="0">
+              <a:rPr dirty="0" sz="1200" spc="-20">
                 <a:solidFill>
                   <a:srgbClr val="24292E"/>
                 </a:solidFill>
@@ -6867,7 +6786,7 @@
               <a:t>LDA</a:t>
             </a:r>
             <a:r>
-              <a:rPr sz="1200" dirty="0">
+              <a:rPr dirty="0" sz="1200">
                 <a:solidFill>
                   <a:srgbClr val="24292E"/>
                 </a:solidFill>
@@ -6877,7 +6796,7 @@
               <a:t>模型，推断出每篇文档的预测主题分布</a:t>
             </a:r>
             <a:r>
-              <a:rPr sz="1200" dirty="0">
+              <a:rPr dirty="0" sz="1200">
                 <a:solidFill>
                   <a:srgbClr val="24292E"/>
                 </a:solidFill>
@@ -6887,7 +6806,7 @@
               <a:t>(</a:t>
             </a:r>
             <a:r>
-              <a:rPr sz="1450" b="1" i="1" dirty="0">
+              <a:rPr dirty="0" sz="1450" b="1" i="1">
                 <a:solidFill>
                   <a:srgbClr val="24292E"/>
                 </a:solidFill>
@@ -6897,7 +6816,7 @@
               <a:t>θ</a:t>
             </a:r>
             <a:r>
-              <a:rPr sz="1500" b="1" i="1" baseline="-13888" dirty="0">
+              <a:rPr dirty="0" baseline="-13888" sz="1500" b="1" i="1">
                 <a:solidFill>
                   <a:srgbClr val="24292E"/>
                 </a:solidFill>
@@ -6907,7 +6826,7 @@
               <a:t>pred</a:t>
             </a:r>
             <a:r>
-              <a:rPr sz="1500" b="1" i="1" spc="30" baseline="-13888" dirty="0">
+              <a:rPr dirty="0" baseline="-13888" sz="1500" spc="30" b="1" i="1">
                 <a:solidFill>
                   <a:srgbClr val="24292E"/>
                 </a:solidFill>
@@ -6917,7 +6836,7 @@
               <a:t> </a:t>
             </a:r>
             <a:r>
-              <a:rPr sz="1200" spc="-10" dirty="0">
+              <a:rPr dirty="0" sz="1200" spc="-10">
                 <a:solidFill>
                   <a:srgbClr val="24292E"/>
                 </a:solidFill>
@@ -6927,7 +6846,7 @@
               <a:t>)</a:t>
             </a:r>
             <a:r>
-              <a:rPr sz="1200" spc="-50" dirty="0">
+              <a:rPr dirty="0" sz="1200" spc="-50">
                 <a:solidFill>
                   <a:srgbClr val="24292E"/>
                 </a:solidFill>
@@ -6956,7 +6875,7 @@
               </a:tabLst>
             </a:pPr>
             <a:r>
-              <a:rPr sz="1200" dirty="0">
+              <a:rPr dirty="0" sz="1200">
                 <a:solidFill>
                   <a:srgbClr val="24292E"/>
                 </a:solidFill>
@@ -6966,7 +6885,7 @@
               <a:t>使用两个向量的</a:t>
             </a:r>
             <a:r>
-              <a:rPr sz="1200" b="1" dirty="0">
+              <a:rPr dirty="0" sz="1200" b="1">
                 <a:solidFill>
                   <a:srgbClr val="24292E"/>
                 </a:solidFill>
@@ -6976,7 +6895,7 @@
               <a:t>余弦相似度</a:t>
             </a:r>
             <a:r>
-              <a:rPr sz="1200" spc="-5" dirty="0">
+              <a:rPr dirty="0" sz="1200" spc="-5">
                 <a:solidFill>
                   <a:srgbClr val="24292E"/>
                 </a:solidFill>
@@ -6986,7 +6905,7 @@
               <a:t>作为量化指标，对比 </a:t>
             </a:r>
             <a:r>
-              <a:rPr sz="1450" b="1" i="1" spc="60" dirty="0">
+              <a:rPr dirty="0" sz="1450" spc="60" b="1" i="1">
                 <a:solidFill>
                   <a:srgbClr val="24292E"/>
                 </a:solidFill>
@@ -6996,7 +6915,7 @@
               <a:t>θ</a:t>
             </a:r>
             <a:r>
-              <a:rPr sz="1500" b="1" i="1" spc="89" baseline="-13888" dirty="0">
+              <a:rPr dirty="0" baseline="-13888" sz="1500" spc="89" b="1" i="1">
                 <a:solidFill>
                   <a:srgbClr val="24292E"/>
                 </a:solidFill>
@@ -7006,7 +6925,7 @@
               <a:t>true </a:t>
             </a:r>
             <a:r>
-              <a:rPr sz="1200" b="1" spc="-5" dirty="0">
+              <a:rPr dirty="0" sz="1200" spc="-5" b="1">
                 <a:solidFill>
                   <a:srgbClr val="24292E"/>
                 </a:solidFill>
@@ -7016,7 +6935,7 @@
               <a:t>向量 </a:t>
             </a:r>
             <a:r>
-              <a:rPr sz="1200" spc="-10" dirty="0">
+              <a:rPr dirty="0" sz="1200" spc="-10">
                 <a:solidFill>
                   <a:srgbClr val="24292E"/>
                 </a:solidFill>
@@ -7026,7 +6945,7 @@
               <a:t>和 </a:t>
             </a:r>
             <a:r>
-              <a:rPr sz="1450" b="1" i="1" dirty="0">
+              <a:rPr dirty="0" sz="1450" b="1" i="1">
                 <a:solidFill>
                   <a:srgbClr val="24292E"/>
                 </a:solidFill>
@@ -7036,7 +6955,7 @@
               <a:t>θ</a:t>
             </a:r>
             <a:r>
-              <a:rPr sz="1500" b="1" i="1" baseline="-13888" dirty="0">
+              <a:rPr dirty="0" baseline="-13888" sz="1500" b="1" i="1">
                 <a:solidFill>
                   <a:srgbClr val="24292E"/>
                 </a:solidFill>
@@ -7046,7 +6965,7 @@
               <a:t>pred</a:t>
             </a:r>
             <a:r>
-              <a:rPr sz="1500" b="1" i="1" spc="270" baseline="-13888" dirty="0">
+              <a:rPr dirty="0" baseline="-13888" sz="1500" spc="270" b="1" i="1">
                 <a:solidFill>
                   <a:srgbClr val="24292E"/>
                 </a:solidFill>
@@ -7056,7 +6975,7 @@
               <a:t> </a:t>
             </a:r>
             <a:r>
-              <a:rPr sz="1200" b="1" spc="-5" dirty="0">
+              <a:rPr dirty="0" sz="1200" spc="-5" b="1">
                 <a:solidFill>
                   <a:srgbClr val="24292E"/>
                 </a:solidFill>
@@ -7066,7 +6985,7 @@
               <a:t>向量 </a:t>
             </a:r>
             <a:r>
-              <a:rPr sz="1200" dirty="0">
+              <a:rPr dirty="0" sz="1200">
                 <a:solidFill>
                   <a:srgbClr val="24292E"/>
                 </a:solidFill>
@@ -7076,7 +6995,7 @@
               <a:t>在向量空间中的夹角。夹角越小，相似度（</a:t>
             </a:r>
             <a:r>
-              <a:rPr sz="1200" spc="-5" dirty="0">
+              <a:rPr dirty="0" sz="1200" spc="-5">
                 <a:solidFill>
                   <a:srgbClr val="24292E"/>
                 </a:solidFill>
@@ -7086,7 +7005,7 @@
               <a:t>分数越接近 </a:t>
             </a:r>
             <a:r>
-              <a:rPr sz="1200" spc="-25" dirty="0">
+              <a:rPr dirty="0" sz="1200" spc="-25">
                 <a:solidFill>
                   <a:srgbClr val="24292E"/>
                 </a:solidFill>
@@ -7096,17 +7015,27 @@
               <a:t>1</a:t>
             </a:r>
             <a:r>
-              <a:rPr sz="1200" spc="-25" dirty="0">
-                <a:solidFill>
-                  <a:srgbClr val="24292E"/>
-                </a:solidFill>
-                <a:latin typeface="Microsoft YaHei"/>
-                <a:cs typeface="Microsoft YaHei"/>
-              </a:rPr>
-              <a:t>）	</a:t>
-            </a:r>
-            <a:r>
-              <a:rPr sz="1200" spc="-5" dirty="0">
+              <a:rPr dirty="0" sz="1200" spc="-25">
+                <a:solidFill>
+                  <a:srgbClr val="24292E"/>
+                </a:solidFill>
+                <a:latin typeface="Microsoft YaHei"/>
+                <a:cs typeface="Microsoft YaHei"/>
+              </a:rPr>
+              <a:t>）</a:t>
+            </a:r>
+            <a:r>
+              <a:rPr dirty="0" sz="1200" spc="-25">
+                <a:solidFill>
+                  <a:srgbClr val="24292E"/>
+                </a:solidFill>
+                <a:latin typeface="Microsoft YaHei"/>
+                <a:cs typeface="Microsoft YaHei"/>
+              </a:rPr>
+              <a:t>	</a:t>
+            </a:r>
+            <a:r>
+              <a:rPr dirty="0" sz="1200" spc="-5">
                 <a:solidFill>
                   <a:srgbClr val="24292E"/>
                 </a:solidFill>
@@ -7132,7 +7061,7 @@
               </a:tabLst>
             </a:pPr>
             <a:r>
-              <a:rPr sz="1200" spc="-5" dirty="0">
+              <a:rPr dirty="0" sz="1200" spc="-5">
                 <a:solidFill>
                   <a:srgbClr val="24292E"/>
                 </a:solidFill>
@@ -7142,7 +7071,7 @@
               <a:t>将数据生成、存储、模型推断、结果验证等一系列工程产生的所需的样本和产生的结果完整地储存在数据库中，以便批量进行分析。</a:t>
             </a:r>
             <a:r>
-              <a:rPr sz="1200" spc="-25" dirty="0">
+              <a:rPr dirty="0" sz="1200" spc="-25">
                 <a:solidFill>
                   <a:srgbClr val="24292E"/>
                 </a:solidFill>
@@ -7171,7 +7100,7 @@
               </a:tabLst>
             </a:pPr>
             <a:r>
-              <a:rPr sz="1200" dirty="0">
+              <a:rPr dirty="0" sz="1200">
                 <a:solidFill>
                   <a:srgbClr val="24292E"/>
                 </a:solidFill>
@@ -7181,7 +7110,7 @@
               <a:t>本项目主要用到</a:t>
             </a:r>
             <a:r>
-              <a:rPr sz="1200" dirty="0">
+              <a:rPr dirty="0" sz="1200">
                 <a:solidFill>
                   <a:srgbClr val="24292E"/>
                 </a:solidFill>
@@ -7191,7 +7120,7 @@
               <a:t>Python </a:t>
             </a:r>
             <a:r>
-              <a:rPr sz="1200" dirty="0">
+              <a:rPr dirty="0" sz="1200">
                 <a:solidFill>
                   <a:srgbClr val="24292E"/>
                 </a:solidFill>
@@ -7201,7 +7130,7 @@
               <a:t>、</a:t>
             </a:r>
             <a:r>
-              <a:rPr sz="1200" dirty="0">
+              <a:rPr dirty="0" sz="1200">
                 <a:solidFill>
                   <a:srgbClr val="24292E"/>
                 </a:solidFill>
@@ -7211,7 +7140,7 @@
               <a:t>MySQL</a:t>
             </a:r>
             <a:r>
-              <a:rPr sz="1200" spc="-5" dirty="0">
+              <a:rPr dirty="0" sz="1200" spc="-5">
                 <a:solidFill>
                   <a:srgbClr val="24292E"/>
                 </a:solidFill>
@@ -7229,7 +7158,7 @@
       </p:sp>
       <p:sp>
         <p:nvSpPr>
-          <p:cNvPr id="4" name="object 4"/>
+          <p:cNvPr id="4" name="object 4" descr=""/>
           <p:cNvSpPr txBox="1"/>
           <p:nvPr/>
         </p:nvSpPr>
@@ -7243,7 +7172,7 @@
           </a:prstGeom>
         </p:spPr>
         <p:txBody>
-          <a:bodyPr vert="horz" wrap="square" lIns="0" tIns="12700" rIns="0" bIns="0" rtlCol="0">
+          <a:bodyPr wrap="square" lIns="0" tIns="12700" rIns="0" bIns="0" rtlCol="0" vert="horz">
             <a:spAutoFit/>
           </a:bodyPr>
           <a:lstStyle/>
@@ -7257,7 +7186,7 @@
               </a:spcBef>
             </a:pPr>
             <a:r>
-              <a:rPr sz="1800" b="1" spc="-5" dirty="0">
+              <a:rPr dirty="0" sz="1800" spc="-5" b="1">
                 <a:solidFill>
                   <a:srgbClr val="24292E"/>
                 </a:solidFill>
@@ -7275,7 +7204,7 @@
       </p:sp>
       <p:sp>
         <p:nvSpPr>
-          <p:cNvPr id="5" name="object 5"/>
+          <p:cNvPr id="5" name="object 5" descr=""/>
           <p:cNvSpPr/>
           <p:nvPr/>
         </p:nvSpPr>
@@ -7341,14 +7270,12 @@
         <p:txBody>
           <a:bodyPr wrap="square" lIns="0" tIns="0" rIns="0" bIns="0" rtlCol="0"/>
           <a:lstStyle/>
-          <a:p>
-            <a:endParaRPr/>
-          </a:p>
+          <a:p/>
         </p:txBody>
       </p:sp>
       <p:sp>
         <p:nvSpPr>
-          <p:cNvPr id="6" name="object 6"/>
+          <p:cNvPr id="6" name="object 6" descr=""/>
           <p:cNvSpPr/>
           <p:nvPr/>
         </p:nvSpPr>
@@ -7414,14 +7341,12 @@
         <p:txBody>
           <a:bodyPr wrap="square" lIns="0" tIns="0" rIns="0" bIns="0" rtlCol="0"/>
           <a:lstStyle/>
-          <a:p>
-            <a:endParaRPr/>
-          </a:p>
+          <a:p/>
         </p:txBody>
       </p:sp>
       <p:sp>
         <p:nvSpPr>
-          <p:cNvPr id="7" name="object 7"/>
+          <p:cNvPr id="7" name="object 7" descr=""/>
           <p:cNvSpPr/>
           <p:nvPr/>
         </p:nvSpPr>
@@ -7487,14 +7412,12 @@
         <p:txBody>
           <a:bodyPr wrap="square" lIns="0" tIns="0" rIns="0" bIns="0" rtlCol="0"/>
           <a:lstStyle/>
-          <a:p>
-            <a:endParaRPr/>
-          </a:p>
+          <a:p/>
         </p:txBody>
       </p:sp>
       <p:sp>
         <p:nvSpPr>
-          <p:cNvPr id="8" name="object 8"/>
+          <p:cNvPr id="8" name="object 8" descr=""/>
           <p:cNvSpPr txBox="1"/>
           <p:nvPr/>
         </p:nvSpPr>
@@ -7508,7 +7431,7 @@
           </a:prstGeom>
         </p:spPr>
         <p:txBody>
-          <a:bodyPr vert="horz" wrap="square" lIns="0" tIns="12700" rIns="0" bIns="0" rtlCol="0">
+          <a:bodyPr wrap="square" lIns="0" tIns="12700" rIns="0" bIns="0" rtlCol="0" vert="horz">
             <a:spAutoFit/>
           </a:bodyPr>
           <a:lstStyle/>
@@ -7522,7 +7445,7 @@
               </a:spcBef>
             </a:pPr>
             <a:r>
-              <a:rPr sz="1500" dirty="0">
+              <a:rPr dirty="0" sz="1500">
                 <a:solidFill>
                   <a:srgbClr val="24292E"/>
                 </a:solidFill>
@@ -7532,7 +7455,7 @@
               <a:t>1</a:t>
             </a:r>
             <a:r>
-              <a:rPr sz="1500" b="1" spc="-10" dirty="0">
+              <a:rPr dirty="0" sz="1500" spc="-10" b="1">
                 <a:solidFill>
                   <a:srgbClr val="24292E"/>
                 </a:solidFill>
@@ -7556,7 +7479,7 @@
               </a:spcBef>
             </a:pPr>
             <a:r>
-              <a:rPr sz="1200" dirty="0">
+              <a:rPr dirty="0" sz="1200">
                 <a:solidFill>
                   <a:srgbClr val="24292E"/>
                 </a:solidFill>
@@ -7566,7 +7489,7 @@
               <a:t>在 </a:t>
             </a:r>
             <a:r>
-              <a:rPr sz="1000" dirty="0">
+              <a:rPr dirty="0" sz="1000">
                 <a:solidFill>
                   <a:srgbClr val="24292E"/>
                 </a:solidFill>
@@ -7576,7 +7499,7 @@
               <a:t>config.py</a:t>
             </a:r>
             <a:r>
-              <a:rPr sz="1000" spc="-175" dirty="0">
+              <a:rPr dirty="0" sz="1000" spc="-175">
                 <a:solidFill>
                   <a:srgbClr val="24292E"/>
                 </a:solidFill>
@@ -7586,7 +7509,7 @@
               <a:t> </a:t>
             </a:r>
             <a:r>
-              <a:rPr sz="1200" dirty="0">
+              <a:rPr dirty="0" sz="1200">
                 <a:solidFill>
                   <a:srgbClr val="24292E"/>
                 </a:solidFill>
@@ -7596,7 +7519,7 @@
               <a:t>定义了</a:t>
             </a:r>
             <a:r>
-              <a:rPr sz="1450" i="1" spc="365" dirty="0">
+              <a:rPr dirty="0" sz="1450" spc="365" i="1">
                 <a:solidFill>
                   <a:srgbClr val="24292E"/>
                 </a:solidFill>
@@ -7606,7 +7529,7 @@
               <a:t>K</a:t>
             </a:r>
             <a:r>
-              <a:rPr sz="1200" dirty="0">
+              <a:rPr dirty="0" sz="1200">
                 <a:solidFill>
                   <a:srgbClr val="24292E"/>
                 </a:solidFill>
@@ -7616,7 +7539,7 @@
               <a:t>个主题、</a:t>
             </a:r>
             <a:r>
-              <a:rPr sz="1450" i="1" spc="-110" dirty="0">
+              <a:rPr dirty="0" sz="1450" spc="-110" i="1">
                 <a:solidFill>
                   <a:srgbClr val="24292E"/>
                 </a:solidFill>
@@ -7626,7 +7549,7 @@
               <a:t>V</a:t>
             </a:r>
             <a:r>
-              <a:rPr sz="1450" i="1" spc="-35" dirty="0">
+              <a:rPr dirty="0" sz="1450" spc="-35" i="1">
                 <a:solidFill>
                   <a:srgbClr val="24292E"/>
                 </a:solidFill>
@@ -7636,7 +7559,7 @@
               <a:t> </a:t>
             </a:r>
             <a:r>
-              <a:rPr sz="1200" dirty="0">
+              <a:rPr dirty="0" sz="1200">
                 <a:solidFill>
                   <a:srgbClr val="24292E"/>
                 </a:solidFill>
@@ -7646,7 +7569,7 @@
               <a:t>个词汇，</a:t>
             </a:r>
             <a:r>
-              <a:rPr sz="1450" i="1" dirty="0">
+              <a:rPr dirty="0" sz="1450" i="1">
                 <a:solidFill>
                   <a:srgbClr val="24292E"/>
                 </a:solidFill>
@@ -7656,7 +7579,7 @@
               <a:t>N</a:t>
             </a:r>
             <a:r>
-              <a:rPr sz="1450" i="1" spc="-204" dirty="0">
+              <a:rPr dirty="0" sz="1450" spc="-204" i="1">
                 <a:solidFill>
                   <a:srgbClr val="24292E"/>
                 </a:solidFill>
@@ -7666,7 +7589,7 @@
               <a:t> </a:t>
             </a:r>
             <a:r>
-              <a:rPr sz="1200" dirty="0">
+              <a:rPr dirty="0" sz="1200">
                 <a:solidFill>
                   <a:srgbClr val="24292E"/>
                 </a:solidFill>
@@ -7676,7 +7599,7 @@
               <a:t>篇文档等实验常量和 </a:t>
             </a:r>
             <a:r>
-              <a:rPr sz="1000" dirty="0">
+              <a:rPr dirty="0" sz="1000">
                 <a:solidFill>
                   <a:srgbClr val="24292E"/>
                 </a:solidFill>
@@ -7686,7 +7609,7 @@
               <a:t>DB_HOST</a:t>
             </a:r>
             <a:r>
-              <a:rPr sz="1000" spc="-175" dirty="0">
+              <a:rPr dirty="0" sz="1000" spc="-175">
                 <a:solidFill>
                   <a:srgbClr val="24292E"/>
                 </a:solidFill>
@@ -7696,7 +7619,7 @@
               <a:t> </a:t>
             </a:r>
             <a:r>
-              <a:rPr sz="1200" dirty="0">
+              <a:rPr dirty="0" sz="1200">
                 <a:solidFill>
                   <a:srgbClr val="24292E"/>
                 </a:solidFill>
@@ -7706,7 +7629,7 @@
               <a:t>、 </a:t>
             </a:r>
             <a:r>
-              <a:rPr sz="1000" dirty="0">
+              <a:rPr dirty="0" sz="1000">
                 <a:solidFill>
                   <a:srgbClr val="24292E"/>
                 </a:solidFill>
@@ -7716,7 +7639,7 @@
               <a:t>DB_USER</a:t>
             </a:r>
             <a:r>
-              <a:rPr sz="1000" spc="-175" dirty="0">
+              <a:rPr dirty="0" sz="1000" spc="-175">
                 <a:solidFill>
                   <a:srgbClr val="24292E"/>
                 </a:solidFill>
@@ -7726,7 +7649,7 @@
               <a:t> </a:t>
             </a:r>
             <a:r>
-              <a:rPr sz="1200" dirty="0">
+              <a:rPr dirty="0" sz="1200">
                 <a:solidFill>
                   <a:srgbClr val="24292E"/>
                 </a:solidFill>
@@ -7736,7 +7659,7 @@
               <a:t>等数据库连接常量，生成</a:t>
             </a:r>
             <a:r>
-              <a:rPr sz="1450" i="1" dirty="0">
+              <a:rPr dirty="0" sz="1450" i="1">
                 <a:solidFill>
                   <a:srgbClr val="24292E"/>
                 </a:solidFill>
@@ -7746,7 +7669,7 @@
               <a:t>V</a:t>
             </a:r>
             <a:r>
-              <a:rPr sz="1450" i="1" spc="295" dirty="0">
+              <a:rPr dirty="0" sz="1450" spc="295" i="1">
                 <a:solidFill>
                   <a:srgbClr val="24292E"/>
                 </a:solidFill>
@@ -7756,7 +7679,7 @@
               <a:t> </a:t>
             </a:r>
             <a:r>
-              <a:rPr sz="1200" dirty="0">
+              <a:rPr dirty="0" sz="1200">
                 <a:solidFill>
                   <a:srgbClr val="24292E"/>
                 </a:solidFill>
@@ -7766,7 +7689,7 @@
               <a:t>= </a:t>
             </a:r>
             <a:r>
-              <a:rPr sz="1200" spc="-10" dirty="0">
+              <a:rPr dirty="0" sz="1200" spc="-10">
                 <a:solidFill>
                   <a:srgbClr val="24292E"/>
                 </a:solidFill>
@@ -7776,7 +7699,7 @@
               <a:t>1000</a:t>
             </a:r>
             <a:r>
-              <a:rPr sz="1200" dirty="0">
+              <a:rPr dirty="0" sz="1200">
                 <a:solidFill>
                   <a:srgbClr val="24292E"/>
                 </a:solidFill>
@@ -7786,7 +7709,7 @@
               <a:t>个词汇，并用</a:t>
             </a:r>
             <a:r>
-              <a:rPr sz="1200" dirty="0">
+              <a:rPr dirty="0" sz="1200">
                 <a:solidFill>
                   <a:srgbClr val="24292E"/>
                 </a:solidFill>
@@ -7796,7 +7719,7 @@
               <a:t>“</a:t>
             </a:r>
             <a:r>
-              <a:rPr sz="1200" spc="-50" dirty="0">
+              <a:rPr dirty="0" sz="1200" spc="-50">
                 <a:solidFill>
                   <a:srgbClr val="24292E"/>
                 </a:solidFill>
@@ -7806,7 +7729,7 @@
               <a:t>主</a:t>
             </a:r>
             <a:r>
-              <a:rPr sz="1200" dirty="0">
+              <a:rPr dirty="0" sz="1200">
                 <a:solidFill>
                   <a:srgbClr val="24292E"/>
                 </a:solidFill>
@@ -7816,7 +7739,7 @@
               <a:t>题</a:t>
             </a:r>
             <a:r>
-              <a:rPr sz="1200" spc="-10" dirty="0">
+              <a:rPr dirty="0" sz="1200" spc="-10">
                 <a:solidFill>
                   <a:srgbClr val="24292E"/>
                 </a:solidFill>
@@ -7826,7 +7749,7 @@
               <a:t>+</a:t>
             </a:r>
             <a:r>
-              <a:rPr sz="1200" dirty="0">
+              <a:rPr dirty="0" sz="1200">
                 <a:solidFill>
                   <a:srgbClr val="24292E"/>
                 </a:solidFill>
@@ -7836,7 +7759,7 @@
               <a:t>编号</a:t>
             </a:r>
             <a:r>
-              <a:rPr sz="1200" dirty="0">
+              <a:rPr dirty="0" sz="1200">
                 <a:solidFill>
                   <a:srgbClr val="24292E"/>
                 </a:solidFill>
@@ -7846,7 +7769,7 @@
               <a:t>”</a:t>
             </a:r>
             <a:r>
-              <a:rPr sz="1200" spc="-5" dirty="0">
+              <a:rPr dirty="0" sz="1200" spc="-5">
                 <a:solidFill>
                   <a:srgbClr val="24292E"/>
                 </a:solidFill>
@@ -7889,7 +7812,7 @@
       </p:grpSpPr>
       <p:sp>
         <p:nvSpPr>
-          <p:cNvPr id="2" name="object 2"/>
+          <p:cNvPr id="2" name="object 2" descr=""/>
           <p:cNvSpPr/>
           <p:nvPr/>
         </p:nvSpPr>
@@ -7973,14 +7896,12 @@
         <p:txBody>
           <a:bodyPr wrap="square" lIns="0" tIns="0" rIns="0" bIns="0" rtlCol="0"/>
           <a:lstStyle/>
-          <a:p>
-            <a:endParaRPr/>
-          </a:p>
+          <a:p/>
         </p:txBody>
       </p:sp>
       <p:sp>
         <p:nvSpPr>
-          <p:cNvPr id="3" name="object 3"/>
+          <p:cNvPr id="3" name="object 3" descr=""/>
           <p:cNvSpPr/>
           <p:nvPr/>
         </p:nvSpPr>
@@ -8046,14 +7967,12 @@
         <p:txBody>
           <a:bodyPr wrap="square" lIns="0" tIns="0" rIns="0" bIns="0" rtlCol="0"/>
           <a:lstStyle/>
-          <a:p>
-            <a:endParaRPr/>
-          </a:p>
+          <a:p/>
         </p:txBody>
       </p:sp>
       <p:sp>
         <p:nvSpPr>
-          <p:cNvPr id="4" name="object 4"/>
+          <p:cNvPr id="4" name="object 4" descr=""/>
           <p:cNvSpPr/>
           <p:nvPr/>
         </p:nvSpPr>
@@ -8107,14 +8026,12 @@
         <p:txBody>
           <a:bodyPr wrap="square" lIns="0" tIns="0" rIns="0" bIns="0" rtlCol="0"/>
           <a:lstStyle/>
-          <a:p>
-            <a:endParaRPr/>
-          </a:p>
+          <a:p/>
         </p:txBody>
       </p:sp>
       <p:sp>
         <p:nvSpPr>
-          <p:cNvPr id="5" name="object 5"/>
+          <p:cNvPr id="5" name="object 5" descr=""/>
           <p:cNvSpPr/>
           <p:nvPr/>
         </p:nvSpPr>
@@ -8180,14 +8097,12 @@
         <p:txBody>
           <a:bodyPr wrap="square" lIns="0" tIns="0" rIns="0" bIns="0" rtlCol="0"/>
           <a:lstStyle/>
-          <a:p>
-            <a:endParaRPr/>
-          </a:p>
+          <a:p/>
         </p:txBody>
       </p:sp>
       <p:sp>
         <p:nvSpPr>
-          <p:cNvPr id="6" name="object 6"/>
+          <p:cNvPr id="6" name="object 6" descr=""/>
           <p:cNvSpPr/>
           <p:nvPr/>
         </p:nvSpPr>
@@ -8253,14 +8168,12 @@
         <p:txBody>
           <a:bodyPr wrap="square" lIns="0" tIns="0" rIns="0" bIns="0" rtlCol="0"/>
           <a:lstStyle/>
-          <a:p>
-            <a:endParaRPr/>
-          </a:p>
+          <a:p/>
         </p:txBody>
       </p:sp>
       <p:sp>
         <p:nvSpPr>
-          <p:cNvPr id="7" name="object 7"/>
+          <p:cNvPr id="7" name="object 7" descr=""/>
           <p:cNvSpPr/>
           <p:nvPr/>
         </p:nvSpPr>
@@ -8326,14 +8239,12 @@
         <p:txBody>
           <a:bodyPr wrap="square" lIns="0" tIns="0" rIns="0" bIns="0" rtlCol="0"/>
           <a:lstStyle/>
-          <a:p>
-            <a:endParaRPr/>
-          </a:p>
+          <a:p/>
         </p:txBody>
       </p:sp>
       <p:sp>
         <p:nvSpPr>
-          <p:cNvPr id="8" name="object 8"/>
+          <p:cNvPr id="8" name="object 8" descr=""/>
           <p:cNvSpPr/>
           <p:nvPr/>
         </p:nvSpPr>
@@ -8399,14 +8310,12 @@
         <p:txBody>
           <a:bodyPr wrap="square" lIns="0" tIns="0" rIns="0" bIns="0" rtlCol="0"/>
           <a:lstStyle/>
-          <a:p>
-            <a:endParaRPr/>
-          </a:p>
+          <a:p/>
         </p:txBody>
       </p:sp>
       <p:sp>
         <p:nvSpPr>
-          <p:cNvPr id="9" name="object 9"/>
+          <p:cNvPr id="9" name="object 9" descr=""/>
           <p:cNvSpPr/>
           <p:nvPr/>
         </p:nvSpPr>
@@ -8472,14 +8381,12 @@
         <p:txBody>
           <a:bodyPr wrap="square" lIns="0" tIns="0" rIns="0" bIns="0" rtlCol="0"/>
           <a:lstStyle/>
-          <a:p>
-            <a:endParaRPr/>
-          </a:p>
+          <a:p/>
         </p:txBody>
       </p:sp>
       <p:sp>
         <p:nvSpPr>
-          <p:cNvPr id="10" name="object 10"/>
+          <p:cNvPr id="10" name="object 10" descr=""/>
           <p:cNvSpPr/>
           <p:nvPr/>
         </p:nvSpPr>
@@ -8545,14 +8452,12 @@
         <p:txBody>
           <a:bodyPr wrap="square" lIns="0" tIns="0" rIns="0" bIns="0" rtlCol="0"/>
           <a:lstStyle/>
-          <a:p>
-            <a:endParaRPr/>
-          </a:p>
+          <a:p/>
         </p:txBody>
       </p:sp>
       <p:sp>
         <p:nvSpPr>
-          <p:cNvPr id="11" name="object 11"/>
+          <p:cNvPr id="11" name="object 11" descr=""/>
           <p:cNvSpPr/>
           <p:nvPr/>
         </p:nvSpPr>
@@ -8618,14 +8523,12 @@
         <p:txBody>
           <a:bodyPr wrap="square" lIns="0" tIns="0" rIns="0" bIns="0" rtlCol="0"/>
           <a:lstStyle/>
-          <a:p>
-            <a:endParaRPr/>
-          </a:p>
+          <a:p/>
         </p:txBody>
       </p:sp>
       <p:sp>
         <p:nvSpPr>
-          <p:cNvPr id="12" name="object 12"/>
+          <p:cNvPr id="12" name="object 12" descr=""/>
           <p:cNvSpPr/>
           <p:nvPr/>
         </p:nvSpPr>
@@ -8691,14 +8594,12 @@
         <p:txBody>
           <a:bodyPr wrap="square" lIns="0" tIns="0" rIns="0" bIns="0" rtlCol="0"/>
           <a:lstStyle/>
-          <a:p>
-            <a:endParaRPr/>
-          </a:p>
+          <a:p/>
         </p:txBody>
       </p:sp>
       <p:sp>
         <p:nvSpPr>
-          <p:cNvPr id="13" name="object 13"/>
+          <p:cNvPr id="13" name="object 13" descr=""/>
           <p:cNvSpPr txBox="1"/>
           <p:nvPr/>
         </p:nvSpPr>
@@ -8712,7 +8613,7 @@
           </a:prstGeom>
         </p:spPr>
         <p:txBody>
-          <a:bodyPr vert="horz" wrap="square" lIns="0" tIns="12700" rIns="0" bIns="0" rtlCol="0">
+          <a:bodyPr wrap="square" lIns="0" tIns="12700" rIns="0" bIns="0" rtlCol="0" vert="horz">
             <a:spAutoFit/>
           </a:bodyPr>
           <a:lstStyle/>
@@ -8726,7 +8627,7 @@
               </a:spcBef>
             </a:pPr>
             <a:r>
-              <a:rPr sz="1200" spc="25" dirty="0">
+              <a:rPr dirty="0" sz="1200" spc="25">
                 <a:solidFill>
                   <a:srgbClr val="24292E"/>
                 </a:solidFill>
@@ -8736,7 +8637,7 @@
               <a:t>在 </a:t>
             </a:r>
             <a:r>
-              <a:rPr sz="1000" dirty="0">
+              <a:rPr dirty="0" sz="1000">
                 <a:solidFill>
                   <a:srgbClr val="24292E"/>
                 </a:solidFill>
@@ -8746,7 +8647,7 @@
               <a:t>db_manager.py</a:t>
             </a:r>
             <a:r>
-              <a:rPr sz="1000" spc="-140" dirty="0">
+              <a:rPr dirty="0" sz="1000" spc="-140">
                 <a:solidFill>
                   <a:srgbClr val="24292E"/>
                 </a:solidFill>
@@ -8756,7 +8657,7 @@
               <a:t> </a:t>
             </a:r>
             <a:r>
-              <a:rPr sz="1200" dirty="0">
+              <a:rPr dirty="0" sz="1200">
                 <a:solidFill>
                   <a:srgbClr val="24292E"/>
                 </a:solidFill>
@@ -8766,7 +8667,7 @@
               <a:t>中，定义了数据库连接函数 </a:t>
             </a:r>
             <a:r>
-              <a:rPr sz="1000" dirty="0">
+              <a:rPr dirty="0" sz="1000">
                 <a:solidFill>
                   <a:srgbClr val="24292E"/>
                 </a:solidFill>
@@ -8776,7 +8677,7 @@
               <a:t>get_db_connection</a:t>
             </a:r>
             <a:r>
-              <a:rPr sz="1000" spc="-145" dirty="0">
+              <a:rPr dirty="0" sz="1000" spc="-145">
                 <a:solidFill>
                   <a:srgbClr val="24292E"/>
                 </a:solidFill>
@@ -8786,7 +8687,7 @@
               <a:t> </a:t>
             </a:r>
             <a:r>
-              <a:rPr sz="1200" dirty="0">
+              <a:rPr dirty="0" sz="1200">
                 <a:solidFill>
                   <a:srgbClr val="24292E"/>
                 </a:solidFill>
@@ -8796,7 +8697,7 @@
               <a:t>为项目与本地</a:t>
             </a:r>
             <a:r>
-              <a:rPr sz="1200" dirty="0">
+              <a:rPr dirty="0" sz="1200">
                 <a:solidFill>
                   <a:srgbClr val="24292E"/>
                 </a:solidFill>
@@ -8806,7 +8707,7 @@
               <a:t>MySQL</a:t>
             </a:r>
             <a:r>
-              <a:rPr sz="1200" dirty="0">
+              <a:rPr dirty="0" sz="1200">
                 <a:solidFill>
                   <a:srgbClr val="24292E"/>
                 </a:solidFill>
@@ -8816,7 +8717,7 @@
               <a:t>数据库交互作准备；定义了 </a:t>
             </a:r>
             <a:r>
-              <a:rPr sz="1000" spc="-10" dirty="0">
+              <a:rPr dirty="0" sz="1000" spc="-10">
                 <a:solidFill>
                   <a:srgbClr val="24292E"/>
                 </a:solidFill>
@@ -8826,7 +8727,7 @@
               <a:t>record_simulation- </a:t>
             </a:r>
             <a:r>
-              <a:rPr sz="1000" dirty="0">
+              <a:rPr dirty="0" sz="1000">
                 <a:solidFill>
                   <a:srgbClr val="24292E"/>
                 </a:solidFill>
@@ -8836,7 +8737,7 @@
               <a:t>parameters</a:t>
             </a:r>
             <a:r>
-              <a:rPr sz="1000" spc="-125" dirty="0">
+              <a:rPr dirty="0" sz="1000" spc="-125">
                 <a:solidFill>
                   <a:srgbClr val="24292E"/>
                 </a:solidFill>
@@ -8846,7 +8747,7 @@
               <a:t> </a:t>
             </a:r>
             <a:r>
-              <a:rPr sz="1200" dirty="0">
+              <a:rPr dirty="0" sz="1200">
                 <a:solidFill>
                   <a:srgbClr val="24292E"/>
                 </a:solidFill>
@@ -8856,7 +8757,7 @@
               <a:t>函数，通过</a:t>
             </a:r>
             <a:r>
-              <a:rPr sz="1200" dirty="0">
+              <a:rPr dirty="0" sz="1200">
                 <a:solidFill>
                   <a:srgbClr val="24292E"/>
                 </a:solidFill>
@@ -8866,7 +8767,7 @@
               <a:t>SQL</a:t>
             </a:r>
             <a:r>
-              <a:rPr sz="1200" spc="-5" dirty="0">
+              <a:rPr dirty="0" sz="1200" spc="-5">
                 <a:solidFill>
                   <a:srgbClr val="24292E"/>
                 </a:solidFill>
@@ -8890,7 +8791,7 @@
               </a:spcBef>
             </a:pPr>
             <a:r>
-              <a:rPr sz="1200" spc="5" dirty="0">
+              <a:rPr dirty="0" sz="1200" spc="5">
                 <a:solidFill>
                   <a:srgbClr val="24292E"/>
                 </a:solidFill>
@@ -8900,7 +8801,7 @@
               <a:t>在主控程序 </a:t>
             </a:r>
             <a:r>
-              <a:rPr sz="1000" dirty="0">
+              <a:rPr dirty="0" sz="1000">
                 <a:solidFill>
                   <a:srgbClr val="24292E"/>
                 </a:solidFill>
@@ -8910,7 +8811,7 @@
               <a:t>main_run.py</a:t>
             </a:r>
             <a:r>
-              <a:rPr sz="1000" spc="-145" dirty="0">
+              <a:rPr dirty="0" sz="1000" spc="-145">
                 <a:solidFill>
                   <a:srgbClr val="24292E"/>
                 </a:solidFill>
@@ -8920,7 +8821,7 @@
               <a:t> </a:t>
             </a:r>
             <a:r>
-              <a:rPr sz="1200" dirty="0">
+              <a:rPr dirty="0" sz="1200">
                 <a:solidFill>
                   <a:srgbClr val="24292E"/>
                 </a:solidFill>
@@ -8930,7 +8831,7 @@
               <a:t>中，启动本次模拟项目，连接数据库，并获取实验编号</a:t>
             </a:r>
             <a:r>
-              <a:rPr sz="1200" spc="-10" dirty="0">
+              <a:rPr dirty="0" sz="1200" spc="-10">
                 <a:solidFill>
                   <a:srgbClr val="24292E"/>
                 </a:solidFill>
@@ -8940,7 +8841,7 @@
               <a:t>（</a:t>
             </a:r>
             <a:r>
-              <a:rPr sz="1200" spc="-10" dirty="0">
+              <a:rPr dirty="0" sz="1200" spc="-10">
                 <a:solidFill>
                   <a:srgbClr val="24292E"/>
                 </a:solidFill>
@@ -8975,7 +8876,7 @@
               </a:lnSpc>
             </a:pPr>
             <a:r>
-              <a:rPr sz="1500" spc="-10" dirty="0">
+              <a:rPr dirty="0" sz="1500" spc="-10">
                 <a:solidFill>
                   <a:srgbClr val="24292E"/>
                 </a:solidFill>
@@ -8985,7 +8886,7 @@
               <a:t>2</a:t>
             </a:r>
             <a:r>
-              <a:rPr sz="1500" b="1" dirty="0">
+              <a:rPr dirty="0" sz="1500" b="1">
                 <a:solidFill>
                   <a:srgbClr val="24292E"/>
                 </a:solidFill>
@@ -8995,7 +8896,7 @@
               <a:t>、统计模拟（核心步骤</a:t>
             </a:r>
             <a:r>
-              <a:rPr sz="1500" b="1" spc="-50" dirty="0">
+              <a:rPr dirty="0" sz="1500" spc="-50" b="1">
                 <a:solidFill>
                   <a:srgbClr val="24292E"/>
                 </a:solidFill>
@@ -9019,7 +8920,7 @@
               </a:spcBef>
             </a:pPr>
             <a:r>
-              <a:rPr sz="1200" dirty="0">
+              <a:rPr dirty="0" sz="1200">
                 <a:solidFill>
                   <a:srgbClr val="24292E"/>
                 </a:solidFill>
@@ -9029,7 +8930,7 @@
               <a:t>在 </a:t>
             </a:r>
             <a:r>
-              <a:rPr sz="1000" dirty="0">
+              <a:rPr dirty="0" sz="1000">
                 <a:solidFill>
                   <a:srgbClr val="24292E"/>
                 </a:solidFill>
@@ -9039,7 +8940,7 @@
               <a:t>stat_sim.py</a:t>
             </a:r>
             <a:r>
-              <a:rPr sz="1000" spc="-150" dirty="0">
+              <a:rPr dirty="0" sz="1000" spc="-150">
                 <a:solidFill>
                   <a:srgbClr val="24292E"/>
                 </a:solidFill>
@@ -9049,7 +8950,7 @@
               <a:t> </a:t>
             </a:r>
             <a:r>
-              <a:rPr sz="1200" dirty="0">
+              <a:rPr dirty="0" sz="1200">
                 <a:solidFill>
                   <a:srgbClr val="24292E"/>
                 </a:solidFill>
@@ -9059,7 +8960,7 @@
               <a:t>中，构建</a:t>
             </a:r>
             <a:r>
-              <a:rPr sz="1450" i="1" spc="365" dirty="0">
+              <a:rPr dirty="0" sz="1450" spc="365" i="1">
                 <a:solidFill>
                   <a:srgbClr val="24292E"/>
                 </a:solidFill>
@@ -9069,7 +8970,7 @@
               <a:t>K</a:t>
             </a:r>
             <a:r>
-              <a:rPr sz="1200" dirty="0">
+              <a:rPr dirty="0" sz="1200">
                 <a:solidFill>
                   <a:srgbClr val="24292E"/>
                 </a:solidFill>
@@ -9079,7 +8980,7 @@
               <a:t>行</a:t>
             </a:r>
             <a:r>
-              <a:rPr sz="1450" i="1" spc="-110" dirty="0">
+              <a:rPr dirty="0" sz="1450" spc="-110" i="1">
                 <a:solidFill>
                   <a:srgbClr val="24292E"/>
                 </a:solidFill>
@@ -9089,7 +8990,7 @@
               <a:t>V</a:t>
             </a:r>
             <a:r>
-              <a:rPr sz="1450" i="1" spc="-20" dirty="0">
+              <a:rPr dirty="0" sz="1450" spc="-20" i="1">
                 <a:solidFill>
                   <a:srgbClr val="24292E"/>
                 </a:solidFill>
@@ -9099,7 +9000,7 @@
               <a:t> </a:t>
             </a:r>
             <a:r>
-              <a:rPr sz="1200" dirty="0">
+              <a:rPr dirty="0" sz="1200">
                 <a:solidFill>
                   <a:srgbClr val="24292E"/>
                 </a:solidFill>
@@ -9109,7 +9010,7 @@
               <a:t>列的</a:t>
             </a:r>
             <a:r>
-              <a:rPr sz="1450" i="1" spc="-114" dirty="0">
+              <a:rPr dirty="0" sz="1450" spc="-114" i="1">
                 <a:solidFill>
                   <a:srgbClr val="24292E"/>
                 </a:solidFill>
@@ -9119,7 +9020,7 @@
               <a:t>ϕ</a:t>
             </a:r>
             <a:r>
-              <a:rPr sz="1200" dirty="0">
+              <a:rPr dirty="0" sz="1200">
                 <a:solidFill>
                   <a:srgbClr val="24292E"/>
                 </a:solidFill>
@@ -9129,7 +9030,7 @@
               <a:t>矩阵，模拟主题</a:t>
             </a:r>
             <a:r>
-              <a:rPr sz="1200" dirty="0">
+              <a:rPr dirty="0" sz="1200">
                 <a:solidFill>
                   <a:srgbClr val="24292E"/>
                 </a:solidFill>
@@ -9139,7 +9040,7 @@
               <a:t>—</a:t>
             </a:r>
             <a:r>
-              <a:rPr sz="1200" dirty="0">
+              <a:rPr dirty="0" sz="1200">
                 <a:solidFill>
                   <a:srgbClr val="24292E"/>
                 </a:solidFill>
@@ -9149,7 +9050,7 @@
               <a:t>词汇概率分布。</a:t>
             </a:r>
             <a:r>
-              <a:rPr sz="1200" b="1" dirty="0">
+              <a:rPr dirty="0" sz="1200" b="1">
                 <a:solidFill>
                   <a:srgbClr val="24292E"/>
                 </a:solidFill>
@@ -9159,7 +9060,7 @@
               <a:t>分配策略</a:t>
             </a:r>
             <a:r>
-              <a:rPr sz="1200" dirty="0">
+              <a:rPr dirty="0" sz="1200">
                 <a:solidFill>
                   <a:srgbClr val="24292E"/>
                 </a:solidFill>
@@ -9169,7 +9070,7 @@
               <a:t>：将</a:t>
             </a:r>
             <a:r>
-              <a:rPr sz="1200" spc="-10" dirty="0">
+              <a:rPr dirty="0" sz="1200" spc="-10">
                 <a:solidFill>
                   <a:srgbClr val="24292E"/>
                 </a:solidFill>
@@ -9179,7 +9080,7 @@
               <a:t>90%</a:t>
             </a:r>
             <a:r>
-              <a:rPr sz="1200" dirty="0">
+              <a:rPr dirty="0" sz="1200">
                 <a:solidFill>
                   <a:srgbClr val="24292E"/>
                 </a:solidFill>
@@ -9189,7 +9090,7 @@
               <a:t>的概率分配给某个主题的专属词汇，将</a:t>
             </a:r>
             <a:r>
-              <a:rPr sz="1200" spc="-10" dirty="0">
+              <a:rPr dirty="0" sz="1200" spc="-10">
                 <a:solidFill>
                   <a:srgbClr val="24292E"/>
                 </a:solidFill>
@@ -9199,7 +9100,7 @@
               <a:t>10%</a:t>
             </a:r>
             <a:r>
-              <a:rPr sz="1200" spc="-25" dirty="0">
+              <a:rPr dirty="0" sz="1200" spc="-25">
                 <a:solidFill>
                   <a:srgbClr val="24292E"/>
                 </a:solidFill>
@@ -9209,7 +9110,7 @@
               <a:t>的概</a:t>
             </a:r>
             <a:r>
-              <a:rPr sz="1200" spc="-5" dirty="0">
+              <a:rPr dirty="0" sz="1200" spc="-5">
                 <a:solidFill>
                   <a:srgbClr val="24292E"/>
                 </a:solidFill>
@@ -9233,7 +9134,7 @@
               </a:spcBef>
             </a:pPr>
             <a:r>
-              <a:rPr sz="1200" dirty="0">
+              <a:rPr dirty="0" sz="1200">
                 <a:solidFill>
                   <a:srgbClr val="24292E"/>
                 </a:solidFill>
@@ -9243,7 +9144,7 @@
               <a:t>在 </a:t>
             </a:r>
             <a:r>
-              <a:rPr sz="1000" dirty="0">
+              <a:rPr dirty="0" sz="1000">
                 <a:solidFill>
                   <a:srgbClr val="24292E"/>
                 </a:solidFill>
@@ -9253,7 +9154,7 @@
               <a:t>stat_sim.py</a:t>
             </a:r>
             <a:r>
-              <a:rPr sz="1000" spc="-125" dirty="0">
+              <a:rPr dirty="0" sz="1000" spc="-125">
                 <a:solidFill>
                   <a:srgbClr val="24292E"/>
                 </a:solidFill>
@@ -9263,7 +9164,7 @@
               <a:t> </a:t>
             </a:r>
             <a:r>
-              <a:rPr sz="1200" dirty="0">
+              <a:rPr dirty="0" sz="1200">
                 <a:solidFill>
                   <a:srgbClr val="24292E"/>
                 </a:solidFill>
@@ -9273,7 +9174,7 @@
               <a:t>中，定义 </a:t>
             </a:r>
             <a:r>
-              <a:rPr sz="1000" dirty="0">
+              <a:rPr dirty="0" sz="1000">
                 <a:solidFill>
                   <a:srgbClr val="24292E"/>
                 </a:solidFill>
@@ -9283,7 +9184,7 @@
               <a:t>generate_documents</a:t>
             </a:r>
             <a:r>
-              <a:rPr sz="1000" spc="-130" dirty="0">
+              <a:rPr dirty="0" sz="1000" spc="-130">
                 <a:solidFill>
                   <a:srgbClr val="24292E"/>
                 </a:solidFill>
@@ -9293,7 +9194,7 @@
               <a:t> </a:t>
             </a:r>
             <a:r>
-              <a:rPr sz="1200" dirty="0">
+              <a:rPr dirty="0" sz="1200">
                 <a:solidFill>
                   <a:srgbClr val="24292E"/>
                 </a:solidFill>
@@ -9303,7 +9204,7 @@
               <a:t>函数，根据</a:t>
             </a:r>
             <a:r>
-              <a:rPr sz="1200" spc="-20" dirty="0">
+              <a:rPr dirty="0" sz="1200" spc="-20">
                 <a:solidFill>
                   <a:srgbClr val="24292E"/>
                 </a:solidFill>
@@ -9313,7 +9214,7 @@
               <a:t>LDA</a:t>
             </a:r>
             <a:r>
-              <a:rPr sz="1200" spc="-5" dirty="0">
+              <a:rPr dirty="0" sz="1200" spc="-5">
                 <a:solidFill>
                   <a:srgbClr val="24292E"/>
                 </a:solidFill>
@@ -9323,7 +9224,7 @@
               <a:t>原理进行狄利克雷抽样，生成</a:t>
             </a:r>
             <a:r>
-              <a:rPr sz="1450" i="1" dirty="0">
+              <a:rPr dirty="0" sz="1450" i="1">
                 <a:solidFill>
                   <a:srgbClr val="24292E"/>
                 </a:solidFill>
@@ -9333,7 +9234,7 @@
               <a:t>N</a:t>
             </a:r>
             <a:r>
-              <a:rPr sz="1450" i="1" spc="-185" dirty="0">
+              <a:rPr dirty="0" sz="1450" spc="-185" i="1">
                 <a:solidFill>
                   <a:srgbClr val="24292E"/>
                 </a:solidFill>
@@ -9343,7 +9244,7 @@
               <a:t> </a:t>
             </a:r>
             <a:r>
-              <a:rPr sz="1200" dirty="0">
+              <a:rPr dirty="0" sz="1200">
                 <a:solidFill>
                   <a:srgbClr val="24292E"/>
                 </a:solidFill>
@@ -9353,7 +9254,7 @@
               <a:t>篇文档和对应的真实</a:t>
             </a:r>
             <a:r>
-              <a:rPr sz="1450" i="1" spc="-180" dirty="0">
+              <a:rPr dirty="0" sz="1450" spc="-180" i="1">
                 <a:solidFill>
                   <a:srgbClr val="24292E"/>
                 </a:solidFill>
@@ -9363,7 +9264,7 @@
               <a:t>θ</a:t>
             </a:r>
             <a:r>
-              <a:rPr sz="1200" spc="-5" dirty="0">
+              <a:rPr dirty="0" sz="1200" spc="-5">
                 <a:solidFill>
                   <a:srgbClr val="24292E"/>
                 </a:solidFill>
@@ -9373,7 +9274,7 @@
               <a:t>向量。最后再进行数据</a:t>
             </a:r>
             <a:r>
-              <a:rPr sz="1200" dirty="0">
+              <a:rPr dirty="0" sz="1200">
                 <a:solidFill>
                   <a:srgbClr val="24292E"/>
                 </a:solidFill>
@@ -9383,7 +9284,7 @@
               <a:t>格式化处理，如将词语连接成完整字符串文本、将实验序号和真实</a:t>
             </a:r>
             <a:r>
-              <a:rPr sz="1450" i="1" spc="-180" dirty="0">
+              <a:rPr dirty="0" sz="1450" spc="-180" i="1">
                 <a:solidFill>
                   <a:srgbClr val="24292E"/>
                 </a:solidFill>
@@ -9393,7 +9294,7 @@
               <a:t>θ</a:t>
             </a:r>
             <a:r>
-              <a:rPr sz="1200" spc="-10" dirty="0">
+              <a:rPr dirty="0" sz="1200" spc="-10">
                 <a:solidFill>
                   <a:srgbClr val="24292E"/>
                 </a:solidFill>
@@ -9417,7 +9318,7 @@
               </a:spcBef>
             </a:pPr>
             <a:r>
-              <a:rPr sz="1200" spc="-5" dirty="0">
+              <a:rPr dirty="0" sz="1200" spc="-5">
                 <a:solidFill>
                   <a:srgbClr val="24292E"/>
                 </a:solidFill>
@@ -9441,7 +9342,7 @@
               </a:spcBef>
             </a:pPr>
             <a:r>
-              <a:rPr sz="1500" spc="-10" dirty="0">
+              <a:rPr dirty="0" sz="1500" spc="-10">
                 <a:solidFill>
                   <a:srgbClr val="24292E"/>
                 </a:solidFill>
@@ -9451,7 +9352,7 @@
               <a:t>3</a:t>
             </a:r>
             <a:r>
-              <a:rPr sz="1500" b="1" spc="-10" dirty="0">
+              <a:rPr dirty="0" sz="1500" spc="-10" b="1">
                 <a:solidFill>
                   <a:srgbClr val="24292E"/>
                 </a:solidFill>
@@ -9475,7 +9376,7 @@
               </a:spcBef>
             </a:pPr>
             <a:r>
-              <a:rPr sz="1200" dirty="0">
+              <a:rPr dirty="0" sz="1200">
                 <a:solidFill>
                   <a:srgbClr val="24292E"/>
                 </a:solidFill>
@@ -9485,7 +9386,7 @@
               <a:t>在 </a:t>
             </a:r>
             <a:r>
-              <a:rPr sz="1000" dirty="0">
+              <a:rPr dirty="0" sz="1000">
                 <a:solidFill>
                   <a:srgbClr val="24292E"/>
                 </a:solidFill>
@@ -9495,7 +9396,7 @@
               <a:t>db_manager.py</a:t>
             </a:r>
             <a:r>
-              <a:rPr sz="1000" spc="-130" dirty="0">
+              <a:rPr dirty="0" sz="1000" spc="-130">
                 <a:solidFill>
                   <a:srgbClr val="24292E"/>
                 </a:solidFill>
@@ -9505,7 +9406,7 @@
               <a:t> </a:t>
             </a:r>
             <a:r>
-              <a:rPr sz="1200" dirty="0">
+              <a:rPr dirty="0" sz="1200">
                 <a:solidFill>
                   <a:srgbClr val="24292E"/>
                 </a:solidFill>
@@ -9515,7 +9416,7 @@
               <a:t>中，定义 </a:t>
             </a:r>
             <a:r>
-              <a:rPr sz="1000" dirty="0">
+              <a:rPr dirty="0" sz="1000">
                 <a:solidFill>
                   <a:srgbClr val="24292E"/>
                 </a:solidFill>
@@ -9525,7 +9426,7 @@
               <a:t>bulk_insert_documents</a:t>
             </a:r>
             <a:r>
-              <a:rPr sz="1000" spc="-135" dirty="0">
+              <a:rPr dirty="0" sz="1000" spc="-135">
                 <a:solidFill>
                   <a:srgbClr val="24292E"/>
                 </a:solidFill>
@@ -9535,7 +9436,7 @@
               <a:t> </a:t>
             </a:r>
             <a:r>
-              <a:rPr sz="1200" dirty="0">
+              <a:rPr dirty="0" sz="1200">
                 <a:solidFill>
                   <a:srgbClr val="24292E"/>
                 </a:solidFill>
@@ -9545,7 +9446,7 @@
               <a:t>函数，通过</a:t>
             </a:r>
             <a:r>
-              <a:rPr sz="1200" dirty="0">
+              <a:rPr dirty="0" sz="1200">
                 <a:solidFill>
                   <a:srgbClr val="24292E"/>
                 </a:solidFill>
@@ -9555,7 +9456,7 @@
               <a:t>SQL</a:t>
             </a:r>
             <a:r>
-              <a:rPr sz="1200" dirty="0">
+              <a:rPr dirty="0" sz="1200">
                 <a:solidFill>
                   <a:srgbClr val="24292E"/>
                 </a:solidFill>
@@ -9565,7 +9466,7 @@
               <a:t>语句，将生成的文档和真实</a:t>
             </a:r>
             <a:r>
-              <a:rPr sz="1450" i="1" spc="-180" dirty="0">
+              <a:rPr dirty="0" sz="1450" spc="-180" i="1">
                 <a:solidFill>
                   <a:srgbClr val="24292E"/>
                 </a:solidFill>
@@ -9575,7 +9476,7 @@
               <a:t>θ</a:t>
             </a:r>
             <a:r>
-              <a:rPr sz="1200" spc="-5" dirty="0">
+              <a:rPr dirty="0" sz="1200" spc="-5">
                 <a:solidFill>
                   <a:srgbClr val="24292E"/>
                 </a:solidFill>
@@ -9585,7 +9486,7 @@
               <a:t>向量批量导入数据库保存。在主控程序中调</a:t>
             </a:r>
             <a:r>
-              <a:rPr sz="1200" spc="-10" dirty="0">
+              <a:rPr dirty="0" sz="1200" spc="-10">
                 <a:solidFill>
                   <a:srgbClr val="24292E"/>
                 </a:solidFill>
@@ -9609,7 +9510,7 @@
               </a:spcBef>
             </a:pPr>
             <a:r>
-              <a:rPr sz="1500" dirty="0">
+              <a:rPr dirty="0" sz="1500">
                 <a:solidFill>
                   <a:srgbClr val="24292E"/>
                 </a:solidFill>
@@ -9619,7 +9520,7 @@
               <a:t>4</a:t>
             </a:r>
             <a:r>
-              <a:rPr sz="1500" b="1" spc="-10" dirty="0">
+              <a:rPr dirty="0" sz="1500" spc="-10" b="1">
                 <a:solidFill>
                   <a:srgbClr val="24292E"/>
                 </a:solidFill>
@@ -9643,7 +9544,7 @@
               </a:spcBef>
             </a:pPr>
             <a:r>
-              <a:rPr sz="1200" spc="35" dirty="0">
+              <a:rPr dirty="0" sz="1200" spc="35">
                 <a:solidFill>
                   <a:srgbClr val="24292E"/>
                 </a:solidFill>
@@ -9653,7 +9554,7 @@
               <a:t>在 </a:t>
             </a:r>
             <a:r>
-              <a:rPr sz="1000" dirty="0">
+              <a:rPr dirty="0" sz="1000">
                 <a:solidFill>
                   <a:srgbClr val="24292E"/>
                 </a:solidFill>
@@ -9663,7 +9564,7 @@
               <a:t>db_manager.py</a:t>
             </a:r>
             <a:r>
-              <a:rPr sz="1000" spc="-120" dirty="0">
+              <a:rPr dirty="0" sz="1000" spc="-120">
                 <a:solidFill>
                   <a:srgbClr val="24292E"/>
                 </a:solidFill>
@@ -9673,7 +9574,7 @@
               <a:t> </a:t>
             </a:r>
             <a:r>
-              <a:rPr sz="1200" spc="15" dirty="0">
+              <a:rPr dirty="0" sz="1200" spc="15">
                 <a:solidFill>
                   <a:srgbClr val="24292E"/>
                 </a:solidFill>
@@ -9683,7 +9584,7 @@
               <a:t>中，定义 </a:t>
             </a:r>
             <a:r>
-              <a:rPr sz="1000" dirty="0">
+              <a:rPr dirty="0" sz="1000">
                 <a:solidFill>
                   <a:srgbClr val="24292E"/>
                 </a:solidFill>
@@ -9693,7 +9594,7 @@
               <a:t>fetch_documents_for_analysis</a:t>
             </a:r>
             <a:r>
-              <a:rPr sz="1000" spc="-120" dirty="0">
+              <a:rPr dirty="0" sz="1000" spc="-120">
                 <a:solidFill>
                   <a:srgbClr val="24292E"/>
                 </a:solidFill>
@@ -9703,7 +9604,7 @@
               <a:t> </a:t>
             </a:r>
             <a:r>
-              <a:rPr sz="1200" dirty="0">
+              <a:rPr dirty="0" sz="1200">
                 <a:solidFill>
                   <a:srgbClr val="24292E"/>
                 </a:solidFill>
@@ -9713,7 +9614,7 @@
               <a:t>函数，通过</a:t>
             </a:r>
             <a:r>
-              <a:rPr sz="1200" dirty="0">
+              <a:rPr dirty="0" sz="1200">
                 <a:solidFill>
                   <a:srgbClr val="24292E"/>
                 </a:solidFill>
@@ -9723,7 +9624,7 @@
               <a:t>SQL</a:t>
             </a:r>
             <a:r>
-              <a:rPr sz="1200" spc="-5" dirty="0">
+              <a:rPr dirty="0" sz="1200" spc="-5">
                 <a:solidFill>
                   <a:srgbClr val="24292E"/>
                 </a:solidFill>
@@ -9766,7 +9667,7 @@
       </p:grpSpPr>
       <p:sp>
         <p:nvSpPr>
-          <p:cNvPr id="2" name="object 2"/>
+          <p:cNvPr id="2" name="object 2" descr=""/>
           <p:cNvSpPr/>
           <p:nvPr/>
         </p:nvSpPr>
@@ -9809,14 +9710,108 @@
         <p:txBody>
           <a:bodyPr wrap="square" lIns="0" tIns="0" rIns="0" bIns="0" rtlCol="0"/>
           <a:lstStyle/>
-          <a:p>
-            <a:endParaRPr/>
-          </a:p>
+          <a:p/>
         </p:txBody>
       </p:sp>
       <p:sp>
         <p:nvSpPr>
-          <p:cNvPr id="3" name="object 3"/>
+          <p:cNvPr id="3" name="object 3" descr=""/>
+          <p:cNvSpPr/>
+          <p:nvPr/>
+        </p:nvSpPr>
+        <p:spPr>
+          <a:xfrm>
+            <a:off x="1419478" y="4541344"/>
+            <a:ext cx="9337675" cy="9525"/>
+          </a:xfrm>
+          <a:custGeom>
+            <a:avLst/>
+            <a:gdLst/>
+            <a:ahLst/>
+            <a:cxnLst/>
+            <a:rect l="l" t="t" r="r" b="b"/>
+            <a:pathLst>
+              <a:path w="9337675" h="9525">
+                <a:moveTo>
+                  <a:pt x="9337169" y="9527"/>
+                </a:moveTo>
+                <a:lnTo>
+                  <a:pt x="0" y="9527"/>
+                </a:lnTo>
+                <a:lnTo>
+                  <a:pt x="0" y="0"/>
+                </a:lnTo>
+                <a:lnTo>
+                  <a:pt x="9337169" y="0"/>
+                </a:lnTo>
+                <a:lnTo>
+                  <a:pt x="9337169" y="9527"/>
+                </a:lnTo>
+                <a:close/>
+              </a:path>
+            </a:pathLst>
+          </a:custGeom>
+          <a:solidFill>
+            <a:srgbClr val="E9ECEF"/>
+          </a:solidFill>
+        </p:spPr>
+        <p:txBody>
+          <a:bodyPr wrap="square" lIns="0" tIns="0" rIns="0" bIns="0" rtlCol="0"/>
+          <a:lstStyle/>
+          <a:p/>
+        </p:txBody>
+      </p:sp>
+      <p:sp>
+        <p:nvSpPr>
+          <p:cNvPr id="4" name="object 4" descr=""/>
+          <p:cNvSpPr/>
+          <p:nvPr/>
+        </p:nvSpPr>
+        <p:spPr>
+          <a:xfrm>
+            <a:off x="1419478" y="5132063"/>
+            <a:ext cx="9337675" cy="9525"/>
+          </a:xfrm>
+          <a:custGeom>
+            <a:avLst/>
+            <a:gdLst/>
+            <a:ahLst/>
+            <a:cxnLst/>
+            <a:rect l="l" t="t" r="r" b="b"/>
+            <a:pathLst>
+              <a:path w="9337675" h="9525">
+                <a:moveTo>
+                  <a:pt x="9337169" y="9527"/>
+                </a:moveTo>
+                <a:lnTo>
+                  <a:pt x="0" y="9527"/>
+                </a:lnTo>
+                <a:lnTo>
+                  <a:pt x="0" y="0"/>
+                </a:lnTo>
+                <a:lnTo>
+                  <a:pt x="9337169" y="0"/>
+                </a:lnTo>
+                <a:lnTo>
+                  <a:pt x="9337169" y="9527"/>
+                </a:lnTo>
+                <a:close/>
+              </a:path>
+            </a:pathLst>
+          </a:custGeom>
+          <a:solidFill>
+            <a:srgbClr val="E9ECEF"/>
+          </a:solidFill>
+        </p:spPr>
+        <p:txBody>
+          <a:bodyPr wrap="square" lIns="0" tIns="0" rIns="0" bIns="0" rtlCol="0"/>
+          <a:lstStyle/>
+          <a:p/>
+        </p:txBody>
+      </p:sp>
+      <p:sp>
+        <p:nvSpPr>
+          <p:cNvPr id="5" name="object 5" descr=""/>
           <p:cNvSpPr/>
           <p:nvPr/>
         </p:nvSpPr>
@@ -9882,14 +9877,12 @@
         <p:txBody>
           <a:bodyPr wrap="square" lIns="0" tIns="0" rIns="0" bIns="0" rtlCol="0"/>
           <a:lstStyle/>
-          <a:p>
-            <a:endParaRPr/>
-          </a:p>
+          <a:p/>
         </p:txBody>
       </p:sp>
       <p:sp>
         <p:nvSpPr>
-          <p:cNvPr id="4" name="object 4"/>
+          <p:cNvPr id="6" name="object 6" descr=""/>
           <p:cNvSpPr/>
           <p:nvPr/>
         </p:nvSpPr>
@@ -9955,14 +9948,12 @@
         <p:txBody>
           <a:bodyPr wrap="square" lIns="0" tIns="0" rIns="0" bIns="0" rtlCol="0"/>
           <a:lstStyle/>
-          <a:p>
-            <a:endParaRPr/>
-          </a:p>
+          <a:p/>
         </p:txBody>
       </p:sp>
       <p:sp>
         <p:nvSpPr>
-          <p:cNvPr id="5" name="object 5"/>
+          <p:cNvPr id="7" name="object 7" descr=""/>
           <p:cNvSpPr/>
           <p:nvPr/>
         </p:nvSpPr>
@@ -10028,14 +10019,12 @@
         <p:txBody>
           <a:bodyPr wrap="square" lIns="0" tIns="0" rIns="0" bIns="0" rtlCol="0"/>
           <a:lstStyle/>
-          <a:p>
-            <a:endParaRPr/>
-          </a:p>
+          <a:p/>
         </p:txBody>
       </p:sp>
       <p:sp>
         <p:nvSpPr>
-          <p:cNvPr id="6" name="object 6"/>
+          <p:cNvPr id="8" name="object 8" descr=""/>
           <p:cNvSpPr/>
           <p:nvPr/>
         </p:nvSpPr>
@@ -10101,14 +10090,12 @@
         <p:txBody>
           <a:bodyPr wrap="square" lIns="0" tIns="0" rIns="0" bIns="0" rtlCol="0"/>
           <a:lstStyle/>
-          <a:p>
-            <a:endParaRPr/>
-          </a:p>
+          <a:p/>
         </p:txBody>
       </p:sp>
       <p:sp>
         <p:nvSpPr>
-          <p:cNvPr id="7" name="object 7"/>
+          <p:cNvPr id="9" name="object 9" descr=""/>
           <p:cNvSpPr txBox="1"/>
           <p:nvPr/>
         </p:nvSpPr>
@@ -10122,7 +10109,7 @@
           </a:prstGeom>
         </p:spPr>
         <p:txBody>
-          <a:bodyPr vert="horz" wrap="square" lIns="0" tIns="9525" rIns="0" bIns="0" rtlCol="0">
+          <a:bodyPr wrap="square" lIns="0" tIns="9525" rIns="0" bIns="0" rtlCol="0" vert="horz">
             <a:spAutoFit/>
           </a:bodyPr>
           <a:lstStyle/>
@@ -10136,7 +10123,7 @@
               </a:spcBef>
             </a:pPr>
             <a:r>
-              <a:rPr sz="1200" dirty="0">
+              <a:rPr dirty="0" sz="1200">
                 <a:solidFill>
                   <a:srgbClr val="24292E"/>
                 </a:solidFill>
@@ -10146,7 +10133,7 @@
               <a:t>调用 </a:t>
             </a:r>
             <a:r>
-              <a:rPr sz="1000" dirty="0">
+              <a:rPr dirty="0" sz="1000">
                 <a:solidFill>
                   <a:srgbClr val="24292E"/>
                 </a:solidFill>
@@ -10156,7 +10143,7 @@
               <a:t>sklearn.LatentDirichletAllocation</a:t>
             </a:r>
             <a:r>
-              <a:rPr sz="1000" spc="-110" dirty="0">
+              <a:rPr dirty="0" sz="1000" spc="-110">
                 <a:solidFill>
                   <a:srgbClr val="24292E"/>
                 </a:solidFill>
@@ -10166,7 +10153,7 @@
               <a:t> </a:t>
             </a:r>
             <a:r>
-              <a:rPr sz="1200" dirty="0">
+              <a:rPr dirty="0" sz="1200">
                 <a:solidFill>
                   <a:srgbClr val="24292E"/>
                 </a:solidFill>
@@ -10176,7 +10163,7 @@
               <a:t>函数对文本进行训练和推断。为使训练更容易，采用 </a:t>
             </a:r>
             <a:r>
-              <a:rPr sz="1000" dirty="0">
+              <a:rPr dirty="0" sz="1000">
                 <a:solidFill>
                   <a:srgbClr val="24292E"/>
                 </a:solidFill>
@@ -10186,7 +10173,7 @@
               <a:t>CountVectorizer</a:t>
             </a:r>
             <a:r>
-              <a:rPr sz="1000" spc="-110" dirty="0">
+              <a:rPr dirty="0" sz="1000" spc="-110">
                 <a:solidFill>
                   <a:srgbClr val="24292E"/>
                 </a:solidFill>
@@ -10196,7 +10183,7 @@
               <a:t> </a:t>
             </a:r>
             <a:r>
-              <a:rPr sz="1200" spc="-5" dirty="0">
+              <a:rPr dirty="0" sz="1200" spc="-5">
                 <a:solidFill>
                   <a:srgbClr val="24292E"/>
                 </a:solidFill>
@@ -10206,7 +10193,7 @@
               <a:t>函数将文本转化为矩阵。从</a:t>
             </a:r>
             <a:r>
-              <a:rPr sz="1200" dirty="0">
+              <a:rPr dirty="0" sz="1200">
                 <a:solidFill>
                   <a:srgbClr val="24292E"/>
                 </a:solidFill>
@@ -10216,7 +10203,7 @@
               <a:t>而得到</a:t>
             </a:r>
             <a:r>
-              <a:rPr sz="1450" i="1" spc="-10" dirty="0">
+              <a:rPr dirty="0" sz="1450" spc="-10" i="1">
                 <a:solidFill>
                   <a:srgbClr val="24292E"/>
                 </a:solidFill>
@@ -10226,7 +10213,7 @@
               <a:t>θ</a:t>
             </a:r>
             <a:r>
-              <a:rPr sz="1500" i="1" spc="-15" baseline="-13888" dirty="0">
+              <a:rPr dirty="0" baseline="-13888" sz="1500" spc="-15" i="1">
                 <a:solidFill>
                   <a:srgbClr val="24292E"/>
                 </a:solidFill>
@@ -10236,7 +10223,7 @@
               <a:t>pred</a:t>
             </a:r>
             <a:r>
-              <a:rPr sz="1500" i="1" spc="-217" baseline="-13888" dirty="0">
+              <a:rPr dirty="0" baseline="-13888" sz="1500" spc="-217" i="1">
                 <a:solidFill>
                   <a:srgbClr val="24292E"/>
                 </a:solidFill>
@@ -10246,7 +10233,7 @@
               <a:t> </a:t>
             </a:r>
             <a:r>
-              <a:rPr sz="1200" spc="-20" dirty="0">
+              <a:rPr dirty="0" sz="1200" spc="-20">
                 <a:solidFill>
                   <a:srgbClr val="24292E"/>
                 </a:solidFill>
@@ -10270,7 +10257,7 @@
               </a:spcBef>
             </a:pPr>
             <a:r>
-              <a:rPr sz="1200" dirty="0">
+              <a:rPr dirty="0" sz="1200">
                 <a:solidFill>
                   <a:srgbClr val="24292E"/>
                 </a:solidFill>
@@ -10280,7 +10267,7 @@
               <a:t>注： </a:t>
             </a:r>
             <a:r>
-              <a:rPr sz="1000" dirty="0">
+              <a:rPr dirty="0" sz="1000">
                 <a:solidFill>
                   <a:srgbClr val="24292E"/>
                 </a:solidFill>
@@ -10290,7 +10277,7 @@
               <a:t>sklearn.LatentDirichletAllocation</a:t>
             </a:r>
             <a:r>
-              <a:rPr sz="1000" spc="-114" dirty="0">
+              <a:rPr dirty="0" sz="1000" spc="-114">
                 <a:solidFill>
                   <a:srgbClr val="24292E"/>
                 </a:solidFill>
@@ -10300,7 +10287,7 @@
               <a:t> </a:t>
             </a:r>
             <a:r>
-              <a:rPr sz="1200" dirty="0">
+              <a:rPr dirty="0" sz="1200">
                 <a:solidFill>
                   <a:srgbClr val="24292E"/>
                 </a:solidFill>
@@ -10310,7 +10297,7 @@
               <a:t>是</a:t>
             </a:r>
             <a:r>
-              <a:rPr sz="1200" dirty="0">
+              <a:rPr dirty="0" sz="1200">
                 <a:solidFill>
                   <a:srgbClr val="24292E"/>
                 </a:solidFill>
@@ -10320,7 +10307,7 @@
               <a:t>Python</a:t>
             </a:r>
             <a:r>
-              <a:rPr sz="1200" dirty="0">
+              <a:rPr dirty="0" sz="1200">
                 <a:solidFill>
                   <a:srgbClr val="24292E"/>
                 </a:solidFill>
@@ -10330,7 +10317,7 @@
               <a:t>中 </a:t>
             </a:r>
             <a:r>
-              <a:rPr sz="1000" dirty="0">
+              <a:rPr dirty="0" sz="1000">
                 <a:solidFill>
                   <a:srgbClr val="24292E"/>
                 </a:solidFill>
@@ -10340,7 +10327,7 @@
               <a:t>scikit-learn</a:t>
             </a:r>
             <a:r>
-              <a:rPr sz="1000" spc="-120" dirty="0">
+              <a:rPr dirty="0" sz="1000" spc="-120">
                 <a:solidFill>
                   <a:srgbClr val="24292E"/>
                 </a:solidFill>
@@ -10350,7 +10337,7 @@
               <a:t> </a:t>
             </a:r>
             <a:r>
-              <a:rPr sz="1200" spc="-5" dirty="0">
+              <a:rPr dirty="0" sz="1200" spc="-5">
                 <a:solidFill>
                   <a:srgbClr val="24292E"/>
                 </a:solidFill>
@@ -10360,7 +10347,7 @@
               <a:t>库提供的一个类，用于实现潜在狄利克雷分配模型，即本项目中要量化</a:t>
             </a:r>
             <a:r>
-              <a:rPr sz="1200" spc="-10" dirty="0">
+              <a:rPr dirty="0" sz="1200" spc="-10">
                 <a:solidFill>
                   <a:srgbClr val="24292E"/>
                 </a:solidFill>
@@ -10384,7 +10371,7 @@
               </a:spcBef>
             </a:pPr>
             <a:r>
-              <a:rPr sz="1500" spc="-10" dirty="0">
+              <a:rPr dirty="0" sz="1500" spc="-10">
                 <a:solidFill>
                   <a:srgbClr val="24292E"/>
                 </a:solidFill>
@@ -10394,7 +10381,7 @@
               <a:t>5</a:t>
             </a:r>
             <a:r>
-              <a:rPr sz="1500" b="1" spc="-10" dirty="0">
+              <a:rPr dirty="0" sz="1500" spc="-10" b="1">
                 <a:solidFill>
                   <a:srgbClr val="24292E"/>
                 </a:solidFill>
@@ -10418,7 +10405,7 @@
               </a:spcBef>
             </a:pPr>
             <a:r>
-              <a:rPr sz="1200" dirty="0">
+              <a:rPr dirty="0" sz="1200">
                 <a:solidFill>
                   <a:srgbClr val="24292E"/>
                 </a:solidFill>
@@ -10428,7 +10415,7 @@
               <a:t>在主控函数中主义对比</a:t>
             </a:r>
             <a:r>
-              <a:rPr sz="1450" i="1" spc="-10" dirty="0">
+              <a:rPr dirty="0" sz="1450" spc="-10" i="1">
                 <a:solidFill>
                   <a:srgbClr val="24292E"/>
                 </a:solidFill>
@@ -10438,7 +10425,7 @@
               <a:t>θ</a:t>
             </a:r>
             <a:r>
-              <a:rPr sz="1500" i="1" spc="-15" baseline="-13888" dirty="0">
+              <a:rPr dirty="0" baseline="-13888" sz="1500" spc="-15" i="1">
                 <a:solidFill>
                   <a:srgbClr val="24292E"/>
                 </a:solidFill>
@@ -10448,7 +10435,7 @@
               <a:t>pred</a:t>
             </a:r>
             <a:r>
-              <a:rPr sz="1500" i="1" spc="-172" baseline="-13888" dirty="0">
+              <a:rPr dirty="0" baseline="-13888" sz="1500" spc="-172" i="1">
                 <a:solidFill>
                   <a:srgbClr val="24292E"/>
                 </a:solidFill>
@@ -10458,7 +10445,7 @@
               <a:t> </a:t>
             </a:r>
             <a:r>
-              <a:rPr sz="1200" dirty="0">
+              <a:rPr dirty="0" sz="1200">
                 <a:solidFill>
                   <a:srgbClr val="24292E"/>
                 </a:solidFill>
@@ -10468,7 +10455,7 @@
               <a:t>和真实</a:t>
             </a:r>
             <a:r>
-              <a:rPr sz="1450" i="1" spc="-180" dirty="0">
+              <a:rPr dirty="0" sz="1450" spc="-180" i="1">
                 <a:solidFill>
                   <a:srgbClr val="24292E"/>
                 </a:solidFill>
@@ -10478,7 +10465,7 @@
               <a:t>θ</a:t>
             </a:r>
             <a:r>
-              <a:rPr sz="1200" dirty="0">
+              <a:rPr dirty="0" sz="1200">
                 <a:solidFill>
                   <a:srgbClr val="24292E"/>
                 </a:solidFill>
@@ -10488,7 +10475,7 @@
               <a:t>向量，计算余弦相似度。将结果储存在数据库中。最终结果为</a:t>
             </a:r>
             <a:r>
-              <a:rPr sz="1200" spc="-10" dirty="0">
+              <a:rPr dirty="0" sz="1200" spc="-10">
                 <a:solidFill>
                   <a:srgbClr val="24292E"/>
                 </a:solidFill>
@@ -10498,7 +10485,7 @@
               <a:t>0.7088</a:t>
             </a:r>
             <a:r>
-              <a:rPr sz="1200" spc="-50" dirty="0">
+              <a:rPr dirty="0" sz="1200" spc="-50">
                 <a:solidFill>
                   <a:srgbClr val="24292E"/>
                 </a:solidFill>
@@ -10516,7 +10503,7 @@
       </p:sp>
       <p:sp>
         <p:nvSpPr>
-          <p:cNvPr id="8" name="object 8"/>
+          <p:cNvPr id="10" name="object 10" descr=""/>
           <p:cNvSpPr txBox="1"/>
           <p:nvPr/>
         </p:nvSpPr>
@@ -10530,7 +10517,7 @@
           </a:prstGeom>
         </p:spPr>
         <p:txBody>
-          <a:bodyPr vert="horz" wrap="square" lIns="0" tIns="12700" rIns="0" bIns="0" rtlCol="0">
+          <a:bodyPr wrap="square" lIns="0" tIns="12700" rIns="0" bIns="0" rtlCol="0" vert="horz">
             <a:spAutoFit/>
           </a:bodyPr>
           <a:lstStyle/>
@@ -10544,14 +10531,14 @@
               </a:spcBef>
             </a:pPr>
             <a:r>
-              <a:rPr sz="1800" b="1" spc="-10" dirty="0">
-                <a:solidFill>
-                  <a:srgbClr val="24292E"/>
-                </a:solidFill>
-                <a:latin typeface="Microsoft YaHei"/>
-                <a:cs typeface="Microsoft YaHei"/>
-              </a:rPr>
-              <a:t>五、本项目实际意义</a:t>
+              <a:rPr dirty="0" sz="1800" spc="-10" b="1">
+                <a:solidFill>
+                  <a:srgbClr val="24292E"/>
+                </a:solidFill>
+                <a:latin typeface="Microsoft YaHei"/>
+                <a:cs typeface="Microsoft YaHei"/>
+              </a:rPr>
+              <a:t>五、本项目使用说明</a:t>
             </a:r>
             <a:endParaRPr sz="1800">
               <a:latin typeface="Microsoft YaHei"/>
@@ -10562,13 +10549,380 @@
       </p:sp>
       <p:sp>
         <p:nvSpPr>
-          <p:cNvPr id="9" name="object 9"/>
+          <p:cNvPr id="11" name="object 11" descr=""/>
           <p:cNvSpPr/>
           <p:nvPr/>
         </p:nvSpPr>
         <p:spPr>
           <a:xfrm>
-            <a:off x="1552866" y="3493294"/>
+            <a:off x="2029252" y="3807709"/>
+            <a:ext cx="514984" cy="210185"/>
+          </a:xfrm>
+          <a:custGeom>
+            <a:avLst/>
+            <a:gdLst/>
+            <a:ahLst/>
+            <a:cxnLst/>
+            <a:rect l="l" t="t" r="r" b="b"/>
+            <a:pathLst>
+              <a:path w="514985" h="210185">
+                <a:moveTo>
+                  <a:pt x="489704" y="209608"/>
+                </a:moveTo>
+                <a:lnTo>
+                  <a:pt x="24792" y="209608"/>
+                </a:lnTo>
+                <a:lnTo>
+                  <a:pt x="21146" y="208882"/>
+                </a:lnTo>
+                <a:lnTo>
+                  <a:pt x="0" y="184815"/>
+                </a:lnTo>
+                <a:lnTo>
+                  <a:pt x="0" y="181026"/>
+                </a:lnTo>
+                <a:lnTo>
+                  <a:pt x="0" y="24792"/>
+                </a:lnTo>
+                <a:lnTo>
+                  <a:pt x="24792" y="0"/>
+                </a:lnTo>
+                <a:lnTo>
+                  <a:pt x="489704" y="0"/>
+                </a:lnTo>
+                <a:lnTo>
+                  <a:pt x="514497" y="24792"/>
+                </a:lnTo>
+                <a:lnTo>
+                  <a:pt x="514497" y="184815"/>
+                </a:lnTo>
+                <a:lnTo>
+                  <a:pt x="493350" y="208882"/>
+                </a:lnTo>
+                <a:lnTo>
+                  <a:pt x="489704" y="209608"/>
+                </a:lnTo>
+                <a:close/>
+              </a:path>
+            </a:pathLst>
+          </a:custGeom>
+          <a:solidFill>
+            <a:srgbClr val="1B1F23">
+              <a:alpha val="5099"/>
+            </a:srgbClr>
+          </a:solidFill>
+        </p:spPr>
+        <p:txBody>
+          <a:bodyPr wrap="square" lIns="0" tIns="0" rIns="0" bIns="0" rtlCol="0"/>
+          <a:lstStyle/>
+          <a:p/>
+        </p:txBody>
+      </p:sp>
+      <p:sp>
+        <p:nvSpPr>
+          <p:cNvPr id="12" name="object 12" descr=""/>
+          <p:cNvSpPr txBox="1"/>
+          <p:nvPr/>
+        </p:nvSpPr>
+        <p:spPr>
+          <a:xfrm>
+            <a:off x="1376614" y="3372360"/>
+            <a:ext cx="9403715" cy="859790"/>
+          </a:xfrm>
+          <a:prstGeom prst="rect">
+            <a:avLst/>
+          </a:prstGeom>
+        </p:spPr>
+        <p:txBody>
+          <a:bodyPr wrap="square" lIns="0" tIns="12700" rIns="0" bIns="0" rtlCol="0" vert="horz">
+            <a:spAutoFit/>
+          </a:bodyPr>
+          <a:lstStyle/>
+          <a:p>
+            <a:pPr marL="38100">
+              <a:lnSpc>
+                <a:spcPct val="100000"/>
+              </a:lnSpc>
+              <a:spcBef>
+                <a:spcPts val="100"/>
+              </a:spcBef>
+            </a:pPr>
+            <a:r>
+              <a:rPr dirty="0" sz="1200">
+                <a:solidFill>
+                  <a:srgbClr val="24292E"/>
+                </a:solidFill>
+                <a:latin typeface="Microsoft YaHei"/>
+                <a:cs typeface="Microsoft YaHei"/>
+              </a:rPr>
+              <a:t>由于本项目核心功能只有一个，即对比</a:t>
+            </a:r>
+            <a:r>
+              <a:rPr dirty="0" sz="1450" spc="-10" i="1">
+                <a:solidFill>
+                  <a:srgbClr val="24292E"/>
+                </a:solidFill>
+                <a:latin typeface="Palatino Linotype"/>
+                <a:cs typeface="Palatino Linotype"/>
+              </a:rPr>
+              <a:t>θ</a:t>
+            </a:r>
+            <a:r>
+              <a:rPr dirty="0" baseline="-8333" sz="1500" spc="-15" i="1">
+                <a:solidFill>
+                  <a:srgbClr val="24292E"/>
+                </a:solidFill>
+                <a:latin typeface="Palatino Linotype"/>
+                <a:cs typeface="Palatino Linotype"/>
+              </a:rPr>
+              <a:t>pred</a:t>
+            </a:r>
+            <a:r>
+              <a:rPr dirty="0" baseline="-8333" sz="1500" spc="-202" i="1">
+                <a:solidFill>
+                  <a:srgbClr val="24292E"/>
+                </a:solidFill>
+                <a:latin typeface="Palatino Linotype"/>
+                <a:cs typeface="Palatino Linotype"/>
+              </a:rPr>
+              <a:t> </a:t>
+            </a:r>
+            <a:r>
+              <a:rPr dirty="0" sz="1200">
+                <a:solidFill>
+                  <a:srgbClr val="24292E"/>
+                </a:solidFill>
+                <a:latin typeface="Microsoft YaHei"/>
+                <a:cs typeface="Microsoft YaHei"/>
+              </a:rPr>
+              <a:t>和真实向量，计算余弦相似度，因此</a:t>
+            </a:r>
+            <a:r>
+              <a:rPr dirty="0" sz="1200" spc="-10">
+                <a:solidFill>
+                  <a:srgbClr val="24292E"/>
+                </a:solidFill>
+                <a:latin typeface="Segoe UI"/>
+                <a:cs typeface="Segoe UI"/>
+              </a:rPr>
+              <a:t>GUI</a:t>
+            </a:r>
+            <a:r>
+              <a:rPr dirty="0" sz="1200" spc="-10">
+                <a:solidFill>
+                  <a:srgbClr val="24292E"/>
+                </a:solidFill>
+                <a:latin typeface="Microsoft YaHei"/>
+                <a:cs typeface="Microsoft YaHei"/>
+              </a:rPr>
+              <a:t>设计较为简单。</a:t>
+            </a:r>
+            <a:endParaRPr sz="1200">
+              <a:latin typeface="Microsoft YaHei"/>
+              <a:cs typeface="Microsoft YaHei"/>
+            </a:endParaRPr>
+          </a:p>
+          <a:p>
+            <a:pPr marL="38100" marR="30480">
+              <a:lnSpc>
+                <a:spcPct val="125000"/>
+              </a:lnSpc>
+              <a:spcBef>
+                <a:spcPts val="1225"/>
+              </a:spcBef>
+            </a:pPr>
+            <a:r>
+              <a:rPr dirty="0" sz="1200" spc="-5">
+                <a:solidFill>
+                  <a:srgbClr val="24292E"/>
+                </a:solidFill>
+                <a:latin typeface="Microsoft YaHei"/>
+                <a:cs typeface="Microsoft YaHei"/>
+              </a:rPr>
+              <a:t>只需运行 </a:t>
+            </a:r>
+            <a:r>
+              <a:rPr dirty="0" sz="1000">
+                <a:solidFill>
+                  <a:srgbClr val="24292E"/>
+                </a:solidFill>
+                <a:latin typeface="Consolas"/>
+                <a:cs typeface="Consolas"/>
+              </a:rPr>
+              <a:t>GUI.py</a:t>
+            </a:r>
+            <a:r>
+              <a:rPr dirty="0" sz="1000" spc="-175">
+                <a:solidFill>
+                  <a:srgbClr val="24292E"/>
+                </a:solidFill>
+                <a:latin typeface="Consolas"/>
+                <a:cs typeface="Consolas"/>
+              </a:rPr>
+              <a:t> </a:t>
+            </a:r>
+            <a:r>
+              <a:rPr dirty="0" sz="1200">
+                <a:solidFill>
+                  <a:srgbClr val="24292E"/>
+                </a:solidFill>
+                <a:latin typeface="Microsoft YaHei"/>
+                <a:cs typeface="Microsoft YaHei"/>
+              </a:rPr>
+              <a:t>，则会弹出运行窗口。左侧侧边栏部分为实验参数。点击左上角</a:t>
+            </a:r>
+            <a:r>
+              <a:rPr dirty="0" sz="1200">
+                <a:solidFill>
+                  <a:srgbClr val="24292E"/>
+                </a:solidFill>
+                <a:latin typeface="Segoe UI"/>
+                <a:cs typeface="Segoe UI"/>
+              </a:rPr>
+              <a:t>“</a:t>
+            </a:r>
+            <a:r>
+              <a:rPr dirty="0" sz="1200">
+                <a:solidFill>
+                  <a:srgbClr val="24292E"/>
+                </a:solidFill>
+                <a:latin typeface="Microsoft YaHei"/>
+                <a:cs typeface="Microsoft YaHei"/>
+              </a:rPr>
+              <a:t>开始完整模拟</a:t>
+            </a:r>
+            <a:r>
+              <a:rPr dirty="0" sz="1200">
+                <a:solidFill>
+                  <a:srgbClr val="24292E"/>
+                </a:solidFill>
+                <a:latin typeface="Segoe UI"/>
+                <a:cs typeface="Segoe UI"/>
+              </a:rPr>
+              <a:t>”</a:t>
+            </a:r>
+            <a:r>
+              <a:rPr dirty="0" sz="1200" spc="-5">
+                <a:solidFill>
+                  <a:srgbClr val="24292E"/>
+                </a:solidFill>
+                <a:latin typeface="Microsoft YaHei"/>
+                <a:cs typeface="Microsoft YaHei"/>
+              </a:rPr>
+              <a:t>键，则开始模拟，结果显示在左侧侧边栏下</a:t>
+            </a:r>
+            <a:r>
+              <a:rPr dirty="0" sz="1200">
+                <a:solidFill>
+                  <a:srgbClr val="24292E"/>
+                </a:solidFill>
+                <a:latin typeface="Microsoft YaHei"/>
+                <a:cs typeface="Microsoft YaHei"/>
+              </a:rPr>
+              <a:t>方。模拟完成后，点击右上角</a:t>
+            </a:r>
+            <a:r>
+              <a:rPr dirty="0" sz="1200">
+                <a:solidFill>
+                  <a:srgbClr val="24292E"/>
+                </a:solidFill>
+                <a:latin typeface="Segoe UI"/>
+                <a:cs typeface="Segoe UI"/>
+              </a:rPr>
+              <a:t>“</a:t>
+            </a:r>
+            <a:r>
+              <a:rPr dirty="0" sz="1200">
+                <a:solidFill>
+                  <a:srgbClr val="24292E"/>
+                </a:solidFill>
+                <a:latin typeface="Microsoft YaHei"/>
+                <a:cs typeface="Microsoft YaHei"/>
+              </a:rPr>
+              <a:t>退出系统</a:t>
+            </a:r>
+            <a:r>
+              <a:rPr dirty="0" sz="1200">
+                <a:solidFill>
+                  <a:srgbClr val="24292E"/>
+                </a:solidFill>
+                <a:latin typeface="Segoe UI"/>
+                <a:cs typeface="Segoe UI"/>
+              </a:rPr>
+              <a:t>“</a:t>
+            </a:r>
+            <a:r>
+              <a:rPr dirty="0" sz="1200" spc="-10">
+                <a:solidFill>
+                  <a:srgbClr val="24292E"/>
+                </a:solidFill>
+                <a:latin typeface="Microsoft YaHei"/>
+                <a:cs typeface="Microsoft YaHei"/>
+              </a:rPr>
+              <a:t>，即可结束模拟。</a:t>
+            </a:r>
+            <a:endParaRPr sz="1200">
+              <a:latin typeface="Microsoft YaHei"/>
+              <a:cs typeface="Microsoft YaHei"/>
+            </a:endParaRPr>
+          </a:p>
+        </p:txBody>
+      </p:sp>
+      <p:sp>
+        <p:nvSpPr>
+          <p:cNvPr id="13" name="object 13" descr=""/>
+          <p:cNvSpPr txBox="1"/>
+          <p:nvPr/>
+        </p:nvSpPr>
+        <p:spPr>
+          <a:xfrm>
+            <a:off x="1402014" y="4776365"/>
+            <a:ext cx="2083435" cy="300355"/>
+          </a:xfrm>
+          <a:prstGeom prst="rect">
+            <a:avLst/>
+          </a:prstGeom>
+        </p:spPr>
+        <p:txBody>
+          <a:bodyPr wrap="square" lIns="0" tIns="12700" rIns="0" bIns="0" rtlCol="0" vert="horz">
+            <a:spAutoFit/>
+          </a:bodyPr>
+          <a:lstStyle/>
+          <a:p>
+            <a:pPr marL="12700">
+              <a:lnSpc>
+                <a:spcPct val="100000"/>
+              </a:lnSpc>
+              <a:spcBef>
+                <a:spcPts val="100"/>
+              </a:spcBef>
+            </a:pPr>
+            <a:r>
+              <a:rPr dirty="0" sz="1800" spc="-10" b="1">
+                <a:solidFill>
+                  <a:srgbClr val="24292E"/>
+                </a:solidFill>
+                <a:latin typeface="Microsoft YaHei"/>
+                <a:cs typeface="Microsoft YaHei"/>
+              </a:rPr>
+              <a:t>六、本项目实际意义</a:t>
+            </a:r>
+            <a:endParaRPr sz="1800">
+              <a:latin typeface="Microsoft YaHei"/>
+              <a:cs typeface="Microsoft YaHei"/>
+            </a:endParaRPr>
+          </a:p>
+        </p:txBody>
+      </p:sp>
+      <p:sp>
+        <p:nvSpPr>
+          <p:cNvPr id="14" name="object 14" descr=""/>
+          <p:cNvSpPr/>
+          <p:nvPr/>
+        </p:nvSpPr>
+        <p:spPr>
+          <a:xfrm>
+            <a:off x="1552866" y="5389311"/>
             <a:ext cx="57785" cy="57785"/>
           </a:xfrm>
           <a:custGeom>
@@ -10580,19 +10934,19 @@
             <a:pathLst>
               <a:path w="57784" h="57785">
                 <a:moveTo>
-                  <a:pt x="32373" y="57164"/>
+                  <a:pt x="32373" y="57166"/>
                 </a:moveTo>
                 <a:lnTo>
-                  <a:pt x="24792" y="57164"/>
-                </a:lnTo>
-                <a:lnTo>
-                  <a:pt x="21146" y="56438"/>
+                  <a:pt x="24792" y="57166"/>
+                </a:lnTo>
+                <a:lnTo>
+                  <a:pt x="21146" y="56440"/>
                 </a:lnTo>
                 <a:lnTo>
                   <a:pt x="0" y="32372"/>
                 </a:lnTo>
                 <a:lnTo>
-                  <a:pt x="0" y="24789"/>
+                  <a:pt x="0" y="24792"/>
                 </a:lnTo>
                 <a:lnTo>
                   <a:pt x="24792" y="0"/>
@@ -10607,7 +10961,7 @@
                   <a:pt x="57166" y="32372"/>
                 </a:lnTo>
                 <a:lnTo>
-                  <a:pt x="32373" y="57164"/>
+                  <a:pt x="32373" y="57166"/>
                 </a:lnTo>
                 <a:close/>
               </a:path>
@@ -10620,98 +10974,31 @@
         <p:txBody>
           <a:bodyPr wrap="square" lIns="0" tIns="0" rIns="0" bIns="0" rtlCol="0"/>
           <a:lstStyle/>
-          <a:p>
-            <a:endParaRPr/>
-          </a:p>
+          <a:p/>
         </p:txBody>
       </p:sp>
       <p:sp>
         <p:nvSpPr>
-          <p:cNvPr id="10" name="object 10"/>
-          <p:cNvSpPr/>
-          <p:nvPr/>
-        </p:nvSpPr>
-        <p:spPr>
-          <a:xfrm>
-            <a:off x="1552866" y="3874403"/>
-            <a:ext cx="57785" cy="57785"/>
-          </a:xfrm>
-          <a:custGeom>
-            <a:avLst/>
-            <a:gdLst/>
-            <a:ahLst/>
-            <a:cxnLst/>
-            <a:rect l="l" t="t" r="r" b="b"/>
-            <a:pathLst>
-              <a:path w="57784" h="57785">
-                <a:moveTo>
-                  <a:pt x="32373" y="57164"/>
-                </a:moveTo>
-                <a:lnTo>
-                  <a:pt x="24792" y="57164"/>
-                </a:lnTo>
-                <a:lnTo>
-                  <a:pt x="21146" y="56438"/>
-                </a:lnTo>
-                <a:lnTo>
-                  <a:pt x="0" y="32372"/>
-                </a:lnTo>
-                <a:lnTo>
-                  <a:pt x="0" y="24789"/>
-                </a:lnTo>
-                <a:lnTo>
-                  <a:pt x="24792" y="0"/>
-                </a:lnTo>
-                <a:lnTo>
-                  <a:pt x="32373" y="0"/>
-                </a:lnTo>
-                <a:lnTo>
-                  <a:pt x="57166" y="28583"/>
-                </a:lnTo>
-                <a:lnTo>
-                  <a:pt x="57166" y="32372"/>
-                </a:lnTo>
-                <a:lnTo>
-                  <a:pt x="32373" y="57164"/>
-                </a:lnTo>
-                <a:close/>
-              </a:path>
-            </a:pathLst>
-          </a:custGeom>
-          <a:solidFill>
-            <a:srgbClr val="24292E"/>
-          </a:solidFill>
-        </p:spPr>
-        <p:txBody>
-          <a:bodyPr wrap="square" lIns="0" tIns="0" rIns="0" bIns="0" rtlCol="0"/>
-          <a:lstStyle/>
-          <a:p>
-            <a:endParaRPr/>
-          </a:p>
-        </p:txBody>
-      </p:sp>
-      <p:sp>
-        <p:nvSpPr>
-          <p:cNvPr id="11" name="object 11"/>
+          <p:cNvPr id="15" name="object 15" descr=""/>
           <p:cNvSpPr txBox="1"/>
           <p:nvPr/>
         </p:nvSpPr>
         <p:spPr>
           <a:xfrm>
-            <a:off x="1402014" y="3404373"/>
-            <a:ext cx="9316720" cy="1209040"/>
+            <a:off x="1706901" y="5300390"/>
+            <a:ext cx="3279140" cy="208915"/>
           </a:xfrm>
           <a:prstGeom prst="rect">
             <a:avLst/>
           </a:prstGeom>
         </p:spPr>
         <p:txBody>
-          <a:bodyPr vert="horz" wrap="square" lIns="0" tIns="12700" rIns="0" bIns="0" rtlCol="0">
+          <a:bodyPr wrap="square" lIns="0" tIns="12700" rIns="0" bIns="0" rtlCol="0" vert="horz">
             <a:spAutoFit/>
           </a:bodyPr>
           <a:lstStyle/>
           <a:p>
-            <a:pPr marL="317500">
+            <a:pPr marL="12700">
               <a:lnSpc>
                 <a:spcPct val="100000"/>
               </a:lnSpc>
@@ -10720,7 +11007,7 @@
               </a:spcBef>
             </a:pPr>
             <a:r>
-              <a:rPr sz="1200" spc="-25" dirty="0">
+              <a:rPr dirty="0" sz="1200" spc="-25">
                 <a:solidFill>
                   <a:srgbClr val="24292E"/>
                 </a:solidFill>
@@ -10730,7 +11017,7 @@
               <a:t>为 </a:t>
             </a:r>
             <a:r>
-              <a:rPr sz="1200" dirty="0">
+              <a:rPr dirty="0" sz="1200">
                 <a:solidFill>
                   <a:srgbClr val="24292E"/>
                 </a:solidFill>
@@ -10740,7 +11027,7 @@
               <a:t>LDA</a:t>
             </a:r>
             <a:r>
-              <a:rPr sz="1200" spc="-20" dirty="0">
+              <a:rPr dirty="0" sz="1200" spc="-20">
                 <a:solidFill>
                   <a:srgbClr val="24292E"/>
                 </a:solidFill>
@@ -10750,7 +11037,7 @@
               <a:t> </a:t>
             </a:r>
             <a:r>
-              <a:rPr sz="1200" dirty="0">
+              <a:rPr dirty="0" sz="1200">
                 <a:solidFill>
                   <a:srgbClr val="24292E"/>
                 </a:solidFill>
@@ -10760,7 +11047,7 @@
               <a:t>模型的应用提供统计可靠性背书（主要</a:t>
             </a:r>
             <a:r>
-              <a:rPr sz="1200" spc="-50" dirty="0">
+              <a:rPr dirty="0" sz="1200" spc="-50">
                 <a:solidFill>
                   <a:srgbClr val="24292E"/>
                 </a:solidFill>
@@ -10772,238 +11059,6 @@
             <a:endParaRPr sz="1200">
               <a:latin typeface="Microsoft YaHei"/>
               <a:cs typeface="Microsoft YaHei"/>
-            </a:endParaRPr>
-          </a:p>
-          <a:p>
-            <a:pPr marL="317500">
-              <a:lnSpc>
-                <a:spcPct val="100000"/>
-              </a:lnSpc>
-              <a:spcBef>
-                <a:spcPts val="1310"/>
-              </a:spcBef>
-            </a:pPr>
-            <a:r>
-              <a:rPr sz="1200" dirty="0">
-                <a:solidFill>
-                  <a:srgbClr val="24292E"/>
-                </a:solidFill>
-                <a:latin typeface="Microsoft YaHei"/>
-                <a:cs typeface="Microsoft YaHei"/>
-              </a:rPr>
-              <a:t>在推荐系统、文本聚类和情感分析等任务中，</a:t>
-            </a:r>
-            <a:r>
-              <a:rPr sz="1450" b="1" i="1" dirty="0">
-                <a:solidFill>
-                  <a:srgbClr val="24292E"/>
-                </a:solidFill>
-                <a:latin typeface="Arial"/>
-                <a:cs typeface="Arial"/>
-              </a:rPr>
-              <a:t>θ</a:t>
-            </a:r>
-            <a:r>
-              <a:rPr sz="1450" b="1" i="1" spc="-30" dirty="0">
-                <a:solidFill>
-                  <a:srgbClr val="24292E"/>
-                </a:solidFill>
-                <a:latin typeface="Arial"/>
-                <a:cs typeface="Arial"/>
-              </a:rPr>
-              <a:t> </a:t>
-            </a:r>
-            <a:r>
-              <a:rPr sz="1200" dirty="0">
-                <a:solidFill>
-                  <a:srgbClr val="24292E"/>
-                </a:solidFill>
-                <a:latin typeface="Microsoft YaHei"/>
-                <a:cs typeface="Microsoft YaHei"/>
-              </a:rPr>
-              <a:t>向量经常被用作文档的精简特征表示。只有经过高相似度验证（即模型推断准确）</a:t>
-            </a:r>
-            <a:r>
-              <a:rPr sz="1200" spc="-15" dirty="0">
-                <a:solidFill>
-                  <a:srgbClr val="24292E"/>
-                </a:solidFill>
-                <a:latin typeface="Microsoft YaHei"/>
-                <a:cs typeface="Microsoft YaHei"/>
-              </a:rPr>
-              <a:t>的 </a:t>
-            </a:r>
-            <a:r>
-              <a:rPr sz="1450" b="1" i="1" spc="-50" dirty="0">
-                <a:solidFill>
-                  <a:srgbClr val="24292E"/>
-                </a:solidFill>
-                <a:latin typeface="Arial"/>
-                <a:cs typeface="Arial"/>
-              </a:rPr>
-              <a:t>θ</a:t>
-            </a:r>
-            <a:endParaRPr sz="1450">
-              <a:latin typeface="Arial"/>
-              <a:cs typeface="Arial"/>
-            </a:endParaRPr>
-          </a:p>
-          <a:p>
-            <a:pPr marL="317500">
-              <a:lnSpc>
-                <a:spcPct val="100000"/>
-              </a:lnSpc>
-              <a:spcBef>
-                <a:spcPts val="385"/>
-              </a:spcBef>
-            </a:pPr>
-            <a:r>
-              <a:rPr sz="1200" dirty="0">
-                <a:solidFill>
-                  <a:srgbClr val="24292E"/>
-                </a:solidFill>
-                <a:latin typeface="Microsoft YaHei"/>
-                <a:cs typeface="Microsoft YaHei"/>
-              </a:rPr>
-              <a:t>向量，才能确保后续算法建立在高质量的数据基础之上，避免</a:t>
-            </a:r>
-            <a:r>
-              <a:rPr sz="1200" dirty="0">
-                <a:solidFill>
-                  <a:srgbClr val="24292E"/>
-                </a:solidFill>
-                <a:latin typeface="Segoe UI"/>
-                <a:cs typeface="Segoe UI"/>
-              </a:rPr>
-              <a:t>“</a:t>
-            </a:r>
-            <a:r>
-              <a:rPr sz="1200" dirty="0">
-                <a:solidFill>
-                  <a:srgbClr val="24292E"/>
-                </a:solidFill>
-                <a:latin typeface="Microsoft YaHei"/>
-                <a:cs typeface="Microsoft YaHei"/>
-              </a:rPr>
-              <a:t>垃圾输入，垃圾输出</a:t>
-            </a:r>
-            <a:r>
-              <a:rPr sz="1200" dirty="0">
-                <a:solidFill>
-                  <a:srgbClr val="24292E"/>
-                </a:solidFill>
-                <a:latin typeface="Segoe UI"/>
-                <a:cs typeface="Segoe UI"/>
-              </a:rPr>
-              <a:t>”</a:t>
-            </a:r>
-            <a:r>
-              <a:rPr sz="1200" spc="-15" dirty="0">
-                <a:solidFill>
-                  <a:srgbClr val="24292E"/>
-                </a:solidFill>
-                <a:latin typeface="Microsoft YaHei"/>
-                <a:cs typeface="Microsoft YaHei"/>
-              </a:rPr>
-              <a:t>的问题。</a:t>
-            </a:r>
-            <a:endParaRPr sz="1200">
-              <a:latin typeface="Microsoft YaHei"/>
-              <a:cs typeface="Microsoft YaHei"/>
-            </a:endParaRPr>
-          </a:p>
-          <a:p>
-            <a:pPr marL="12700">
-              <a:lnSpc>
-                <a:spcPct val="100000"/>
-              </a:lnSpc>
-              <a:spcBef>
-                <a:spcPts val="1560"/>
-              </a:spcBef>
-            </a:pPr>
-            <a:r>
-              <a:rPr sz="1200" dirty="0">
-                <a:solidFill>
-                  <a:srgbClr val="24292E"/>
-                </a:solidFill>
-                <a:latin typeface="Microsoft YaHei"/>
-                <a:cs typeface="Microsoft YaHei"/>
-              </a:rPr>
-              <a:t>注：本项目在函数的命名和输出的格式化上使用了</a:t>
-            </a:r>
-            <a:r>
-              <a:rPr sz="1200" dirty="0">
-                <a:solidFill>
-                  <a:srgbClr val="24292E"/>
-                </a:solidFill>
-                <a:latin typeface="Segoe UI"/>
-                <a:cs typeface="Segoe UI"/>
-              </a:rPr>
-              <a:t>AI</a:t>
-            </a:r>
-            <a:r>
-              <a:rPr sz="1200" dirty="0">
-                <a:solidFill>
-                  <a:srgbClr val="24292E"/>
-                </a:solidFill>
-                <a:latin typeface="Microsoft YaHei"/>
-                <a:cs typeface="Microsoft YaHei"/>
-              </a:rPr>
-              <a:t>：</a:t>
-            </a:r>
-            <a:r>
-              <a:rPr sz="1200" dirty="0">
-                <a:solidFill>
-                  <a:srgbClr val="24292E"/>
-                </a:solidFill>
-                <a:latin typeface="Segoe UI"/>
-                <a:cs typeface="Segoe UI"/>
-              </a:rPr>
-              <a:t>Gemini</a:t>
-            </a:r>
-            <a:r>
-              <a:rPr sz="1200" spc="-15" dirty="0">
-                <a:solidFill>
-                  <a:srgbClr val="24292E"/>
-                </a:solidFill>
-                <a:latin typeface="Segoe UI"/>
-                <a:cs typeface="Segoe UI"/>
-              </a:rPr>
-              <a:t> </a:t>
-            </a:r>
-            <a:r>
-              <a:rPr sz="1200" dirty="0">
-                <a:solidFill>
-                  <a:srgbClr val="24292E"/>
-                </a:solidFill>
-                <a:latin typeface="Segoe UI"/>
-                <a:cs typeface="Segoe UI"/>
-              </a:rPr>
-              <a:t>2.5</a:t>
-            </a:r>
-            <a:r>
-              <a:rPr sz="1200" spc="-15" dirty="0">
-                <a:solidFill>
-                  <a:srgbClr val="24292E"/>
-                </a:solidFill>
-                <a:latin typeface="Segoe UI"/>
-                <a:cs typeface="Segoe UI"/>
-              </a:rPr>
-              <a:t> </a:t>
-            </a:r>
-            <a:r>
-              <a:rPr sz="1200" spc="-10" dirty="0">
-                <a:solidFill>
-                  <a:srgbClr val="24292E"/>
-                </a:solidFill>
-                <a:latin typeface="Segoe UI"/>
-                <a:cs typeface="Segoe UI"/>
-              </a:rPr>
-              <a:t>Flash</a:t>
-            </a:r>
-            <a:endParaRPr sz="1200">
-              <a:latin typeface="Segoe UI"/>
-              <a:cs typeface="Segoe UI"/>
             </a:endParaRPr>
           </a:p>
         </p:txBody>
@@ -11017,7 +11072,7 @@
 </file>
 
 <file path=ppt/slides/slide6.xml><?xml version="1.0" encoding="utf-8"?>
-<p:sld xmlns:a="http://schemas.openxmlformats.org/drawingml/2006/main" xmlns:r="http://schemas.openxmlformats.org/officeDocument/2006/relationships" xmlns:p="http://schemas.openxmlformats.org/presentationml/2006/main">
+<p:sld xmlns:a="http://schemas.openxmlformats.org/drawingml/2006/main" xmlns:r="http://schemas.openxmlformats.org/officeDocument/2006/relationships" xmlns:p="http://schemas.openxmlformats.org/presentationml/2006/main" showMasterSp="0">
   <p:cSld>
     <p:spTree>
       <p:nvGrpSpPr>
@@ -11035,69 +11090,322 @@
       </p:grpSpPr>
       <p:sp>
         <p:nvSpPr>
-          <p:cNvPr id="2" name="标题 1">
-            <a:extLst>
-              <a:ext uri="{FF2B5EF4-FFF2-40B4-BE49-F238E27FC236}">
-                <a16:creationId xmlns:a16="http://schemas.microsoft.com/office/drawing/2014/main" id="{E39ECC9E-948F-4A17-8BF9-171C60DA1B9C}"/>
-              </a:ext>
-            </a:extLst>
-          </p:cNvPr>
-          <p:cNvSpPr>
-            <a:spLocks noGrp="1"/>
-          </p:cNvSpPr>
-          <p:nvPr>
-            <p:ph type="ctrTitle"/>
-          </p:nvPr>
+          <p:cNvPr id="2" name="object 2" descr=""/>
+          <p:cNvSpPr/>
+          <p:nvPr/>
         </p:nvSpPr>
         <p:spPr>
           <a:xfrm>
-            <a:off x="912971" y="2120073"/>
-            <a:ext cx="10347008" cy="615553"/>
+            <a:off x="1552866" y="806474"/>
+            <a:ext cx="57785" cy="57785"/>
           </a:xfrm>
+          <a:custGeom>
+            <a:avLst/>
+            <a:gdLst/>
+            <a:ahLst/>
+            <a:cxnLst/>
+            <a:rect l="l" t="t" r="r" b="b"/>
+            <a:pathLst>
+              <a:path w="57784" h="57784">
+                <a:moveTo>
+                  <a:pt x="32373" y="57164"/>
+                </a:moveTo>
+                <a:lnTo>
+                  <a:pt x="24792" y="57164"/>
+                </a:lnTo>
+                <a:lnTo>
+                  <a:pt x="21146" y="56438"/>
+                </a:lnTo>
+                <a:lnTo>
+                  <a:pt x="0" y="32372"/>
+                </a:lnTo>
+                <a:lnTo>
+                  <a:pt x="0" y="24789"/>
+                </a:lnTo>
+                <a:lnTo>
+                  <a:pt x="24792" y="0"/>
+                </a:lnTo>
+                <a:lnTo>
+                  <a:pt x="32373" y="0"/>
+                </a:lnTo>
+                <a:lnTo>
+                  <a:pt x="57166" y="28583"/>
+                </a:lnTo>
+                <a:lnTo>
+                  <a:pt x="57166" y="32372"/>
+                </a:lnTo>
+                <a:lnTo>
+                  <a:pt x="32373" y="57164"/>
+                </a:lnTo>
+                <a:close/>
+              </a:path>
+            </a:pathLst>
+          </a:custGeom>
+          <a:solidFill>
+            <a:srgbClr val="24292E"/>
+          </a:solidFill>
         </p:spPr>
         <p:txBody>
-          <a:bodyPr/>
+          <a:bodyPr wrap="square" lIns="0" tIns="0" rIns="0" bIns="0" rtlCol="0"/>
           <a:lstStyle/>
-          <a:p>
-            <a:pPr algn="ctr"/>
-            <a:r>
-              <a:rPr lang="zh-CN" altLang="en-US" sz="4000"/>
-              <a:t>谢谢</a:t>
-            </a:r>
-          </a:p>
+          <a:p/>
         </p:txBody>
       </p:sp>
       <p:sp>
         <p:nvSpPr>
-          <p:cNvPr id="3" name="副标题 2">
-            <a:extLst>
-              <a:ext uri="{FF2B5EF4-FFF2-40B4-BE49-F238E27FC236}">
-                <a16:creationId xmlns:a16="http://schemas.microsoft.com/office/drawing/2014/main" id="{E790C6D0-D440-482C-89AD-F063D7E62B34}"/>
-              </a:ext>
-            </a:extLst>
-          </p:cNvPr>
-          <p:cNvSpPr>
-            <a:spLocks noGrp="1"/>
-          </p:cNvSpPr>
-          <p:nvPr>
-            <p:ph type="subTitle" idx="4"/>
-          </p:nvPr>
+          <p:cNvPr id="3" name="object 3" descr=""/>
+          <p:cNvSpPr txBox="1"/>
+          <p:nvPr/>
         </p:nvSpPr>
-        <p:spPr/>
+        <p:spPr>
+          <a:xfrm>
+            <a:off x="1402014" y="626422"/>
+            <a:ext cx="9316720" cy="918844"/>
+          </a:xfrm>
+          <a:prstGeom prst="rect">
+            <a:avLst/>
+          </a:prstGeom>
+        </p:spPr>
         <p:txBody>
-          <a:bodyPr/>
+          <a:bodyPr wrap="square" lIns="0" tIns="71755" rIns="0" bIns="0" rtlCol="0" vert="horz">
+            <a:spAutoFit/>
+          </a:bodyPr>
           <a:lstStyle/>
           <a:p>
-            <a:endParaRPr lang="zh-CN" altLang="en-US"/>
+            <a:pPr marL="317500">
+              <a:lnSpc>
+                <a:spcPct val="100000"/>
+              </a:lnSpc>
+              <a:spcBef>
+                <a:spcPts val="565"/>
+              </a:spcBef>
+            </a:pPr>
+            <a:r>
+              <a:rPr dirty="0" sz="1200">
+                <a:solidFill>
+                  <a:srgbClr val="24292E"/>
+                </a:solidFill>
+                <a:latin typeface="Microsoft YaHei"/>
+                <a:cs typeface="Microsoft YaHei"/>
+              </a:rPr>
+              <a:t>在推荐系统、文本聚类和情感分析等任务中，</a:t>
+            </a:r>
+            <a:r>
+              <a:rPr dirty="0" sz="1450" b="1" i="1">
+                <a:solidFill>
+                  <a:srgbClr val="24292E"/>
+                </a:solidFill>
+                <a:latin typeface="Arial"/>
+                <a:cs typeface="Arial"/>
+              </a:rPr>
+              <a:t>θ</a:t>
+            </a:r>
+            <a:r>
+              <a:rPr dirty="0" sz="1450" spc="-30" b="1" i="1">
+                <a:solidFill>
+                  <a:srgbClr val="24292E"/>
+                </a:solidFill>
+                <a:latin typeface="Arial"/>
+                <a:cs typeface="Arial"/>
+              </a:rPr>
+              <a:t> </a:t>
+            </a:r>
+            <a:r>
+              <a:rPr dirty="0" sz="1200">
+                <a:solidFill>
+                  <a:srgbClr val="24292E"/>
+                </a:solidFill>
+                <a:latin typeface="Microsoft YaHei"/>
+                <a:cs typeface="Microsoft YaHei"/>
+              </a:rPr>
+              <a:t>向量经常被用作文档的精简特征表示。只有经过高相似度验证（即模型推断准确）</a:t>
+            </a:r>
+            <a:r>
+              <a:rPr dirty="0" sz="1200" spc="-15">
+                <a:solidFill>
+                  <a:srgbClr val="24292E"/>
+                </a:solidFill>
+                <a:latin typeface="Microsoft YaHei"/>
+                <a:cs typeface="Microsoft YaHei"/>
+              </a:rPr>
+              <a:t>的 </a:t>
+            </a:r>
+            <a:r>
+              <a:rPr dirty="0" sz="1450" spc="-50" b="1" i="1">
+                <a:solidFill>
+                  <a:srgbClr val="24292E"/>
+                </a:solidFill>
+                <a:latin typeface="Arial"/>
+                <a:cs typeface="Arial"/>
+              </a:rPr>
+              <a:t>θ</a:t>
+            </a:r>
+            <a:endParaRPr sz="1450">
+              <a:latin typeface="Arial"/>
+              <a:cs typeface="Arial"/>
+            </a:endParaRPr>
+          </a:p>
+          <a:p>
+            <a:pPr marL="317500">
+              <a:lnSpc>
+                <a:spcPct val="100000"/>
+              </a:lnSpc>
+              <a:spcBef>
+                <a:spcPts val="385"/>
+              </a:spcBef>
+            </a:pPr>
+            <a:r>
+              <a:rPr dirty="0" sz="1200">
+                <a:solidFill>
+                  <a:srgbClr val="24292E"/>
+                </a:solidFill>
+                <a:latin typeface="Microsoft YaHei"/>
+                <a:cs typeface="Microsoft YaHei"/>
+              </a:rPr>
+              <a:t>向量，才能确保后续算法建立在高质量的数据基础之上，避免</a:t>
+            </a:r>
+            <a:r>
+              <a:rPr dirty="0" sz="1200">
+                <a:solidFill>
+                  <a:srgbClr val="24292E"/>
+                </a:solidFill>
+                <a:latin typeface="Segoe UI"/>
+                <a:cs typeface="Segoe UI"/>
+              </a:rPr>
+              <a:t>“</a:t>
+            </a:r>
+            <a:r>
+              <a:rPr dirty="0" sz="1200">
+                <a:solidFill>
+                  <a:srgbClr val="24292E"/>
+                </a:solidFill>
+                <a:latin typeface="Microsoft YaHei"/>
+                <a:cs typeface="Microsoft YaHei"/>
+              </a:rPr>
+              <a:t>垃圾输入，垃圾输出</a:t>
+            </a:r>
+            <a:r>
+              <a:rPr dirty="0" sz="1200">
+                <a:solidFill>
+                  <a:srgbClr val="24292E"/>
+                </a:solidFill>
+                <a:latin typeface="Segoe UI"/>
+                <a:cs typeface="Segoe UI"/>
+              </a:rPr>
+              <a:t>”</a:t>
+            </a:r>
+            <a:r>
+              <a:rPr dirty="0" sz="1200" spc="-15">
+                <a:solidFill>
+                  <a:srgbClr val="24292E"/>
+                </a:solidFill>
+                <a:latin typeface="Microsoft YaHei"/>
+                <a:cs typeface="Microsoft YaHei"/>
+              </a:rPr>
+              <a:t>的问题。</a:t>
+            </a:r>
+            <a:endParaRPr sz="1200">
+              <a:latin typeface="Microsoft YaHei"/>
+              <a:cs typeface="Microsoft YaHei"/>
+            </a:endParaRPr>
+          </a:p>
+          <a:p>
+            <a:pPr marL="12700">
+              <a:lnSpc>
+                <a:spcPct val="100000"/>
+              </a:lnSpc>
+              <a:spcBef>
+                <a:spcPts val="1565"/>
+              </a:spcBef>
+            </a:pPr>
+            <a:r>
+              <a:rPr dirty="0" sz="1200">
+                <a:solidFill>
+                  <a:srgbClr val="24292E"/>
+                </a:solidFill>
+                <a:latin typeface="Microsoft YaHei"/>
+                <a:cs typeface="Microsoft YaHei"/>
+              </a:rPr>
+              <a:t>注：本项目在函数的命名和输出的格式化上使用了</a:t>
+            </a:r>
+            <a:r>
+              <a:rPr dirty="0" sz="1200">
+                <a:solidFill>
+                  <a:srgbClr val="24292E"/>
+                </a:solidFill>
+                <a:latin typeface="Segoe UI"/>
+                <a:cs typeface="Segoe UI"/>
+              </a:rPr>
+              <a:t>AI</a:t>
+            </a:r>
+            <a:r>
+              <a:rPr dirty="0" sz="1200">
+                <a:solidFill>
+                  <a:srgbClr val="24292E"/>
+                </a:solidFill>
+                <a:latin typeface="Microsoft YaHei"/>
+                <a:cs typeface="Microsoft YaHei"/>
+              </a:rPr>
+              <a:t>：</a:t>
+            </a:r>
+            <a:r>
+              <a:rPr dirty="0" sz="1200">
+                <a:solidFill>
+                  <a:srgbClr val="24292E"/>
+                </a:solidFill>
+                <a:latin typeface="Segoe UI"/>
+                <a:cs typeface="Segoe UI"/>
+              </a:rPr>
+              <a:t>Gemini</a:t>
+            </a:r>
+            <a:r>
+              <a:rPr dirty="0" sz="1200" spc="-15">
+                <a:solidFill>
+                  <a:srgbClr val="24292E"/>
+                </a:solidFill>
+                <a:latin typeface="Segoe UI"/>
+                <a:cs typeface="Segoe UI"/>
+              </a:rPr>
+              <a:t> </a:t>
+            </a:r>
+            <a:r>
+              <a:rPr dirty="0" sz="1200">
+                <a:solidFill>
+                  <a:srgbClr val="24292E"/>
+                </a:solidFill>
+                <a:latin typeface="Segoe UI"/>
+                <a:cs typeface="Segoe UI"/>
+              </a:rPr>
+              <a:t>2.5</a:t>
+            </a:r>
+            <a:r>
+              <a:rPr dirty="0" sz="1200" spc="-15">
+                <a:solidFill>
+                  <a:srgbClr val="24292E"/>
+                </a:solidFill>
+                <a:latin typeface="Segoe UI"/>
+                <a:cs typeface="Segoe UI"/>
+              </a:rPr>
+              <a:t> </a:t>
+            </a:r>
+            <a:r>
+              <a:rPr dirty="0" sz="1200" spc="-10">
+                <a:solidFill>
+                  <a:srgbClr val="24292E"/>
+                </a:solidFill>
+                <a:latin typeface="Segoe UI"/>
+                <a:cs typeface="Segoe UI"/>
+              </a:rPr>
+              <a:t>Flash</a:t>
+            </a:r>
+            <a:endParaRPr sz="1200">
+              <a:latin typeface="Segoe UI"/>
+              <a:cs typeface="Segoe UI"/>
+            </a:endParaRPr>
           </a:p>
         </p:txBody>
       </p:sp>
     </p:spTree>
-    <p:extLst>
-      <p:ext uri="{BB962C8B-B14F-4D97-AF65-F5344CB8AC3E}">
-        <p14:creationId xmlns:p14="http://schemas.microsoft.com/office/powerpoint/2010/main" val="1751256303"/>
-      </p:ext>
-    </p:extLst>
   </p:cSld>
   <p:clrMapOvr>
     <a:masterClrMapping/>
